--- a/site/Genea_tree_presta.pptx
+++ b/site/Genea_tree_presta.pptx
@@ -1,25 +1,124 @@
 
 <file path=ppt/presentation.xml><?xml version="1.0" encoding="utf-8"?>
-<p:presentation xmlns:a="http://schemas.openxmlformats.org/drawingml/2006/main" xmlns:p="http://schemas.openxmlformats.org/presentationml/2006/main" xmlns:r="http://schemas.openxmlformats.org/officeDocument/2006/relationships" xmlns:p14="http://schemas.microsoft.com/office/powerpoint/2010/main" xmlns:p15="http://schemas.microsoft.com/office/powerpoint/2012/main" xmlns:mc="http://schemas.openxmlformats.org/markup-compatibility/2006">
+<p:presentation xmlns:a="http://schemas.openxmlformats.org/drawingml/2006/main" xmlns:r="http://schemas.openxmlformats.org/officeDocument/2006/relationships" xmlns:p="http://schemas.openxmlformats.org/presentationml/2006/main" saveSubsetFonts="1">
   <p:sldMasterIdLst>
-    <p:sldMasterId id="2147483648" r:id="rId2"/>
-    <p:sldMasterId id="2147483661" r:id="rId3"/>
+    <p:sldMasterId id="2147483648" r:id="rId1"/>
+    <p:sldMasterId id="2147483661" r:id="rId2"/>
   </p:sldMasterIdLst>
   <p:sldIdLst>
-    <p:sldId id="256" r:id="rId4"/>
-    <p:sldId id="257" r:id="rId5"/>
-    <p:sldId id="258" r:id="rId6"/>
-    <p:sldId id="259" r:id="rId7"/>
-    <p:sldId id="260" r:id="rId8"/>
-    <p:sldId id="261" r:id="rId9"/>
+    <p:sldId id="256" r:id="rId3"/>
+    <p:sldId id="257" r:id="rId4"/>
+    <p:sldId id="258" r:id="rId5"/>
+    <p:sldId id="259" r:id="rId6"/>
+    <p:sldId id="260" r:id="rId7"/>
+    <p:sldId id="261" r:id="rId8"/>
+    <p:sldId id="262" r:id="rId9"/>
+    <p:sldId id="263" r:id="rId10"/>
+    <p:sldId id="264" r:id="rId11"/>
+    <p:sldId id="265" r:id="rId12"/>
   </p:sldIdLst>
   <p:sldSz cx="12192000" cy="6858000"/>
-  <p:notesSz cx="7559675" cy="10691812"/>
+  <p:notesSz cx="7559675" cy="10691813"/>
+  <p:defaultTextStyle>
+    <a:defPPr>
+      <a:defRPr lang="en-US"/>
+    </a:defPPr>
+    <a:lvl1pPr marL="0" algn="l" defTabSz="914400" rtl="0" eaLnBrk="1" latinLnBrk="0" hangingPunct="1">
+      <a:defRPr sz="1800" kern="1200">
+        <a:solidFill>
+          <a:schemeClr val="tx1"/>
+        </a:solidFill>
+        <a:latin typeface="+mn-lt"/>
+        <a:ea typeface="+mn-ea"/>
+        <a:cs typeface="+mn-cs"/>
+      </a:defRPr>
+    </a:lvl1pPr>
+    <a:lvl2pPr marL="457200" algn="l" defTabSz="914400" rtl="0" eaLnBrk="1" latinLnBrk="0" hangingPunct="1">
+      <a:defRPr sz="1800" kern="1200">
+        <a:solidFill>
+          <a:schemeClr val="tx1"/>
+        </a:solidFill>
+        <a:latin typeface="+mn-lt"/>
+        <a:ea typeface="+mn-ea"/>
+        <a:cs typeface="+mn-cs"/>
+      </a:defRPr>
+    </a:lvl2pPr>
+    <a:lvl3pPr marL="914400" algn="l" defTabSz="914400" rtl="0" eaLnBrk="1" latinLnBrk="0" hangingPunct="1">
+      <a:defRPr sz="1800" kern="1200">
+        <a:solidFill>
+          <a:schemeClr val="tx1"/>
+        </a:solidFill>
+        <a:latin typeface="+mn-lt"/>
+        <a:ea typeface="+mn-ea"/>
+        <a:cs typeface="+mn-cs"/>
+      </a:defRPr>
+    </a:lvl3pPr>
+    <a:lvl4pPr marL="1371600" algn="l" defTabSz="914400" rtl="0" eaLnBrk="1" latinLnBrk="0" hangingPunct="1">
+      <a:defRPr sz="1800" kern="1200">
+        <a:solidFill>
+          <a:schemeClr val="tx1"/>
+        </a:solidFill>
+        <a:latin typeface="+mn-lt"/>
+        <a:ea typeface="+mn-ea"/>
+        <a:cs typeface="+mn-cs"/>
+      </a:defRPr>
+    </a:lvl4pPr>
+    <a:lvl5pPr marL="1828800" algn="l" defTabSz="914400" rtl="0" eaLnBrk="1" latinLnBrk="0" hangingPunct="1">
+      <a:defRPr sz="1800" kern="1200">
+        <a:solidFill>
+          <a:schemeClr val="tx1"/>
+        </a:solidFill>
+        <a:latin typeface="+mn-lt"/>
+        <a:ea typeface="+mn-ea"/>
+        <a:cs typeface="+mn-cs"/>
+      </a:defRPr>
+    </a:lvl5pPr>
+    <a:lvl6pPr marL="2286000" algn="l" defTabSz="914400" rtl="0" eaLnBrk="1" latinLnBrk="0" hangingPunct="1">
+      <a:defRPr sz="1800" kern="1200">
+        <a:solidFill>
+          <a:schemeClr val="tx1"/>
+        </a:solidFill>
+        <a:latin typeface="+mn-lt"/>
+        <a:ea typeface="+mn-ea"/>
+        <a:cs typeface="+mn-cs"/>
+      </a:defRPr>
+    </a:lvl6pPr>
+    <a:lvl7pPr marL="2743200" algn="l" defTabSz="914400" rtl="0" eaLnBrk="1" latinLnBrk="0" hangingPunct="1">
+      <a:defRPr sz="1800" kern="1200">
+        <a:solidFill>
+          <a:schemeClr val="tx1"/>
+        </a:solidFill>
+        <a:latin typeface="+mn-lt"/>
+        <a:ea typeface="+mn-ea"/>
+        <a:cs typeface="+mn-cs"/>
+      </a:defRPr>
+    </a:lvl7pPr>
+    <a:lvl8pPr marL="3200400" algn="l" defTabSz="914400" rtl="0" eaLnBrk="1" latinLnBrk="0" hangingPunct="1">
+      <a:defRPr sz="1800" kern="1200">
+        <a:solidFill>
+          <a:schemeClr val="tx1"/>
+        </a:solidFill>
+        <a:latin typeface="+mn-lt"/>
+        <a:ea typeface="+mn-ea"/>
+        <a:cs typeface="+mn-cs"/>
+      </a:defRPr>
+    </a:lvl8pPr>
+    <a:lvl9pPr marL="3657600" algn="l" defTabSz="914400" rtl="0" eaLnBrk="1" latinLnBrk="0" hangingPunct="1">
+      <a:defRPr sz="1800" kern="1200">
+        <a:solidFill>
+          <a:schemeClr val="tx1"/>
+        </a:solidFill>
+        <a:latin typeface="+mn-lt"/>
+        <a:ea typeface="+mn-ea"/>
+        <a:cs typeface="+mn-cs"/>
+      </a:defRPr>
+    </a:lvl9pPr>
+  </p:defaultTextStyle>
 </p:presentation>
 </file>
 
 <file path=ppt/slideLayouts/slideLayout1.xml><?xml version="1.0" encoding="utf-8"?>
-<p:sldLayout xmlns:a="http://schemas.openxmlformats.org/drawingml/2006/main" xmlns:p="http://schemas.openxmlformats.org/presentationml/2006/main" xmlns:r="http://schemas.openxmlformats.org/officeDocument/2006/relationships" xmlns:p14="http://schemas.microsoft.com/office/powerpoint/2010/main" xmlns:p15="http://schemas.microsoft.com/office/powerpoint/2012/main" xmlns:mc="http://schemas.openxmlformats.org/markup-compatibility/2006" type="blank" preserve="1">
+<p:sldLayout xmlns:a="http://schemas.openxmlformats.org/drawingml/2006/main" xmlns:r="http://schemas.openxmlformats.org/officeDocument/2006/relationships" xmlns:p="http://schemas.openxmlformats.org/presentationml/2006/main" type="blank" preserve="1">
   <p:cSld name="Blank Slide">
     <p:spTree>
       <p:nvGrpSpPr>
@@ -37,11 +136,14 @@
       </p:grpSpPr>
     </p:spTree>
   </p:cSld>
+  <p:clrMapOvr>
+    <a:masterClrMapping/>
+  </p:clrMapOvr>
 </p:sldLayout>
 </file>
 
 <file path=ppt/slideLayouts/slideLayout10.xml><?xml version="1.0" encoding="utf-8"?>
-<p:sldLayout xmlns:a="http://schemas.openxmlformats.org/drawingml/2006/main" xmlns:p="http://schemas.openxmlformats.org/presentationml/2006/main" xmlns:r="http://schemas.openxmlformats.org/officeDocument/2006/relationships" xmlns:p14="http://schemas.microsoft.com/office/powerpoint/2010/main" xmlns:p15="http://schemas.microsoft.com/office/powerpoint/2012/main" xmlns:mc="http://schemas.openxmlformats.org/markup-compatibility/2006" type="objOverTx" preserve="1">
+<p:sldLayout xmlns:a="http://schemas.openxmlformats.org/drawingml/2006/main" xmlns:r="http://schemas.openxmlformats.org/officeDocument/2006/relationships" xmlns:p="http://schemas.openxmlformats.org/presentationml/2006/main" type="objOverTx" preserve="1">
   <p:cSld name="Title, Content over Content">
     <p:spTree>
       <p:nvGrpSpPr>
@@ -77,15 +179,16 @@
           </a:prstGeom>
         </p:spPr>
         <p:txBody>
-          <a:bodyPr lIns="0" rIns="0" tIns="0" bIns="0" anchor="ctr"/>
-          <a:p>
-            <a:endParaRPr b="0" lang="en-US" sz="1800" spc="-1" strike="noStrike">
+          <a:bodyPr lIns="0" tIns="0" rIns="0" bIns="0" anchor="ctr"/>
+          <a:lstStyle/>
+          <a:p>
+            <a:endParaRPr lang="en-US" sz="1800" b="0" strike="noStrike" spc="-1">
               <a:solidFill>
                 <a:srgbClr val="000000"/>
               </a:solidFill>
               <a:uFill>
                 <a:solidFill>
-                  <a:srgbClr val="ffffff"/>
+                  <a:srgbClr val="FFFFFF"/>
                 </a:solidFill>
               </a:uFill>
               <a:latin typeface="Century Gothic"/>
@@ -113,15 +216,16 @@
           </a:prstGeom>
         </p:spPr>
         <p:txBody>
-          <a:bodyPr lIns="0" rIns="0" tIns="0" bIns="0"/>
-          <a:p>
-            <a:endParaRPr b="0" lang="en-US" sz="2000" spc="-1" strike="noStrike">
-              <a:solidFill>
-                <a:srgbClr val="455f51"/>
-              </a:solidFill>
-              <a:uFill>
-                <a:solidFill>
-                  <a:srgbClr val="ffffff"/>
+          <a:bodyPr lIns="0" tIns="0" rIns="0" bIns="0"/>
+          <a:lstStyle/>
+          <a:p>
+            <a:endParaRPr lang="en-US" sz="2000" b="0" strike="noStrike" spc="-1">
+              <a:solidFill>
+                <a:srgbClr val="455F51"/>
+              </a:solidFill>
+              <a:uFill>
+                <a:solidFill>
+                  <a:srgbClr val="FFFFFF"/>
                 </a:solidFill>
               </a:uFill>
               <a:latin typeface="Century Gothic"/>
@@ -149,15 +253,16 @@
           </a:prstGeom>
         </p:spPr>
         <p:txBody>
-          <a:bodyPr lIns="0" rIns="0" tIns="0" bIns="0"/>
-          <a:p>
-            <a:endParaRPr b="0" lang="en-US" sz="2000" spc="-1" strike="noStrike">
-              <a:solidFill>
-                <a:srgbClr val="455f51"/>
-              </a:solidFill>
-              <a:uFill>
-                <a:solidFill>
-                  <a:srgbClr val="ffffff"/>
+          <a:bodyPr lIns="0" tIns="0" rIns="0" bIns="0"/>
+          <a:lstStyle/>
+          <a:p>
+            <a:endParaRPr lang="en-US" sz="2000" b="0" strike="noStrike" spc="-1">
+              <a:solidFill>
+                <a:srgbClr val="455F51"/>
+              </a:solidFill>
+              <a:uFill>
+                <a:solidFill>
+                  <a:srgbClr val="FFFFFF"/>
                 </a:solidFill>
               </a:uFill>
               <a:latin typeface="Century Gothic"/>
@@ -167,11 +272,14 @@
       </p:sp>
     </p:spTree>
   </p:cSld>
+  <p:clrMapOvr>
+    <a:masterClrMapping/>
+  </p:clrMapOvr>
 </p:sldLayout>
 </file>
 
 <file path=ppt/slideLayouts/slideLayout11.xml><?xml version="1.0" encoding="utf-8"?>
-<p:sldLayout xmlns:a="http://schemas.openxmlformats.org/drawingml/2006/main" xmlns:p="http://schemas.openxmlformats.org/presentationml/2006/main" xmlns:r="http://schemas.openxmlformats.org/officeDocument/2006/relationships" xmlns:p14="http://schemas.microsoft.com/office/powerpoint/2010/main" xmlns:p15="http://schemas.microsoft.com/office/powerpoint/2012/main" xmlns:mc="http://schemas.openxmlformats.org/markup-compatibility/2006" type="fourObj" preserve="1">
+<p:sldLayout xmlns:a="http://schemas.openxmlformats.org/drawingml/2006/main" xmlns:r="http://schemas.openxmlformats.org/officeDocument/2006/relationships" xmlns:p="http://schemas.openxmlformats.org/presentationml/2006/main" type="fourObj" preserve="1">
   <p:cSld name="Title, 4 Content">
     <p:spTree>
       <p:nvGrpSpPr>
@@ -207,15 +315,16 @@
           </a:prstGeom>
         </p:spPr>
         <p:txBody>
-          <a:bodyPr lIns="0" rIns="0" tIns="0" bIns="0" anchor="ctr"/>
-          <a:p>
-            <a:endParaRPr b="0" lang="en-US" sz="1800" spc="-1" strike="noStrike">
+          <a:bodyPr lIns="0" tIns="0" rIns="0" bIns="0" anchor="ctr"/>
+          <a:lstStyle/>
+          <a:p>
+            <a:endParaRPr lang="en-US" sz="1800" b="0" strike="noStrike" spc="-1">
               <a:solidFill>
                 <a:srgbClr val="000000"/>
               </a:solidFill>
               <a:uFill>
                 <a:solidFill>
-                  <a:srgbClr val="ffffff"/>
+                  <a:srgbClr val="FFFFFF"/>
                 </a:solidFill>
               </a:uFill>
               <a:latin typeface="Century Gothic"/>
@@ -243,15 +352,16 @@
           </a:prstGeom>
         </p:spPr>
         <p:txBody>
-          <a:bodyPr lIns="0" rIns="0" tIns="0" bIns="0"/>
-          <a:p>
-            <a:endParaRPr b="0" lang="en-US" sz="2000" spc="-1" strike="noStrike">
-              <a:solidFill>
-                <a:srgbClr val="455f51"/>
-              </a:solidFill>
-              <a:uFill>
-                <a:solidFill>
-                  <a:srgbClr val="ffffff"/>
+          <a:bodyPr lIns="0" tIns="0" rIns="0" bIns="0"/>
+          <a:lstStyle/>
+          <a:p>
+            <a:endParaRPr lang="en-US" sz="2000" b="0" strike="noStrike" spc="-1">
+              <a:solidFill>
+                <a:srgbClr val="455F51"/>
+              </a:solidFill>
+              <a:uFill>
+                <a:solidFill>
+                  <a:srgbClr val="FFFFFF"/>
                 </a:solidFill>
               </a:uFill>
               <a:latin typeface="Century Gothic"/>
@@ -279,15 +389,16 @@
           </a:prstGeom>
         </p:spPr>
         <p:txBody>
-          <a:bodyPr lIns="0" rIns="0" tIns="0" bIns="0"/>
-          <a:p>
-            <a:endParaRPr b="0" lang="en-US" sz="2000" spc="-1" strike="noStrike">
-              <a:solidFill>
-                <a:srgbClr val="455f51"/>
-              </a:solidFill>
-              <a:uFill>
-                <a:solidFill>
-                  <a:srgbClr val="ffffff"/>
+          <a:bodyPr lIns="0" tIns="0" rIns="0" bIns="0"/>
+          <a:lstStyle/>
+          <a:p>
+            <a:endParaRPr lang="en-US" sz="2000" b="0" strike="noStrike" spc="-1">
+              <a:solidFill>
+                <a:srgbClr val="455F51"/>
+              </a:solidFill>
+              <a:uFill>
+                <a:solidFill>
+                  <a:srgbClr val="FFFFFF"/>
                 </a:solidFill>
               </a:uFill>
               <a:latin typeface="Century Gothic"/>
@@ -315,15 +426,16 @@
           </a:prstGeom>
         </p:spPr>
         <p:txBody>
-          <a:bodyPr lIns="0" rIns="0" tIns="0" bIns="0"/>
-          <a:p>
-            <a:endParaRPr b="0" lang="en-US" sz="2000" spc="-1" strike="noStrike">
-              <a:solidFill>
-                <a:srgbClr val="455f51"/>
-              </a:solidFill>
-              <a:uFill>
-                <a:solidFill>
-                  <a:srgbClr val="ffffff"/>
+          <a:bodyPr lIns="0" tIns="0" rIns="0" bIns="0"/>
+          <a:lstStyle/>
+          <a:p>
+            <a:endParaRPr lang="en-US" sz="2000" b="0" strike="noStrike" spc="-1">
+              <a:solidFill>
+                <a:srgbClr val="455F51"/>
+              </a:solidFill>
+              <a:uFill>
+                <a:solidFill>
+                  <a:srgbClr val="FFFFFF"/>
                 </a:solidFill>
               </a:uFill>
               <a:latin typeface="Century Gothic"/>
@@ -351,15 +463,16 @@
           </a:prstGeom>
         </p:spPr>
         <p:txBody>
-          <a:bodyPr lIns="0" rIns="0" tIns="0" bIns="0"/>
-          <a:p>
-            <a:endParaRPr b="0" lang="en-US" sz="2000" spc="-1" strike="noStrike">
-              <a:solidFill>
-                <a:srgbClr val="455f51"/>
-              </a:solidFill>
-              <a:uFill>
-                <a:solidFill>
-                  <a:srgbClr val="ffffff"/>
+          <a:bodyPr lIns="0" tIns="0" rIns="0" bIns="0"/>
+          <a:lstStyle/>
+          <a:p>
+            <a:endParaRPr lang="en-US" sz="2000" b="0" strike="noStrike" spc="-1">
+              <a:solidFill>
+                <a:srgbClr val="455F51"/>
+              </a:solidFill>
+              <a:uFill>
+                <a:solidFill>
+                  <a:srgbClr val="FFFFFF"/>
                 </a:solidFill>
               </a:uFill>
               <a:latin typeface="Century Gothic"/>
@@ -369,11 +482,14 @@
       </p:sp>
     </p:spTree>
   </p:cSld>
+  <p:clrMapOvr>
+    <a:masterClrMapping/>
+  </p:clrMapOvr>
 </p:sldLayout>
 </file>
 
 <file path=ppt/slideLayouts/slideLayout12.xml><?xml version="1.0" encoding="utf-8"?>
-<p:sldLayout xmlns:a="http://schemas.openxmlformats.org/drawingml/2006/main" xmlns:p="http://schemas.openxmlformats.org/presentationml/2006/main" xmlns:r="http://schemas.openxmlformats.org/officeDocument/2006/relationships" xmlns:p14="http://schemas.microsoft.com/office/powerpoint/2010/main" xmlns:p15="http://schemas.microsoft.com/office/powerpoint/2012/main" xmlns:mc="http://schemas.openxmlformats.org/markup-compatibility/2006" type="blank" preserve="1">
+<p:sldLayout xmlns:a="http://schemas.openxmlformats.org/drawingml/2006/main" xmlns:r="http://schemas.openxmlformats.org/officeDocument/2006/relationships" xmlns:p="http://schemas.openxmlformats.org/presentationml/2006/main" type="blank" preserve="1">
   <p:cSld name="Title, 6 Content">
     <p:spTree>
       <p:nvGrpSpPr>
@@ -409,15 +525,16 @@
           </a:prstGeom>
         </p:spPr>
         <p:txBody>
-          <a:bodyPr lIns="0" rIns="0" tIns="0" bIns="0" anchor="ctr"/>
-          <a:p>
-            <a:endParaRPr b="0" lang="en-US" sz="1800" spc="-1" strike="noStrike">
+          <a:bodyPr lIns="0" tIns="0" rIns="0" bIns="0" anchor="ctr"/>
+          <a:lstStyle/>
+          <a:p>
+            <a:endParaRPr lang="en-US" sz="1800" b="0" strike="noStrike" spc="-1">
               <a:solidFill>
                 <a:srgbClr val="000000"/>
               </a:solidFill>
               <a:uFill>
                 <a:solidFill>
-                  <a:srgbClr val="ffffff"/>
+                  <a:srgbClr val="FFFFFF"/>
                 </a:solidFill>
               </a:uFill>
               <a:latin typeface="Century Gothic"/>
@@ -445,15 +562,16 @@
           </a:prstGeom>
         </p:spPr>
         <p:txBody>
-          <a:bodyPr lIns="0" rIns="0" tIns="0" bIns="0"/>
-          <a:p>
-            <a:endParaRPr b="0" lang="en-US" sz="2000" spc="-1" strike="noStrike">
-              <a:solidFill>
-                <a:srgbClr val="455f51"/>
-              </a:solidFill>
-              <a:uFill>
-                <a:solidFill>
-                  <a:srgbClr val="ffffff"/>
+          <a:bodyPr lIns="0" tIns="0" rIns="0" bIns="0"/>
+          <a:lstStyle/>
+          <a:p>
+            <a:endParaRPr lang="en-US" sz="2000" b="0" strike="noStrike" spc="-1">
+              <a:solidFill>
+                <a:srgbClr val="455F51"/>
+              </a:solidFill>
+              <a:uFill>
+                <a:solidFill>
+                  <a:srgbClr val="FFFFFF"/>
                 </a:solidFill>
               </a:uFill>
               <a:latin typeface="Century Gothic"/>
@@ -481,15 +599,16 @@
           </a:prstGeom>
         </p:spPr>
         <p:txBody>
-          <a:bodyPr lIns="0" rIns="0" tIns="0" bIns="0"/>
-          <a:p>
-            <a:endParaRPr b="0" lang="en-US" sz="2000" spc="-1" strike="noStrike">
-              <a:solidFill>
-                <a:srgbClr val="455f51"/>
-              </a:solidFill>
-              <a:uFill>
-                <a:solidFill>
-                  <a:srgbClr val="ffffff"/>
+          <a:bodyPr lIns="0" tIns="0" rIns="0" bIns="0"/>
+          <a:lstStyle/>
+          <a:p>
+            <a:endParaRPr lang="en-US" sz="2000" b="0" strike="noStrike" spc="-1">
+              <a:solidFill>
+                <a:srgbClr val="455F51"/>
+              </a:solidFill>
+              <a:uFill>
+                <a:solidFill>
+                  <a:srgbClr val="FFFFFF"/>
                 </a:solidFill>
               </a:uFill>
               <a:latin typeface="Century Gothic"/>
@@ -499,7 +618,7 @@
       </p:sp>
       <p:pic>
         <p:nvPicPr>
-          <p:cNvPr id="40" name="" descr=""/>
+          <p:cNvPr id="40" name="Picture 39"/>
           <p:cNvPicPr/>
           <p:nvPr/>
         </p:nvPicPr>
@@ -522,12 +641,12 @@
       </p:pic>
       <p:pic>
         <p:nvPicPr>
-          <p:cNvPr id="41" name="" descr=""/>
+          <p:cNvPr id="41" name="Picture 40"/>
           <p:cNvPicPr/>
           <p:nvPr/>
         </p:nvPicPr>
         <p:blipFill>
-          <a:blip r:embed="rId3"/>
+          <a:blip r:embed="rId2"/>
           <a:stretch/>
         </p:blipFill>
         <p:spPr>
@@ -545,11 +664,14 @@
       </p:pic>
     </p:spTree>
   </p:cSld>
+  <p:clrMapOvr>
+    <a:masterClrMapping/>
+  </p:clrMapOvr>
 </p:sldLayout>
 </file>
 
 <file path=ppt/slideLayouts/slideLayout13.xml><?xml version="1.0" encoding="utf-8"?>
-<p:sldLayout xmlns:a="http://schemas.openxmlformats.org/drawingml/2006/main" xmlns:p="http://schemas.openxmlformats.org/presentationml/2006/main" xmlns:r="http://schemas.openxmlformats.org/officeDocument/2006/relationships" xmlns:p14="http://schemas.microsoft.com/office/powerpoint/2010/main" xmlns:p15="http://schemas.microsoft.com/office/powerpoint/2012/main" xmlns:mc="http://schemas.openxmlformats.org/markup-compatibility/2006" type="blank" preserve="1">
+<p:sldLayout xmlns:a="http://schemas.openxmlformats.org/drawingml/2006/main" xmlns:r="http://schemas.openxmlformats.org/officeDocument/2006/relationships" xmlns:p="http://schemas.openxmlformats.org/presentationml/2006/main" type="blank" preserve="1">
   <p:cSld name="Blank Slide">
     <p:spTree>
       <p:nvGrpSpPr>
@@ -567,11 +689,14 @@
       </p:grpSpPr>
     </p:spTree>
   </p:cSld>
+  <p:clrMapOvr>
+    <a:masterClrMapping/>
+  </p:clrMapOvr>
 </p:sldLayout>
 </file>
 
 <file path=ppt/slideLayouts/slideLayout14.xml><?xml version="1.0" encoding="utf-8"?>
-<p:sldLayout xmlns:a="http://schemas.openxmlformats.org/drawingml/2006/main" xmlns:p="http://schemas.openxmlformats.org/presentationml/2006/main" xmlns:r="http://schemas.openxmlformats.org/officeDocument/2006/relationships" xmlns:p14="http://schemas.microsoft.com/office/powerpoint/2010/main" xmlns:p15="http://schemas.microsoft.com/office/powerpoint/2012/main" xmlns:mc="http://schemas.openxmlformats.org/markup-compatibility/2006" type="tx" preserve="1">
+<p:sldLayout xmlns:a="http://schemas.openxmlformats.org/drawingml/2006/main" xmlns:r="http://schemas.openxmlformats.org/officeDocument/2006/relationships" xmlns:p="http://schemas.openxmlformats.org/presentationml/2006/main" type="tx" preserve="1">
   <p:cSld name="Title Slide">
     <p:spTree>
       <p:nvGrpSpPr>
@@ -607,15 +732,16 @@
           </a:prstGeom>
         </p:spPr>
         <p:txBody>
-          <a:bodyPr lIns="0" rIns="0" tIns="0" bIns="0" anchor="ctr"/>
-          <a:p>
-            <a:endParaRPr b="0" lang="en-US" sz="1800" spc="-1" strike="noStrike">
+          <a:bodyPr lIns="0" tIns="0" rIns="0" bIns="0" anchor="ctr"/>
+          <a:lstStyle/>
+          <a:p>
+            <a:endParaRPr lang="en-US" sz="1800" b="0" strike="noStrike" spc="-1">
               <a:solidFill>
                 <a:srgbClr val="000000"/>
               </a:solidFill>
               <a:uFill>
                 <a:solidFill>
-                  <a:srgbClr val="ffffff"/>
+                  <a:srgbClr val="FFFFFF"/>
                 </a:solidFill>
               </a:uFill>
               <a:latin typeface="Century Gothic"/>
@@ -643,16 +769,17 @@
           </a:prstGeom>
         </p:spPr>
         <p:txBody>
-          <a:bodyPr lIns="0" rIns="0" tIns="0" bIns="0" anchor="ctr"/>
+          <a:bodyPr lIns="0" tIns="0" rIns="0" bIns="0" anchor="ctr"/>
+          <a:lstStyle/>
           <a:p>
             <a:pPr algn="ctr"/>
-            <a:endParaRPr b="0" lang="fr-FR" sz="3200" spc="-1" strike="noStrike">
+            <a:endParaRPr lang="fr-FR" sz="3200" b="0" strike="noStrike" spc="-1">
               <a:solidFill>
                 <a:srgbClr val="000000"/>
               </a:solidFill>
               <a:uFill>
                 <a:solidFill>
-                  <a:srgbClr val="ffffff"/>
+                  <a:srgbClr val="FFFFFF"/>
                 </a:solidFill>
               </a:uFill>
               <a:latin typeface="Arial"/>
@@ -662,11 +789,14 @@
       </p:sp>
     </p:spTree>
   </p:cSld>
+  <p:clrMapOvr>
+    <a:masterClrMapping/>
+  </p:clrMapOvr>
 </p:sldLayout>
 </file>
 
 <file path=ppt/slideLayouts/slideLayout15.xml><?xml version="1.0" encoding="utf-8"?>
-<p:sldLayout xmlns:a="http://schemas.openxmlformats.org/drawingml/2006/main" xmlns:p="http://schemas.openxmlformats.org/presentationml/2006/main" xmlns:r="http://schemas.openxmlformats.org/officeDocument/2006/relationships" xmlns:p14="http://schemas.microsoft.com/office/powerpoint/2010/main" xmlns:p15="http://schemas.microsoft.com/office/powerpoint/2012/main" xmlns:mc="http://schemas.openxmlformats.org/markup-compatibility/2006" type="obj" preserve="1">
+<p:sldLayout xmlns:a="http://schemas.openxmlformats.org/drawingml/2006/main" xmlns:r="http://schemas.openxmlformats.org/officeDocument/2006/relationships" xmlns:p="http://schemas.openxmlformats.org/presentationml/2006/main" type="obj" preserve="1">
   <p:cSld name="Title, Content">
     <p:spTree>
       <p:nvGrpSpPr>
@@ -702,15 +832,16 @@
           </a:prstGeom>
         </p:spPr>
         <p:txBody>
-          <a:bodyPr lIns="0" rIns="0" tIns="0" bIns="0" anchor="ctr"/>
-          <a:p>
-            <a:endParaRPr b="0" lang="en-US" sz="1800" spc="-1" strike="noStrike">
+          <a:bodyPr lIns="0" tIns="0" rIns="0" bIns="0" anchor="ctr"/>
+          <a:lstStyle/>
+          <a:p>
+            <a:endParaRPr lang="en-US" sz="1800" b="0" strike="noStrike" spc="-1">
               <a:solidFill>
                 <a:srgbClr val="000000"/>
               </a:solidFill>
               <a:uFill>
                 <a:solidFill>
-                  <a:srgbClr val="ffffff"/>
+                  <a:srgbClr val="FFFFFF"/>
                 </a:solidFill>
               </a:uFill>
               <a:latin typeface="Century Gothic"/>
@@ -738,15 +869,16 @@
           </a:prstGeom>
         </p:spPr>
         <p:txBody>
-          <a:bodyPr lIns="0" rIns="0" tIns="0" bIns="0"/>
-          <a:p>
-            <a:endParaRPr b="0" lang="en-US" sz="2000" spc="-1" strike="noStrike">
-              <a:solidFill>
-                <a:srgbClr val="455f51"/>
-              </a:solidFill>
-              <a:uFill>
-                <a:solidFill>
-                  <a:srgbClr val="ffffff"/>
+          <a:bodyPr lIns="0" tIns="0" rIns="0" bIns="0"/>
+          <a:lstStyle/>
+          <a:p>
+            <a:endParaRPr lang="en-US" sz="2000" b="0" strike="noStrike" spc="-1">
+              <a:solidFill>
+                <a:srgbClr val="455F51"/>
+              </a:solidFill>
+              <a:uFill>
+                <a:solidFill>
+                  <a:srgbClr val="FFFFFF"/>
                 </a:solidFill>
               </a:uFill>
               <a:latin typeface="Century Gothic"/>
@@ -756,11 +888,14 @@
       </p:sp>
     </p:spTree>
   </p:cSld>
+  <p:clrMapOvr>
+    <a:masterClrMapping/>
+  </p:clrMapOvr>
 </p:sldLayout>
 </file>
 
 <file path=ppt/slideLayouts/slideLayout16.xml><?xml version="1.0" encoding="utf-8"?>
-<p:sldLayout xmlns:a="http://schemas.openxmlformats.org/drawingml/2006/main" xmlns:p="http://schemas.openxmlformats.org/presentationml/2006/main" xmlns:r="http://schemas.openxmlformats.org/officeDocument/2006/relationships" xmlns:p14="http://schemas.microsoft.com/office/powerpoint/2010/main" xmlns:p15="http://schemas.microsoft.com/office/powerpoint/2012/main" xmlns:mc="http://schemas.openxmlformats.org/markup-compatibility/2006" type="twoObj" preserve="1">
+<p:sldLayout xmlns:a="http://schemas.openxmlformats.org/drawingml/2006/main" xmlns:r="http://schemas.openxmlformats.org/officeDocument/2006/relationships" xmlns:p="http://schemas.openxmlformats.org/presentationml/2006/main" type="twoObj" preserve="1">
   <p:cSld name="Title, 2 Content">
     <p:spTree>
       <p:nvGrpSpPr>
@@ -796,15 +931,16 @@
           </a:prstGeom>
         </p:spPr>
         <p:txBody>
-          <a:bodyPr lIns="0" rIns="0" tIns="0" bIns="0" anchor="ctr"/>
-          <a:p>
-            <a:endParaRPr b="0" lang="en-US" sz="1800" spc="-1" strike="noStrike">
+          <a:bodyPr lIns="0" tIns="0" rIns="0" bIns="0" anchor="ctr"/>
+          <a:lstStyle/>
+          <a:p>
+            <a:endParaRPr lang="en-US" sz="1800" b="0" strike="noStrike" spc="-1">
               <a:solidFill>
                 <a:srgbClr val="000000"/>
               </a:solidFill>
               <a:uFill>
                 <a:solidFill>
-                  <a:srgbClr val="ffffff"/>
+                  <a:srgbClr val="FFFFFF"/>
                 </a:solidFill>
               </a:uFill>
               <a:latin typeface="Century Gothic"/>
@@ -832,15 +968,16 @@
           </a:prstGeom>
         </p:spPr>
         <p:txBody>
-          <a:bodyPr lIns="0" rIns="0" tIns="0" bIns="0"/>
-          <a:p>
-            <a:endParaRPr b="0" lang="en-US" sz="2000" spc="-1" strike="noStrike">
-              <a:solidFill>
-                <a:srgbClr val="455f51"/>
-              </a:solidFill>
-              <a:uFill>
-                <a:solidFill>
-                  <a:srgbClr val="ffffff"/>
+          <a:bodyPr lIns="0" tIns="0" rIns="0" bIns="0"/>
+          <a:lstStyle/>
+          <a:p>
+            <a:endParaRPr lang="en-US" sz="2000" b="0" strike="noStrike" spc="-1">
+              <a:solidFill>
+                <a:srgbClr val="455F51"/>
+              </a:solidFill>
+              <a:uFill>
+                <a:solidFill>
+                  <a:srgbClr val="FFFFFF"/>
                 </a:solidFill>
               </a:uFill>
               <a:latin typeface="Century Gothic"/>
@@ -868,15 +1005,16 @@
           </a:prstGeom>
         </p:spPr>
         <p:txBody>
-          <a:bodyPr lIns="0" rIns="0" tIns="0" bIns="0"/>
-          <a:p>
-            <a:endParaRPr b="0" lang="en-US" sz="2000" spc="-1" strike="noStrike">
-              <a:solidFill>
-                <a:srgbClr val="455f51"/>
-              </a:solidFill>
-              <a:uFill>
-                <a:solidFill>
-                  <a:srgbClr val="ffffff"/>
+          <a:bodyPr lIns="0" tIns="0" rIns="0" bIns="0"/>
+          <a:lstStyle/>
+          <a:p>
+            <a:endParaRPr lang="en-US" sz="2000" b="0" strike="noStrike" spc="-1">
+              <a:solidFill>
+                <a:srgbClr val="455F51"/>
+              </a:solidFill>
+              <a:uFill>
+                <a:solidFill>
+                  <a:srgbClr val="FFFFFF"/>
                 </a:solidFill>
               </a:uFill>
               <a:latin typeface="Century Gothic"/>
@@ -886,11 +1024,14 @@
       </p:sp>
     </p:spTree>
   </p:cSld>
+  <p:clrMapOvr>
+    <a:masterClrMapping/>
+  </p:clrMapOvr>
 </p:sldLayout>
 </file>
 
 <file path=ppt/slideLayouts/slideLayout17.xml><?xml version="1.0" encoding="utf-8"?>
-<p:sldLayout xmlns:a="http://schemas.openxmlformats.org/drawingml/2006/main" xmlns:p="http://schemas.openxmlformats.org/presentationml/2006/main" xmlns:r="http://schemas.openxmlformats.org/officeDocument/2006/relationships" xmlns:p14="http://schemas.microsoft.com/office/powerpoint/2010/main" xmlns:p15="http://schemas.microsoft.com/office/powerpoint/2012/main" xmlns:mc="http://schemas.openxmlformats.org/markup-compatibility/2006" type="titleOnly" preserve="1">
+<p:sldLayout xmlns:a="http://schemas.openxmlformats.org/drawingml/2006/main" xmlns:r="http://schemas.openxmlformats.org/officeDocument/2006/relationships" xmlns:p="http://schemas.openxmlformats.org/presentationml/2006/main" type="titleOnly" preserve="1">
   <p:cSld name="Title Only">
     <p:spTree>
       <p:nvGrpSpPr>
@@ -926,15 +1067,16 @@
           </a:prstGeom>
         </p:spPr>
         <p:txBody>
-          <a:bodyPr lIns="0" rIns="0" tIns="0" bIns="0" anchor="ctr"/>
-          <a:p>
-            <a:endParaRPr b="0" lang="en-US" sz="1800" spc="-1" strike="noStrike">
+          <a:bodyPr lIns="0" tIns="0" rIns="0" bIns="0" anchor="ctr"/>
+          <a:lstStyle/>
+          <a:p>
+            <a:endParaRPr lang="en-US" sz="1800" b="0" strike="noStrike" spc="-1">
               <a:solidFill>
                 <a:srgbClr val="000000"/>
               </a:solidFill>
               <a:uFill>
                 <a:solidFill>
-                  <a:srgbClr val="ffffff"/>
+                  <a:srgbClr val="FFFFFF"/>
                 </a:solidFill>
               </a:uFill>
               <a:latin typeface="Century Gothic"/>
@@ -944,11 +1086,14 @@
       </p:sp>
     </p:spTree>
   </p:cSld>
+  <p:clrMapOvr>
+    <a:masterClrMapping/>
+  </p:clrMapOvr>
 </p:sldLayout>
 </file>
 
 <file path=ppt/slideLayouts/slideLayout18.xml><?xml version="1.0" encoding="utf-8"?>
-<p:sldLayout xmlns:a="http://schemas.openxmlformats.org/drawingml/2006/main" xmlns:p="http://schemas.openxmlformats.org/presentationml/2006/main" xmlns:r="http://schemas.openxmlformats.org/officeDocument/2006/relationships" xmlns:p14="http://schemas.microsoft.com/office/powerpoint/2010/main" xmlns:p15="http://schemas.microsoft.com/office/powerpoint/2012/main" xmlns:mc="http://schemas.openxmlformats.org/markup-compatibility/2006" type="objOnly" preserve="1">
+<p:sldLayout xmlns:a="http://schemas.openxmlformats.org/drawingml/2006/main" xmlns:r="http://schemas.openxmlformats.org/officeDocument/2006/relationships" xmlns:p="http://schemas.openxmlformats.org/presentationml/2006/main" type="objOnly" preserve="1">
   <p:cSld name="Centered Text">
     <p:spTree>
       <p:nvGrpSpPr>
@@ -984,16 +1129,17 @@
           </a:prstGeom>
         </p:spPr>
         <p:txBody>
-          <a:bodyPr lIns="0" rIns="0" tIns="0" bIns="0" anchor="ctr"/>
+          <a:bodyPr lIns="0" tIns="0" rIns="0" bIns="0" anchor="ctr"/>
+          <a:lstStyle/>
           <a:p>
             <a:pPr algn="ctr"/>
-            <a:endParaRPr b="0" lang="fr-FR" sz="3200" spc="-1" strike="noStrike">
+            <a:endParaRPr lang="fr-FR" sz="3200" b="0" strike="noStrike" spc="-1">
               <a:solidFill>
                 <a:srgbClr val="000000"/>
               </a:solidFill>
               <a:uFill>
                 <a:solidFill>
-                  <a:srgbClr val="ffffff"/>
+                  <a:srgbClr val="FFFFFF"/>
                 </a:solidFill>
               </a:uFill>
               <a:latin typeface="Arial"/>
@@ -1003,11 +1149,14 @@
       </p:sp>
     </p:spTree>
   </p:cSld>
+  <p:clrMapOvr>
+    <a:masterClrMapping/>
+  </p:clrMapOvr>
 </p:sldLayout>
 </file>
 
 <file path=ppt/slideLayouts/slideLayout19.xml><?xml version="1.0" encoding="utf-8"?>
-<p:sldLayout xmlns:a="http://schemas.openxmlformats.org/drawingml/2006/main" xmlns:p="http://schemas.openxmlformats.org/presentationml/2006/main" xmlns:r="http://schemas.openxmlformats.org/officeDocument/2006/relationships" xmlns:p14="http://schemas.microsoft.com/office/powerpoint/2010/main" xmlns:p15="http://schemas.microsoft.com/office/powerpoint/2012/main" xmlns:mc="http://schemas.openxmlformats.org/markup-compatibility/2006" type="twoObjAndObj" preserve="1">
+<p:sldLayout xmlns:a="http://schemas.openxmlformats.org/drawingml/2006/main" xmlns:r="http://schemas.openxmlformats.org/officeDocument/2006/relationships" xmlns:p="http://schemas.openxmlformats.org/presentationml/2006/main" type="twoObjAndObj" preserve="1">
   <p:cSld name="Title, 2 Content and Content">
     <p:spTree>
       <p:nvGrpSpPr>
@@ -1043,15 +1192,16 @@
           </a:prstGeom>
         </p:spPr>
         <p:txBody>
-          <a:bodyPr lIns="0" rIns="0" tIns="0" bIns="0" anchor="ctr"/>
-          <a:p>
-            <a:endParaRPr b="0" lang="en-US" sz="1800" spc="-1" strike="noStrike">
+          <a:bodyPr lIns="0" tIns="0" rIns="0" bIns="0" anchor="ctr"/>
+          <a:lstStyle/>
+          <a:p>
+            <a:endParaRPr lang="en-US" sz="1800" b="0" strike="noStrike" spc="-1">
               <a:solidFill>
                 <a:srgbClr val="000000"/>
               </a:solidFill>
               <a:uFill>
                 <a:solidFill>
-                  <a:srgbClr val="ffffff"/>
+                  <a:srgbClr val="FFFFFF"/>
                 </a:solidFill>
               </a:uFill>
               <a:latin typeface="Century Gothic"/>
@@ -1079,15 +1229,16 @@
           </a:prstGeom>
         </p:spPr>
         <p:txBody>
-          <a:bodyPr lIns="0" rIns="0" tIns="0" bIns="0"/>
-          <a:p>
-            <a:endParaRPr b="0" lang="en-US" sz="2000" spc="-1" strike="noStrike">
-              <a:solidFill>
-                <a:srgbClr val="455f51"/>
-              </a:solidFill>
-              <a:uFill>
-                <a:solidFill>
-                  <a:srgbClr val="ffffff"/>
+          <a:bodyPr lIns="0" tIns="0" rIns="0" bIns="0"/>
+          <a:lstStyle/>
+          <a:p>
+            <a:endParaRPr lang="en-US" sz="2000" b="0" strike="noStrike" spc="-1">
+              <a:solidFill>
+                <a:srgbClr val="455F51"/>
+              </a:solidFill>
+              <a:uFill>
+                <a:solidFill>
+                  <a:srgbClr val="FFFFFF"/>
                 </a:solidFill>
               </a:uFill>
               <a:latin typeface="Century Gothic"/>
@@ -1115,15 +1266,16 @@
           </a:prstGeom>
         </p:spPr>
         <p:txBody>
-          <a:bodyPr lIns="0" rIns="0" tIns="0" bIns="0"/>
-          <a:p>
-            <a:endParaRPr b="0" lang="en-US" sz="2000" spc="-1" strike="noStrike">
-              <a:solidFill>
-                <a:srgbClr val="455f51"/>
-              </a:solidFill>
-              <a:uFill>
-                <a:solidFill>
-                  <a:srgbClr val="ffffff"/>
+          <a:bodyPr lIns="0" tIns="0" rIns="0" bIns="0"/>
+          <a:lstStyle/>
+          <a:p>
+            <a:endParaRPr lang="en-US" sz="2000" b="0" strike="noStrike" spc="-1">
+              <a:solidFill>
+                <a:srgbClr val="455F51"/>
+              </a:solidFill>
+              <a:uFill>
+                <a:solidFill>
+                  <a:srgbClr val="FFFFFF"/>
                 </a:solidFill>
               </a:uFill>
               <a:latin typeface="Century Gothic"/>
@@ -1151,15 +1303,16 @@
           </a:prstGeom>
         </p:spPr>
         <p:txBody>
-          <a:bodyPr lIns="0" rIns="0" tIns="0" bIns="0"/>
-          <a:p>
-            <a:endParaRPr b="0" lang="en-US" sz="2000" spc="-1" strike="noStrike">
-              <a:solidFill>
-                <a:srgbClr val="455f51"/>
-              </a:solidFill>
-              <a:uFill>
-                <a:solidFill>
-                  <a:srgbClr val="ffffff"/>
+          <a:bodyPr lIns="0" tIns="0" rIns="0" bIns="0"/>
+          <a:lstStyle/>
+          <a:p>
+            <a:endParaRPr lang="en-US" sz="2000" b="0" strike="noStrike" spc="-1">
+              <a:solidFill>
+                <a:srgbClr val="455F51"/>
+              </a:solidFill>
+              <a:uFill>
+                <a:solidFill>
+                  <a:srgbClr val="FFFFFF"/>
                 </a:solidFill>
               </a:uFill>
               <a:latin typeface="Century Gothic"/>
@@ -1169,11 +1322,14 @@
       </p:sp>
     </p:spTree>
   </p:cSld>
+  <p:clrMapOvr>
+    <a:masterClrMapping/>
+  </p:clrMapOvr>
 </p:sldLayout>
 </file>
 
 <file path=ppt/slideLayouts/slideLayout2.xml><?xml version="1.0" encoding="utf-8"?>
-<p:sldLayout xmlns:a="http://schemas.openxmlformats.org/drawingml/2006/main" xmlns:p="http://schemas.openxmlformats.org/presentationml/2006/main" xmlns:r="http://schemas.openxmlformats.org/officeDocument/2006/relationships" xmlns:p14="http://schemas.microsoft.com/office/powerpoint/2010/main" xmlns:p15="http://schemas.microsoft.com/office/powerpoint/2012/main" xmlns:mc="http://schemas.openxmlformats.org/markup-compatibility/2006" type="tx" preserve="1">
+<p:sldLayout xmlns:a="http://schemas.openxmlformats.org/drawingml/2006/main" xmlns:r="http://schemas.openxmlformats.org/officeDocument/2006/relationships" xmlns:p="http://schemas.openxmlformats.org/presentationml/2006/main" type="tx" preserve="1">
   <p:cSld name="Title Slide">
     <p:spTree>
       <p:nvGrpSpPr>
@@ -1209,15 +1365,16 @@
           </a:prstGeom>
         </p:spPr>
         <p:txBody>
-          <a:bodyPr lIns="0" rIns="0" tIns="0" bIns="0" anchor="ctr"/>
-          <a:p>
-            <a:endParaRPr b="0" lang="en-US" sz="1800" spc="-1" strike="noStrike">
+          <a:bodyPr lIns="0" tIns="0" rIns="0" bIns="0" anchor="ctr"/>
+          <a:lstStyle/>
+          <a:p>
+            <a:endParaRPr lang="en-US" sz="1800" b="0" strike="noStrike" spc="-1">
               <a:solidFill>
                 <a:srgbClr val="000000"/>
               </a:solidFill>
               <a:uFill>
                 <a:solidFill>
-                  <a:srgbClr val="ffffff"/>
+                  <a:srgbClr val="FFFFFF"/>
                 </a:solidFill>
               </a:uFill>
               <a:latin typeface="Century Gothic"/>
@@ -1245,16 +1402,17 @@
           </a:prstGeom>
         </p:spPr>
         <p:txBody>
-          <a:bodyPr lIns="0" rIns="0" tIns="0" bIns="0" anchor="ctr"/>
+          <a:bodyPr lIns="0" tIns="0" rIns="0" bIns="0" anchor="ctr"/>
+          <a:lstStyle/>
           <a:p>
             <a:pPr algn="ctr"/>
-            <a:endParaRPr b="0" lang="fr-FR" sz="3200" spc="-1" strike="noStrike">
+            <a:endParaRPr lang="fr-FR" sz="3200" b="0" strike="noStrike" spc="-1">
               <a:solidFill>
                 <a:srgbClr val="000000"/>
               </a:solidFill>
               <a:uFill>
                 <a:solidFill>
-                  <a:srgbClr val="ffffff"/>
+                  <a:srgbClr val="FFFFFF"/>
                 </a:solidFill>
               </a:uFill>
               <a:latin typeface="Arial"/>
@@ -1264,11 +1422,14 @@
       </p:sp>
     </p:spTree>
   </p:cSld>
+  <p:clrMapOvr>
+    <a:masterClrMapping/>
+  </p:clrMapOvr>
 </p:sldLayout>
 </file>
 
 <file path=ppt/slideLayouts/slideLayout20.xml><?xml version="1.0" encoding="utf-8"?>
-<p:sldLayout xmlns:a="http://schemas.openxmlformats.org/drawingml/2006/main" xmlns:p="http://schemas.openxmlformats.org/presentationml/2006/main" xmlns:r="http://schemas.openxmlformats.org/officeDocument/2006/relationships" xmlns:p14="http://schemas.microsoft.com/office/powerpoint/2010/main" xmlns:p15="http://schemas.microsoft.com/office/powerpoint/2012/main" xmlns:mc="http://schemas.openxmlformats.org/markup-compatibility/2006" type="objAndTwoObj" preserve="1">
+<p:sldLayout xmlns:a="http://schemas.openxmlformats.org/drawingml/2006/main" xmlns:r="http://schemas.openxmlformats.org/officeDocument/2006/relationships" xmlns:p="http://schemas.openxmlformats.org/presentationml/2006/main" type="objAndTwoObj" preserve="1">
   <p:cSld name="Title Content and 2 Content">
     <p:spTree>
       <p:nvGrpSpPr>
@@ -1304,15 +1465,16 @@
           </a:prstGeom>
         </p:spPr>
         <p:txBody>
-          <a:bodyPr lIns="0" rIns="0" tIns="0" bIns="0" anchor="ctr"/>
-          <a:p>
-            <a:endParaRPr b="0" lang="en-US" sz="1800" spc="-1" strike="noStrike">
+          <a:bodyPr lIns="0" tIns="0" rIns="0" bIns="0" anchor="ctr"/>
+          <a:lstStyle/>
+          <a:p>
+            <a:endParaRPr lang="en-US" sz="1800" b="0" strike="noStrike" spc="-1">
               <a:solidFill>
                 <a:srgbClr val="000000"/>
               </a:solidFill>
               <a:uFill>
                 <a:solidFill>
-                  <a:srgbClr val="ffffff"/>
+                  <a:srgbClr val="FFFFFF"/>
                 </a:solidFill>
               </a:uFill>
               <a:latin typeface="Century Gothic"/>
@@ -1340,15 +1502,16 @@
           </a:prstGeom>
         </p:spPr>
         <p:txBody>
-          <a:bodyPr lIns="0" rIns="0" tIns="0" bIns="0"/>
-          <a:p>
-            <a:endParaRPr b="0" lang="en-US" sz="2000" spc="-1" strike="noStrike">
-              <a:solidFill>
-                <a:srgbClr val="455f51"/>
-              </a:solidFill>
-              <a:uFill>
-                <a:solidFill>
-                  <a:srgbClr val="ffffff"/>
+          <a:bodyPr lIns="0" tIns="0" rIns="0" bIns="0"/>
+          <a:lstStyle/>
+          <a:p>
+            <a:endParaRPr lang="en-US" sz="2000" b="0" strike="noStrike" spc="-1">
+              <a:solidFill>
+                <a:srgbClr val="455F51"/>
+              </a:solidFill>
+              <a:uFill>
+                <a:solidFill>
+                  <a:srgbClr val="FFFFFF"/>
                 </a:solidFill>
               </a:uFill>
               <a:latin typeface="Century Gothic"/>
@@ -1376,15 +1539,16 @@
           </a:prstGeom>
         </p:spPr>
         <p:txBody>
-          <a:bodyPr lIns="0" rIns="0" tIns="0" bIns="0"/>
-          <a:p>
-            <a:endParaRPr b="0" lang="en-US" sz="2000" spc="-1" strike="noStrike">
-              <a:solidFill>
-                <a:srgbClr val="455f51"/>
-              </a:solidFill>
-              <a:uFill>
-                <a:solidFill>
-                  <a:srgbClr val="ffffff"/>
+          <a:bodyPr lIns="0" tIns="0" rIns="0" bIns="0"/>
+          <a:lstStyle/>
+          <a:p>
+            <a:endParaRPr lang="en-US" sz="2000" b="0" strike="noStrike" spc="-1">
+              <a:solidFill>
+                <a:srgbClr val="455F51"/>
+              </a:solidFill>
+              <a:uFill>
+                <a:solidFill>
+                  <a:srgbClr val="FFFFFF"/>
                 </a:solidFill>
               </a:uFill>
               <a:latin typeface="Century Gothic"/>
@@ -1412,15 +1576,16 @@
           </a:prstGeom>
         </p:spPr>
         <p:txBody>
-          <a:bodyPr lIns="0" rIns="0" tIns="0" bIns="0"/>
-          <a:p>
-            <a:endParaRPr b="0" lang="en-US" sz="2000" spc="-1" strike="noStrike">
-              <a:solidFill>
-                <a:srgbClr val="455f51"/>
-              </a:solidFill>
-              <a:uFill>
-                <a:solidFill>
-                  <a:srgbClr val="ffffff"/>
+          <a:bodyPr lIns="0" tIns="0" rIns="0" bIns="0"/>
+          <a:lstStyle/>
+          <a:p>
+            <a:endParaRPr lang="en-US" sz="2000" b="0" strike="noStrike" spc="-1">
+              <a:solidFill>
+                <a:srgbClr val="455F51"/>
+              </a:solidFill>
+              <a:uFill>
+                <a:solidFill>
+                  <a:srgbClr val="FFFFFF"/>
                 </a:solidFill>
               </a:uFill>
               <a:latin typeface="Century Gothic"/>
@@ -1430,11 +1595,14 @@
       </p:sp>
     </p:spTree>
   </p:cSld>
+  <p:clrMapOvr>
+    <a:masterClrMapping/>
+  </p:clrMapOvr>
 </p:sldLayout>
 </file>
 
 <file path=ppt/slideLayouts/slideLayout21.xml><?xml version="1.0" encoding="utf-8"?>
-<p:sldLayout xmlns:a="http://schemas.openxmlformats.org/drawingml/2006/main" xmlns:p="http://schemas.openxmlformats.org/presentationml/2006/main" xmlns:r="http://schemas.openxmlformats.org/officeDocument/2006/relationships" xmlns:p14="http://schemas.microsoft.com/office/powerpoint/2010/main" xmlns:p15="http://schemas.microsoft.com/office/powerpoint/2012/main" xmlns:mc="http://schemas.openxmlformats.org/markup-compatibility/2006" type="twoObjOverTx" preserve="1">
+<p:sldLayout xmlns:a="http://schemas.openxmlformats.org/drawingml/2006/main" xmlns:r="http://schemas.openxmlformats.org/officeDocument/2006/relationships" xmlns:p="http://schemas.openxmlformats.org/presentationml/2006/main" type="twoObjOverTx" preserve="1">
   <p:cSld name="Title, 2 Content over Content">
     <p:spTree>
       <p:nvGrpSpPr>
@@ -1470,15 +1638,16 @@
           </a:prstGeom>
         </p:spPr>
         <p:txBody>
-          <a:bodyPr lIns="0" rIns="0" tIns="0" bIns="0" anchor="ctr"/>
-          <a:p>
-            <a:endParaRPr b="0" lang="en-US" sz="1800" spc="-1" strike="noStrike">
+          <a:bodyPr lIns="0" tIns="0" rIns="0" bIns="0" anchor="ctr"/>
+          <a:lstStyle/>
+          <a:p>
+            <a:endParaRPr lang="en-US" sz="1800" b="0" strike="noStrike" spc="-1">
               <a:solidFill>
                 <a:srgbClr val="000000"/>
               </a:solidFill>
               <a:uFill>
                 <a:solidFill>
-                  <a:srgbClr val="ffffff"/>
+                  <a:srgbClr val="FFFFFF"/>
                 </a:solidFill>
               </a:uFill>
               <a:latin typeface="Century Gothic"/>
@@ -1506,15 +1675,16 @@
           </a:prstGeom>
         </p:spPr>
         <p:txBody>
-          <a:bodyPr lIns="0" rIns="0" tIns="0" bIns="0"/>
-          <a:p>
-            <a:endParaRPr b="0" lang="en-US" sz="2000" spc="-1" strike="noStrike">
-              <a:solidFill>
-                <a:srgbClr val="455f51"/>
-              </a:solidFill>
-              <a:uFill>
-                <a:solidFill>
-                  <a:srgbClr val="ffffff"/>
+          <a:bodyPr lIns="0" tIns="0" rIns="0" bIns="0"/>
+          <a:lstStyle/>
+          <a:p>
+            <a:endParaRPr lang="en-US" sz="2000" b="0" strike="noStrike" spc="-1">
+              <a:solidFill>
+                <a:srgbClr val="455F51"/>
+              </a:solidFill>
+              <a:uFill>
+                <a:solidFill>
+                  <a:srgbClr val="FFFFFF"/>
                 </a:solidFill>
               </a:uFill>
               <a:latin typeface="Century Gothic"/>
@@ -1542,15 +1712,16 @@
           </a:prstGeom>
         </p:spPr>
         <p:txBody>
-          <a:bodyPr lIns="0" rIns="0" tIns="0" bIns="0"/>
-          <a:p>
-            <a:endParaRPr b="0" lang="en-US" sz="2000" spc="-1" strike="noStrike">
-              <a:solidFill>
-                <a:srgbClr val="455f51"/>
-              </a:solidFill>
-              <a:uFill>
-                <a:solidFill>
-                  <a:srgbClr val="ffffff"/>
+          <a:bodyPr lIns="0" tIns="0" rIns="0" bIns="0"/>
+          <a:lstStyle/>
+          <a:p>
+            <a:endParaRPr lang="en-US" sz="2000" b="0" strike="noStrike" spc="-1">
+              <a:solidFill>
+                <a:srgbClr val="455F51"/>
+              </a:solidFill>
+              <a:uFill>
+                <a:solidFill>
+                  <a:srgbClr val="FFFFFF"/>
                 </a:solidFill>
               </a:uFill>
               <a:latin typeface="Century Gothic"/>
@@ -1578,15 +1749,16 @@
           </a:prstGeom>
         </p:spPr>
         <p:txBody>
-          <a:bodyPr lIns="0" rIns="0" tIns="0" bIns="0"/>
-          <a:p>
-            <a:endParaRPr b="0" lang="en-US" sz="2000" spc="-1" strike="noStrike">
-              <a:solidFill>
-                <a:srgbClr val="455f51"/>
-              </a:solidFill>
-              <a:uFill>
-                <a:solidFill>
-                  <a:srgbClr val="ffffff"/>
+          <a:bodyPr lIns="0" tIns="0" rIns="0" bIns="0"/>
+          <a:lstStyle/>
+          <a:p>
+            <a:endParaRPr lang="en-US" sz="2000" b="0" strike="noStrike" spc="-1">
+              <a:solidFill>
+                <a:srgbClr val="455F51"/>
+              </a:solidFill>
+              <a:uFill>
+                <a:solidFill>
+                  <a:srgbClr val="FFFFFF"/>
                 </a:solidFill>
               </a:uFill>
               <a:latin typeface="Century Gothic"/>
@@ -1596,11 +1768,14 @@
       </p:sp>
     </p:spTree>
   </p:cSld>
+  <p:clrMapOvr>
+    <a:masterClrMapping/>
+  </p:clrMapOvr>
 </p:sldLayout>
 </file>
 
 <file path=ppt/slideLayouts/slideLayout22.xml><?xml version="1.0" encoding="utf-8"?>
-<p:sldLayout xmlns:a="http://schemas.openxmlformats.org/drawingml/2006/main" xmlns:p="http://schemas.openxmlformats.org/presentationml/2006/main" xmlns:r="http://schemas.openxmlformats.org/officeDocument/2006/relationships" xmlns:p14="http://schemas.microsoft.com/office/powerpoint/2010/main" xmlns:p15="http://schemas.microsoft.com/office/powerpoint/2012/main" xmlns:mc="http://schemas.openxmlformats.org/markup-compatibility/2006" type="objOverTx" preserve="1">
+<p:sldLayout xmlns:a="http://schemas.openxmlformats.org/drawingml/2006/main" xmlns:r="http://schemas.openxmlformats.org/officeDocument/2006/relationships" xmlns:p="http://schemas.openxmlformats.org/presentationml/2006/main" type="objOverTx" preserve="1">
   <p:cSld name="Title, Content over Content">
     <p:spTree>
       <p:nvGrpSpPr>
@@ -1636,15 +1811,16 @@
           </a:prstGeom>
         </p:spPr>
         <p:txBody>
-          <a:bodyPr lIns="0" rIns="0" tIns="0" bIns="0" anchor="ctr"/>
-          <a:p>
-            <a:endParaRPr b="0" lang="en-US" sz="1800" spc="-1" strike="noStrike">
+          <a:bodyPr lIns="0" tIns="0" rIns="0" bIns="0" anchor="ctr"/>
+          <a:lstStyle/>
+          <a:p>
+            <a:endParaRPr lang="en-US" sz="1800" b="0" strike="noStrike" spc="-1">
               <a:solidFill>
                 <a:srgbClr val="000000"/>
               </a:solidFill>
               <a:uFill>
                 <a:solidFill>
-                  <a:srgbClr val="ffffff"/>
+                  <a:srgbClr val="FFFFFF"/>
                 </a:solidFill>
               </a:uFill>
               <a:latin typeface="Century Gothic"/>
@@ -1672,15 +1848,16 @@
           </a:prstGeom>
         </p:spPr>
         <p:txBody>
-          <a:bodyPr lIns="0" rIns="0" tIns="0" bIns="0"/>
-          <a:p>
-            <a:endParaRPr b="0" lang="en-US" sz="2000" spc="-1" strike="noStrike">
-              <a:solidFill>
-                <a:srgbClr val="455f51"/>
-              </a:solidFill>
-              <a:uFill>
-                <a:solidFill>
-                  <a:srgbClr val="ffffff"/>
+          <a:bodyPr lIns="0" tIns="0" rIns="0" bIns="0"/>
+          <a:lstStyle/>
+          <a:p>
+            <a:endParaRPr lang="en-US" sz="2000" b="0" strike="noStrike" spc="-1">
+              <a:solidFill>
+                <a:srgbClr val="455F51"/>
+              </a:solidFill>
+              <a:uFill>
+                <a:solidFill>
+                  <a:srgbClr val="FFFFFF"/>
                 </a:solidFill>
               </a:uFill>
               <a:latin typeface="Century Gothic"/>
@@ -1708,15 +1885,16 @@
           </a:prstGeom>
         </p:spPr>
         <p:txBody>
-          <a:bodyPr lIns="0" rIns="0" tIns="0" bIns="0"/>
-          <a:p>
-            <a:endParaRPr b="0" lang="en-US" sz="2000" spc="-1" strike="noStrike">
-              <a:solidFill>
-                <a:srgbClr val="455f51"/>
-              </a:solidFill>
-              <a:uFill>
-                <a:solidFill>
-                  <a:srgbClr val="ffffff"/>
+          <a:bodyPr lIns="0" tIns="0" rIns="0" bIns="0"/>
+          <a:lstStyle/>
+          <a:p>
+            <a:endParaRPr lang="en-US" sz="2000" b="0" strike="noStrike" spc="-1">
+              <a:solidFill>
+                <a:srgbClr val="455F51"/>
+              </a:solidFill>
+              <a:uFill>
+                <a:solidFill>
+                  <a:srgbClr val="FFFFFF"/>
                 </a:solidFill>
               </a:uFill>
               <a:latin typeface="Century Gothic"/>
@@ -1726,11 +1904,14 @@
       </p:sp>
     </p:spTree>
   </p:cSld>
+  <p:clrMapOvr>
+    <a:masterClrMapping/>
+  </p:clrMapOvr>
 </p:sldLayout>
 </file>
 
 <file path=ppt/slideLayouts/slideLayout23.xml><?xml version="1.0" encoding="utf-8"?>
-<p:sldLayout xmlns:a="http://schemas.openxmlformats.org/drawingml/2006/main" xmlns:p="http://schemas.openxmlformats.org/presentationml/2006/main" xmlns:r="http://schemas.openxmlformats.org/officeDocument/2006/relationships" xmlns:p14="http://schemas.microsoft.com/office/powerpoint/2010/main" xmlns:p15="http://schemas.microsoft.com/office/powerpoint/2012/main" xmlns:mc="http://schemas.openxmlformats.org/markup-compatibility/2006" type="fourObj" preserve="1">
+<p:sldLayout xmlns:a="http://schemas.openxmlformats.org/drawingml/2006/main" xmlns:r="http://schemas.openxmlformats.org/officeDocument/2006/relationships" xmlns:p="http://schemas.openxmlformats.org/presentationml/2006/main" type="fourObj" preserve="1">
   <p:cSld name="Title, 4 Content">
     <p:spTree>
       <p:nvGrpSpPr>
@@ -1766,15 +1947,16 @@
           </a:prstGeom>
         </p:spPr>
         <p:txBody>
-          <a:bodyPr lIns="0" rIns="0" tIns="0" bIns="0" anchor="ctr"/>
-          <a:p>
-            <a:endParaRPr b="0" lang="en-US" sz="1800" spc="-1" strike="noStrike">
+          <a:bodyPr lIns="0" tIns="0" rIns="0" bIns="0" anchor="ctr"/>
+          <a:lstStyle/>
+          <a:p>
+            <a:endParaRPr lang="en-US" sz="1800" b="0" strike="noStrike" spc="-1">
               <a:solidFill>
                 <a:srgbClr val="000000"/>
               </a:solidFill>
               <a:uFill>
                 <a:solidFill>
-                  <a:srgbClr val="ffffff"/>
+                  <a:srgbClr val="FFFFFF"/>
                 </a:solidFill>
               </a:uFill>
               <a:latin typeface="Century Gothic"/>
@@ -1802,15 +1984,16 @@
           </a:prstGeom>
         </p:spPr>
         <p:txBody>
-          <a:bodyPr lIns="0" rIns="0" tIns="0" bIns="0"/>
-          <a:p>
-            <a:endParaRPr b="0" lang="en-US" sz="2000" spc="-1" strike="noStrike">
-              <a:solidFill>
-                <a:srgbClr val="455f51"/>
-              </a:solidFill>
-              <a:uFill>
-                <a:solidFill>
-                  <a:srgbClr val="ffffff"/>
+          <a:bodyPr lIns="0" tIns="0" rIns="0" bIns="0"/>
+          <a:lstStyle/>
+          <a:p>
+            <a:endParaRPr lang="en-US" sz="2000" b="0" strike="noStrike" spc="-1">
+              <a:solidFill>
+                <a:srgbClr val="455F51"/>
+              </a:solidFill>
+              <a:uFill>
+                <a:solidFill>
+                  <a:srgbClr val="FFFFFF"/>
                 </a:solidFill>
               </a:uFill>
               <a:latin typeface="Century Gothic"/>
@@ -1838,15 +2021,16 @@
           </a:prstGeom>
         </p:spPr>
         <p:txBody>
-          <a:bodyPr lIns="0" rIns="0" tIns="0" bIns="0"/>
-          <a:p>
-            <a:endParaRPr b="0" lang="en-US" sz="2000" spc="-1" strike="noStrike">
-              <a:solidFill>
-                <a:srgbClr val="455f51"/>
-              </a:solidFill>
-              <a:uFill>
-                <a:solidFill>
-                  <a:srgbClr val="ffffff"/>
+          <a:bodyPr lIns="0" tIns="0" rIns="0" bIns="0"/>
+          <a:lstStyle/>
+          <a:p>
+            <a:endParaRPr lang="en-US" sz="2000" b="0" strike="noStrike" spc="-1">
+              <a:solidFill>
+                <a:srgbClr val="455F51"/>
+              </a:solidFill>
+              <a:uFill>
+                <a:solidFill>
+                  <a:srgbClr val="FFFFFF"/>
                 </a:solidFill>
               </a:uFill>
               <a:latin typeface="Century Gothic"/>
@@ -1874,15 +2058,16 @@
           </a:prstGeom>
         </p:spPr>
         <p:txBody>
-          <a:bodyPr lIns="0" rIns="0" tIns="0" bIns="0"/>
-          <a:p>
-            <a:endParaRPr b="0" lang="en-US" sz="2000" spc="-1" strike="noStrike">
-              <a:solidFill>
-                <a:srgbClr val="455f51"/>
-              </a:solidFill>
-              <a:uFill>
-                <a:solidFill>
-                  <a:srgbClr val="ffffff"/>
+          <a:bodyPr lIns="0" tIns="0" rIns="0" bIns="0"/>
+          <a:lstStyle/>
+          <a:p>
+            <a:endParaRPr lang="en-US" sz="2000" b="0" strike="noStrike" spc="-1">
+              <a:solidFill>
+                <a:srgbClr val="455F51"/>
+              </a:solidFill>
+              <a:uFill>
+                <a:solidFill>
+                  <a:srgbClr val="FFFFFF"/>
                 </a:solidFill>
               </a:uFill>
               <a:latin typeface="Century Gothic"/>
@@ -1910,15 +2095,16 @@
           </a:prstGeom>
         </p:spPr>
         <p:txBody>
-          <a:bodyPr lIns="0" rIns="0" tIns="0" bIns="0"/>
-          <a:p>
-            <a:endParaRPr b="0" lang="en-US" sz="2000" spc="-1" strike="noStrike">
-              <a:solidFill>
-                <a:srgbClr val="455f51"/>
-              </a:solidFill>
-              <a:uFill>
-                <a:solidFill>
-                  <a:srgbClr val="ffffff"/>
+          <a:bodyPr lIns="0" tIns="0" rIns="0" bIns="0"/>
+          <a:lstStyle/>
+          <a:p>
+            <a:endParaRPr lang="en-US" sz="2000" b="0" strike="noStrike" spc="-1">
+              <a:solidFill>
+                <a:srgbClr val="455F51"/>
+              </a:solidFill>
+              <a:uFill>
+                <a:solidFill>
+                  <a:srgbClr val="FFFFFF"/>
                 </a:solidFill>
               </a:uFill>
               <a:latin typeface="Century Gothic"/>
@@ -1928,11 +2114,14 @@
       </p:sp>
     </p:spTree>
   </p:cSld>
+  <p:clrMapOvr>
+    <a:masterClrMapping/>
+  </p:clrMapOvr>
 </p:sldLayout>
 </file>
 
 <file path=ppt/slideLayouts/slideLayout24.xml><?xml version="1.0" encoding="utf-8"?>
-<p:sldLayout xmlns:a="http://schemas.openxmlformats.org/drawingml/2006/main" xmlns:p="http://schemas.openxmlformats.org/presentationml/2006/main" xmlns:r="http://schemas.openxmlformats.org/officeDocument/2006/relationships" xmlns:p14="http://schemas.microsoft.com/office/powerpoint/2010/main" xmlns:p15="http://schemas.microsoft.com/office/powerpoint/2012/main" xmlns:mc="http://schemas.openxmlformats.org/markup-compatibility/2006" type="blank" preserve="1">
+<p:sldLayout xmlns:a="http://schemas.openxmlformats.org/drawingml/2006/main" xmlns:r="http://schemas.openxmlformats.org/officeDocument/2006/relationships" xmlns:p="http://schemas.openxmlformats.org/presentationml/2006/main" type="blank" preserve="1">
   <p:cSld name="Title, 6 Content">
     <p:spTree>
       <p:nvGrpSpPr>
@@ -1968,15 +2157,16 @@
           </a:prstGeom>
         </p:spPr>
         <p:txBody>
-          <a:bodyPr lIns="0" rIns="0" tIns="0" bIns="0" anchor="ctr"/>
-          <a:p>
-            <a:endParaRPr b="0" lang="en-US" sz="1800" spc="-1" strike="noStrike">
+          <a:bodyPr lIns="0" tIns="0" rIns="0" bIns="0" anchor="ctr"/>
+          <a:lstStyle/>
+          <a:p>
+            <a:endParaRPr lang="en-US" sz="1800" b="0" strike="noStrike" spc="-1">
               <a:solidFill>
                 <a:srgbClr val="000000"/>
               </a:solidFill>
               <a:uFill>
                 <a:solidFill>
-                  <a:srgbClr val="ffffff"/>
+                  <a:srgbClr val="FFFFFF"/>
                 </a:solidFill>
               </a:uFill>
               <a:latin typeface="Century Gothic"/>
@@ -2004,15 +2194,16 @@
           </a:prstGeom>
         </p:spPr>
         <p:txBody>
-          <a:bodyPr lIns="0" rIns="0" tIns="0" bIns="0"/>
-          <a:p>
-            <a:endParaRPr b="0" lang="en-US" sz="2000" spc="-1" strike="noStrike">
-              <a:solidFill>
-                <a:srgbClr val="455f51"/>
-              </a:solidFill>
-              <a:uFill>
-                <a:solidFill>
-                  <a:srgbClr val="ffffff"/>
+          <a:bodyPr lIns="0" tIns="0" rIns="0" bIns="0"/>
+          <a:lstStyle/>
+          <a:p>
+            <a:endParaRPr lang="en-US" sz="2000" b="0" strike="noStrike" spc="-1">
+              <a:solidFill>
+                <a:srgbClr val="455F51"/>
+              </a:solidFill>
+              <a:uFill>
+                <a:solidFill>
+                  <a:srgbClr val="FFFFFF"/>
                 </a:solidFill>
               </a:uFill>
               <a:latin typeface="Century Gothic"/>
@@ -2040,15 +2231,16 @@
           </a:prstGeom>
         </p:spPr>
         <p:txBody>
-          <a:bodyPr lIns="0" rIns="0" tIns="0" bIns="0"/>
-          <a:p>
-            <a:endParaRPr b="0" lang="en-US" sz="2000" spc="-1" strike="noStrike">
-              <a:solidFill>
-                <a:srgbClr val="455f51"/>
-              </a:solidFill>
-              <a:uFill>
-                <a:solidFill>
-                  <a:srgbClr val="ffffff"/>
+          <a:bodyPr lIns="0" tIns="0" rIns="0" bIns="0"/>
+          <a:lstStyle/>
+          <a:p>
+            <a:endParaRPr lang="en-US" sz="2000" b="0" strike="noStrike" spc="-1">
+              <a:solidFill>
+                <a:srgbClr val="455F51"/>
+              </a:solidFill>
+              <a:uFill>
+                <a:solidFill>
+                  <a:srgbClr val="FFFFFF"/>
                 </a:solidFill>
               </a:uFill>
               <a:latin typeface="Century Gothic"/>
@@ -2058,7 +2250,7 @@
       </p:sp>
       <p:pic>
         <p:nvPicPr>
-          <p:cNvPr id="80" name="" descr=""/>
+          <p:cNvPr id="80" name="Picture 79"/>
           <p:cNvPicPr/>
           <p:nvPr/>
         </p:nvPicPr>
@@ -2081,12 +2273,12 @@
       </p:pic>
       <p:pic>
         <p:nvPicPr>
-          <p:cNvPr id="81" name="" descr=""/>
+          <p:cNvPr id="81" name="Picture 80"/>
           <p:cNvPicPr/>
           <p:nvPr/>
         </p:nvPicPr>
         <p:blipFill>
-          <a:blip r:embed="rId3"/>
+          <a:blip r:embed="rId2"/>
           <a:stretch/>
         </p:blipFill>
         <p:spPr>
@@ -2104,11 +2296,14 @@
       </p:pic>
     </p:spTree>
   </p:cSld>
+  <p:clrMapOvr>
+    <a:masterClrMapping/>
+  </p:clrMapOvr>
 </p:sldLayout>
 </file>
 
 <file path=ppt/slideLayouts/slideLayout3.xml><?xml version="1.0" encoding="utf-8"?>
-<p:sldLayout xmlns:a="http://schemas.openxmlformats.org/drawingml/2006/main" xmlns:p="http://schemas.openxmlformats.org/presentationml/2006/main" xmlns:r="http://schemas.openxmlformats.org/officeDocument/2006/relationships" xmlns:p14="http://schemas.microsoft.com/office/powerpoint/2010/main" xmlns:p15="http://schemas.microsoft.com/office/powerpoint/2012/main" xmlns:mc="http://schemas.openxmlformats.org/markup-compatibility/2006" type="obj" preserve="1">
+<p:sldLayout xmlns:a="http://schemas.openxmlformats.org/drawingml/2006/main" xmlns:r="http://schemas.openxmlformats.org/officeDocument/2006/relationships" xmlns:p="http://schemas.openxmlformats.org/presentationml/2006/main" type="obj" preserve="1">
   <p:cSld name="Title, Content">
     <p:spTree>
       <p:nvGrpSpPr>
@@ -2144,15 +2339,16 @@
           </a:prstGeom>
         </p:spPr>
         <p:txBody>
-          <a:bodyPr lIns="0" rIns="0" tIns="0" bIns="0" anchor="ctr"/>
-          <a:p>
-            <a:endParaRPr b="0" lang="en-US" sz="1800" spc="-1" strike="noStrike">
+          <a:bodyPr lIns="0" tIns="0" rIns="0" bIns="0" anchor="ctr"/>
+          <a:lstStyle/>
+          <a:p>
+            <a:endParaRPr lang="en-US" sz="1800" b="0" strike="noStrike" spc="-1">
               <a:solidFill>
                 <a:srgbClr val="000000"/>
               </a:solidFill>
               <a:uFill>
                 <a:solidFill>
-                  <a:srgbClr val="ffffff"/>
+                  <a:srgbClr val="FFFFFF"/>
                 </a:solidFill>
               </a:uFill>
               <a:latin typeface="Century Gothic"/>
@@ -2180,15 +2376,16 @@
           </a:prstGeom>
         </p:spPr>
         <p:txBody>
-          <a:bodyPr lIns="0" rIns="0" tIns="0" bIns="0"/>
-          <a:p>
-            <a:endParaRPr b="0" lang="en-US" sz="2000" spc="-1" strike="noStrike">
-              <a:solidFill>
-                <a:srgbClr val="455f51"/>
-              </a:solidFill>
-              <a:uFill>
-                <a:solidFill>
-                  <a:srgbClr val="ffffff"/>
+          <a:bodyPr lIns="0" tIns="0" rIns="0" bIns="0"/>
+          <a:lstStyle/>
+          <a:p>
+            <a:endParaRPr lang="en-US" sz="2000" b="0" strike="noStrike" spc="-1">
+              <a:solidFill>
+                <a:srgbClr val="455F51"/>
+              </a:solidFill>
+              <a:uFill>
+                <a:solidFill>
+                  <a:srgbClr val="FFFFFF"/>
                 </a:solidFill>
               </a:uFill>
               <a:latin typeface="Century Gothic"/>
@@ -2198,11 +2395,14 @@
       </p:sp>
     </p:spTree>
   </p:cSld>
+  <p:clrMapOvr>
+    <a:masterClrMapping/>
+  </p:clrMapOvr>
 </p:sldLayout>
 </file>
 
 <file path=ppt/slideLayouts/slideLayout4.xml><?xml version="1.0" encoding="utf-8"?>
-<p:sldLayout xmlns:a="http://schemas.openxmlformats.org/drawingml/2006/main" xmlns:p="http://schemas.openxmlformats.org/presentationml/2006/main" xmlns:r="http://schemas.openxmlformats.org/officeDocument/2006/relationships" xmlns:p14="http://schemas.microsoft.com/office/powerpoint/2010/main" xmlns:p15="http://schemas.microsoft.com/office/powerpoint/2012/main" xmlns:mc="http://schemas.openxmlformats.org/markup-compatibility/2006" type="twoObj" preserve="1">
+<p:sldLayout xmlns:a="http://schemas.openxmlformats.org/drawingml/2006/main" xmlns:r="http://schemas.openxmlformats.org/officeDocument/2006/relationships" xmlns:p="http://schemas.openxmlformats.org/presentationml/2006/main" type="twoObj" preserve="1">
   <p:cSld name="Title, 2 Content">
     <p:spTree>
       <p:nvGrpSpPr>
@@ -2238,15 +2438,16 @@
           </a:prstGeom>
         </p:spPr>
         <p:txBody>
-          <a:bodyPr lIns="0" rIns="0" tIns="0" bIns="0" anchor="ctr"/>
-          <a:p>
-            <a:endParaRPr b="0" lang="en-US" sz="1800" spc="-1" strike="noStrike">
+          <a:bodyPr lIns="0" tIns="0" rIns="0" bIns="0" anchor="ctr"/>
+          <a:lstStyle/>
+          <a:p>
+            <a:endParaRPr lang="en-US" sz="1800" b="0" strike="noStrike" spc="-1">
               <a:solidFill>
                 <a:srgbClr val="000000"/>
               </a:solidFill>
               <a:uFill>
                 <a:solidFill>
-                  <a:srgbClr val="ffffff"/>
+                  <a:srgbClr val="FFFFFF"/>
                 </a:solidFill>
               </a:uFill>
               <a:latin typeface="Century Gothic"/>
@@ -2274,15 +2475,16 @@
           </a:prstGeom>
         </p:spPr>
         <p:txBody>
-          <a:bodyPr lIns="0" rIns="0" tIns="0" bIns="0"/>
-          <a:p>
-            <a:endParaRPr b="0" lang="en-US" sz="2000" spc="-1" strike="noStrike">
-              <a:solidFill>
-                <a:srgbClr val="455f51"/>
-              </a:solidFill>
-              <a:uFill>
-                <a:solidFill>
-                  <a:srgbClr val="ffffff"/>
+          <a:bodyPr lIns="0" tIns="0" rIns="0" bIns="0"/>
+          <a:lstStyle/>
+          <a:p>
+            <a:endParaRPr lang="en-US" sz="2000" b="0" strike="noStrike" spc="-1">
+              <a:solidFill>
+                <a:srgbClr val="455F51"/>
+              </a:solidFill>
+              <a:uFill>
+                <a:solidFill>
+                  <a:srgbClr val="FFFFFF"/>
                 </a:solidFill>
               </a:uFill>
               <a:latin typeface="Century Gothic"/>
@@ -2310,15 +2512,16 @@
           </a:prstGeom>
         </p:spPr>
         <p:txBody>
-          <a:bodyPr lIns="0" rIns="0" tIns="0" bIns="0"/>
-          <a:p>
-            <a:endParaRPr b="0" lang="en-US" sz="2000" spc="-1" strike="noStrike">
-              <a:solidFill>
-                <a:srgbClr val="455f51"/>
-              </a:solidFill>
-              <a:uFill>
-                <a:solidFill>
-                  <a:srgbClr val="ffffff"/>
+          <a:bodyPr lIns="0" tIns="0" rIns="0" bIns="0"/>
+          <a:lstStyle/>
+          <a:p>
+            <a:endParaRPr lang="en-US" sz="2000" b="0" strike="noStrike" spc="-1">
+              <a:solidFill>
+                <a:srgbClr val="455F51"/>
+              </a:solidFill>
+              <a:uFill>
+                <a:solidFill>
+                  <a:srgbClr val="FFFFFF"/>
                 </a:solidFill>
               </a:uFill>
               <a:latin typeface="Century Gothic"/>
@@ -2328,11 +2531,14 @@
       </p:sp>
     </p:spTree>
   </p:cSld>
+  <p:clrMapOvr>
+    <a:masterClrMapping/>
+  </p:clrMapOvr>
 </p:sldLayout>
 </file>
 
 <file path=ppt/slideLayouts/slideLayout5.xml><?xml version="1.0" encoding="utf-8"?>
-<p:sldLayout xmlns:a="http://schemas.openxmlformats.org/drawingml/2006/main" xmlns:p="http://schemas.openxmlformats.org/presentationml/2006/main" xmlns:r="http://schemas.openxmlformats.org/officeDocument/2006/relationships" xmlns:p14="http://schemas.microsoft.com/office/powerpoint/2010/main" xmlns:p15="http://schemas.microsoft.com/office/powerpoint/2012/main" xmlns:mc="http://schemas.openxmlformats.org/markup-compatibility/2006" type="titleOnly" preserve="1">
+<p:sldLayout xmlns:a="http://schemas.openxmlformats.org/drawingml/2006/main" xmlns:r="http://schemas.openxmlformats.org/officeDocument/2006/relationships" xmlns:p="http://schemas.openxmlformats.org/presentationml/2006/main" type="titleOnly" preserve="1">
   <p:cSld name="Title Only">
     <p:spTree>
       <p:nvGrpSpPr>
@@ -2368,15 +2574,16 @@
           </a:prstGeom>
         </p:spPr>
         <p:txBody>
-          <a:bodyPr lIns="0" rIns="0" tIns="0" bIns="0" anchor="ctr"/>
-          <a:p>
-            <a:endParaRPr b="0" lang="en-US" sz="1800" spc="-1" strike="noStrike">
+          <a:bodyPr lIns="0" tIns="0" rIns="0" bIns="0" anchor="ctr"/>
+          <a:lstStyle/>
+          <a:p>
+            <a:endParaRPr lang="en-US" sz="1800" b="0" strike="noStrike" spc="-1">
               <a:solidFill>
                 <a:srgbClr val="000000"/>
               </a:solidFill>
               <a:uFill>
                 <a:solidFill>
-                  <a:srgbClr val="ffffff"/>
+                  <a:srgbClr val="FFFFFF"/>
                 </a:solidFill>
               </a:uFill>
               <a:latin typeface="Century Gothic"/>
@@ -2386,11 +2593,14 @@
       </p:sp>
     </p:spTree>
   </p:cSld>
+  <p:clrMapOvr>
+    <a:masterClrMapping/>
+  </p:clrMapOvr>
 </p:sldLayout>
 </file>
 
 <file path=ppt/slideLayouts/slideLayout6.xml><?xml version="1.0" encoding="utf-8"?>
-<p:sldLayout xmlns:a="http://schemas.openxmlformats.org/drawingml/2006/main" xmlns:p="http://schemas.openxmlformats.org/presentationml/2006/main" xmlns:r="http://schemas.openxmlformats.org/officeDocument/2006/relationships" xmlns:p14="http://schemas.microsoft.com/office/powerpoint/2010/main" xmlns:p15="http://schemas.microsoft.com/office/powerpoint/2012/main" xmlns:mc="http://schemas.openxmlformats.org/markup-compatibility/2006" type="objOnly" preserve="1">
+<p:sldLayout xmlns:a="http://schemas.openxmlformats.org/drawingml/2006/main" xmlns:r="http://schemas.openxmlformats.org/officeDocument/2006/relationships" xmlns:p="http://schemas.openxmlformats.org/presentationml/2006/main" type="objOnly" preserve="1">
   <p:cSld name="Centered Text">
     <p:spTree>
       <p:nvGrpSpPr>
@@ -2426,16 +2636,17 @@
           </a:prstGeom>
         </p:spPr>
         <p:txBody>
-          <a:bodyPr lIns="0" rIns="0" tIns="0" bIns="0" anchor="ctr"/>
+          <a:bodyPr lIns="0" tIns="0" rIns="0" bIns="0" anchor="ctr"/>
+          <a:lstStyle/>
           <a:p>
             <a:pPr algn="ctr"/>
-            <a:endParaRPr b="0" lang="fr-FR" sz="3200" spc="-1" strike="noStrike">
+            <a:endParaRPr lang="fr-FR" sz="3200" b="0" strike="noStrike" spc="-1">
               <a:solidFill>
                 <a:srgbClr val="000000"/>
               </a:solidFill>
               <a:uFill>
                 <a:solidFill>
-                  <a:srgbClr val="ffffff"/>
+                  <a:srgbClr val="FFFFFF"/>
                 </a:solidFill>
               </a:uFill>
               <a:latin typeface="Arial"/>
@@ -2445,11 +2656,14 @@
       </p:sp>
     </p:spTree>
   </p:cSld>
+  <p:clrMapOvr>
+    <a:masterClrMapping/>
+  </p:clrMapOvr>
 </p:sldLayout>
 </file>
 
 <file path=ppt/slideLayouts/slideLayout7.xml><?xml version="1.0" encoding="utf-8"?>
-<p:sldLayout xmlns:a="http://schemas.openxmlformats.org/drawingml/2006/main" xmlns:p="http://schemas.openxmlformats.org/presentationml/2006/main" xmlns:r="http://schemas.openxmlformats.org/officeDocument/2006/relationships" xmlns:p14="http://schemas.microsoft.com/office/powerpoint/2010/main" xmlns:p15="http://schemas.microsoft.com/office/powerpoint/2012/main" xmlns:mc="http://schemas.openxmlformats.org/markup-compatibility/2006" type="twoObjAndObj" preserve="1">
+<p:sldLayout xmlns:a="http://schemas.openxmlformats.org/drawingml/2006/main" xmlns:r="http://schemas.openxmlformats.org/officeDocument/2006/relationships" xmlns:p="http://schemas.openxmlformats.org/presentationml/2006/main" type="twoObjAndObj" preserve="1">
   <p:cSld name="Title, 2 Content and Content">
     <p:spTree>
       <p:nvGrpSpPr>
@@ -2485,15 +2699,16 @@
           </a:prstGeom>
         </p:spPr>
         <p:txBody>
-          <a:bodyPr lIns="0" rIns="0" tIns="0" bIns="0" anchor="ctr"/>
-          <a:p>
-            <a:endParaRPr b="0" lang="en-US" sz="1800" spc="-1" strike="noStrike">
+          <a:bodyPr lIns="0" tIns="0" rIns="0" bIns="0" anchor="ctr"/>
+          <a:lstStyle/>
+          <a:p>
+            <a:endParaRPr lang="en-US" sz="1800" b="0" strike="noStrike" spc="-1">
               <a:solidFill>
                 <a:srgbClr val="000000"/>
               </a:solidFill>
               <a:uFill>
                 <a:solidFill>
-                  <a:srgbClr val="ffffff"/>
+                  <a:srgbClr val="FFFFFF"/>
                 </a:solidFill>
               </a:uFill>
               <a:latin typeface="Century Gothic"/>
@@ -2521,15 +2736,16 @@
           </a:prstGeom>
         </p:spPr>
         <p:txBody>
-          <a:bodyPr lIns="0" rIns="0" tIns="0" bIns="0"/>
-          <a:p>
-            <a:endParaRPr b="0" lang="en-US" sz="2000" spc="-1" strike="noStrike">
-              <a:solidFill>
-                <a:srgbClr val="455f51"/>
-              </a:solidFill>
-              <a:uFill>
-                <a:solidFill>
-                  <a:srgbClr val="ffffff"/>
+          <a:bodyPr lIns="0" tIns="0" rIns="0" bIns="0"/>
+          <a:lstStyle/>
+          <a:p>
+            <a:endParaRPr lang="en-US" sz="2000" b="0" strike="noStrike" spc="-1">
+              <a:solidFill>
+                <a:srgbClr val="455F51"/>
+              </a:solidFill>
+              <a:uFill>
+                <a:solidFill>
+                  <a:srgbClr val="FFFFFF"/>
                 </a:solidFill>
               </a:uFill>
               <a:latin typeface="Century Gothic"/>
@@ -2557,15 +2773,16 @@
           </a:prstGeom>
         </p:spPr>
         <p:txBody>
-          <a:bodyPr lIns="0" rIns="0" tIns="0" bIns="0"/>
-          <a:p>
-            <a:endParaRPr b="0" lang="en-US" sz="2000" spc="-1" strike="noStrike">
-              <a:solidFill>
-                <a:srgbClr val="455f51"/>
-              </a:solidFill>
-              <a:uFill>
-                <a:solidFill>
-                  <a:srgbClr val="ffffff"/>
+          <a:bodyPr lIns="0" tIns="0" rIns="0" bIns="0"/>
+          <a:lstStyle/>
+          <a:p>
+            <a:endParaRPr lang="en-US" sz="2000" b="0" strike="noStrike" spc="-1">
+              <a:solidFill>
+                <a:srgbClr val="455F51"/>
+              </a:solidFill>
+              <a:uFill>
+                <a:solidFill>
+                  <a:srgbClr val="FFFFFF"/>
                 </a:solidFill>
               </a:uFill>
               <a:latin typeface="Century Gothic"/>
@@ -2593,15 +2810,16 @@
           </a:prstGeom>
         </p:spPr>
         <p:txBody>
-          <a:bodyPr lIns="0" rIns="0" tIns="0" bIns="0"/>
-          <a:p>
-            <a:endParaRPr b="0" lang="en-US" sz="2000" spc="-1" strike="noStrike">
-              <a:solidFill>
-                <a:srgbClr val="455f51"/>
-              </a:solidFill>
-              <a:uFill>
-                <a:solidFill>
-                  <a:srgbClr val="ffffff"/>
+          <a:bodyPr lIns="0" tIns="0" rIns="0" bIns="0"/>
+          <a:lstStyle/>
+          <a:p>
+            <a:endParaRPr lang="en-US" sz="2000" b="0" strike="noStrike" spc="-1">
+              <a:solidFill>
+                <a:srgbClr val="455F51"/>
+              </a:solidFill>
+              <a:uFill>
+                <a:solidFill>
+                  <a:srgbClr val="FFFFFF"/>
                 </a:solidFill>
               </a:uFill>
               <a:latin typeface="Century Gothic"/>
@@ -2611,11 +2829,14 @@
       </p:sp>
     </p:spTree>
   </p:cSld>
+  <p:clrMapOvr>
+    <a:masterClrMapping/>
+  </p:clrMapOvr>
 </p:sldLayout>
 </file>
 
 <file path=ppt/slideLayouts/slideLayout8.xml><?xml version="1.0" encoding="utf-8"?>
-<p:sldLayout xmlns:a="http://schemas.openxmlformats.org/drawingml/2006/main" xmlns:p="http://schemas.openxmlformats.org/presentationml/2006/main" xmlns:r="http://schemas.openxmlformats.org/officeDocument/2006/relationships" xmlns:p14="http://schemas.microsoft.com/office/powerpoint/2010/main" xmlns:p15="http://schemas.microsoft.com/office/powerpoint/2012/main" xmlns:mc="http://schemas.openxmlformats.org/markup-compatibility/2006" type="objAndTwoObj" preserve="1">
+<p:sldLayout xmlns:a="http://schemas.openxmlformats.org/drawingml/2006/main" xmlns:r="http://schemas.openxmlformats.org/officeDocument/2006/relationships" xmlns:p="http://schemas.openxmlformats.org/presentationml/2006/main" type="objAndTwoObj" preserve="1">
   <p:cSld name="Title Content and 2 Content">
     <p:spTree>
       <p:nvGrpSpPr>
@@ -2651,15 +2872,16 @@
           </a:prstGeom>
         </p:spPr>
         <p:txBody>
-          <a:bodyPr lIns="0" rIns="0" tIns="0" bIns="0" anchor="ctr"/>
-          <a:p>
-            <a:endParaRPr b="0" lang="en-US" sz="1800" spc="-1" strike="noStrike">
+          <a:bodyPr lIns="0" tIns="0" rIns="0" bIns="0" anchor="ctr"/>
+          <a:lstStyle/>
+          <a:p>
+            <a:endParaRPr lang="en-US" sz="1800" b="0" strike="noStrike" spc="-1">
               <a:solidFill>
                 <a:srgbClr val="000000"/>
               </a:solidFill>
               <a:uFill>
                 <a:solidFill>
-                  <a:srgbClr val="ffffff"/>
+                  <a:srgbClr val="FFFFFF"/>
                 </a:solidFill>
               </a:uFill>
               <a:latin typeface="Century Gothic"/>
@@ -2687,15 +2909,16 @@
           </a:prstGeom>
         </p:spPr>
         <p:txBody>
-          <a:bodyPr lIns="0" rIns="0" tIns="0" bIns="0"/>
-          <a:p>
-            <a:endParaRPr b="0" lang="en-US" sz="2000" spc="-1" strike="noStrike">
-              <a:solidFill>
-                <a:srgbClr val="455f51"/>
-              </a:solidFill>
-              <a:uFill>
-                <a:solidFill>
-                  <a:srgbClr val="ffffff"/>
+          <a:bodyPr lIns="0" tIns="0" rIns="0" bIns="0"/>
+          <a:lstStyle/>
+          <a:p>
+            <a:endParaRPr lang="en-US" sz="2000" b="0" strike="noStrike" spc="-1">
+              <a:solidFill>
+                <a:srgbClr val="455F51"/>
+              </a:solidFill>
+              <a:uFill>
+                <a:solidFill>
+                  <a:srgbClr val="FFFFFF"/>
                 </a:solidFill>
               </a:uFill>
               <a:latin typeface="Century Gothic"/>
@@ -2723,15 +2946,16 @@
           </a:prstGeom>
         </p:spPr>
         <p:txBody>
-          <a:bodyPr lIns="0" rIns="0" tIns="0" bIns="0"/>
-          <a:p>
-            <a:endParaRPr b="0" lang="en-US" sz="2000" spc="-1" strike="noStrike">
-              <a:solidFill>
-                <a:srgbClr val="455f51"/>
-              </a:solidFill>
-              <a:uFill>
-                <a:solidFill>
-                  <a:srgbClr val="ffffff"/>
+          <a:bodyPr lIns="0" tIns="0" rIns="0" bIns="0"/>
+          <a:lstStyle/>
+          <a:p>
+            <a:endParaRPr lang="en-US" sz="2000" b="0" strike="noStrike" spc="-1">
+              <a:solidFill>
+                <a:srgbClr val="455F51"/>
+              </a:solidFill>
+              <a:uFill>
+                <a:solidFill>
+                  <a:srgbClr val="FFFFFF"/>
                 </a:solidFill>
               </a:uFill>
               <a:latin typeface="Century Gothic"/>
@@ -2759,15 +2983,16 @@
           </a:prstGeom>
         </p:spPr>
         <p:txBody>
-          <a:bodyPr lIns="0" rIns="0" tIns="0" bIns="0"/>
-          <a:p>
-            <a:endParaRPr b="0" lang="en-US" sz="2000" spc="-1" strike="noStrike">
-              <a:solidFill>
-                <a:srgbClr val="455f51"/>
-              </a:solidFill>
-              <a:uFill>
-                <a:solidFill>
-                  <a:srgbClr val="ffffff"/>
+          <a:bodyPr lIns="0" tIns="0" rIns="0" bIns="0"/>
+          <a:lstStyle/>
+          <a:p>
+            <a:endParaRPr lang="en-US" sz="2000" b="0" strike="noStrike" spc="-1">
+              <a:solidFill>
+                <a:srgbClr val="455F51"/>
+              </a:solidFill>
+              <a:uFill>
+                <a:solidFill>
+                  <a:srgbClr val="FFFFFF"/>
                 </a:solidFill>
               </a:uFill>
               <a:latin typeface="Century Gothic"/>
@@ -2777,11 +3002,14 @@
       </p:sp>
     </p:spTree>
   </p:cSld>
+  <p:clrMapOvr>
+    <a:masterClrMapping/>
+  </p:clrMapOvr>
 </p:sldLayout>
 </file>
 
 <file path=ppt/slideLayouts/slideLayout9.xml><?xml version="1.0" encoding="utf-8"?>
-<p:sldLayout xmlns:a="http://schemas.openxmlformats.org/drawingml/2006/main" xmlns:p="http://schemas.openxmlformats.org/presentationml/2006/main" xmlns:r="http://schemas.openxmlformats.org/officeDocument/2006/relationships" xmlns:p14="http://schemas.microsoft.com/office/powerpoint/2010/main" xmlns:p15="http://schemas.microsoft.com/office/powerpoint/2012/main" xmlns:mc="http://schemas.openxmlformats.org/markup-compatibility/2006" type="twoObjOverTx" preserve="1">
+<p:sldLayout xmlns:a="http://schemas.openxmlformats.org/drawingml/2006/main" xmlns:r="http://schemas.openxmlformats.org/officeDocument/2006/relationships" xmlns:p="http://schemas.openxmlformats.org/presentationml/2006/main" type="twoObjOverTx" preserve="1">
   <p:cSld name="Title, 2 Content over Content">
     <p:spTree>
       <p:nvGrpSpPr>
@@ -2817,15 +3045,16 @@
           </a:prstGeom>
         </p:spPr>
         <p:txBody>
-          <a:bodyPr lIns="0" rIns="0" tIns="0" bIns="0" anchor="ctr"/>
-          <a:p>
-            <a:endParaRPr b="0" lang="en-US" sz="1800" spc="-1" strike="noStrike">
+          <a:bodyPr lIns="0" tIns="0" rIns="0" bIns="0" anchor="ctr"/>
+          <a:lstStyle/>
+          <a:p>
+            <a:endParaRPr lang="en-US" sz="1800" b="0" strike="noStrike" spc="-1">
               <a:solidFill>
                 <a:srgbClr val="000000"/>
               </a:solidFill>
               <a:uFill>
                 <a:solidFill>
-                  <a:srgbClr val="ffffff"/>
+                  <a:srgbClr val="FFFFFF"/>
                 </a:solidFill>
               </a:uFill>
               <a:latin typeface="Century Gothic"/>
@@ -2853,15 +3082,16 @@
           </a:prstGeom>
         </p:spPr>
         <p:txBody>
-          <a:bodyPr lIns="0" rIns="0" tIns="0" bIns="0"/>
-          <a:p>
-            <a:endParaRPr b="0" lang="en-US" sz="2000" spc="-1" strike="noStrike">
-              <a:solidFill>
-                <a:srgbClr val="455f51"/>
-              </a:solidFill>
-              <a:uFill>
-                <a:solidFill>
-                  <a:srgbClr val="ffffff"/>
+          <a:bodyPr lIns="0" tIns="0" rIns="0" bIns="0"/>
+          <a:lstStyle/>
+          <a:p>
+            <a:endParaRPr lang="en-US" sz="2000" b="0" strike="noStrike" spc="-1">
+              <a:solidFill>
+                <a:srgbClr val="455F51"/>
+              </a:solidFill>
+              <a:uFill>
+                <a:solidFill>
+                  <a:srgbClr val="FFFFFF"/>
                 </a:solidFill>
               </a:uFill>
               <a:latin typeface="Century Gothic"/>
@@ -2889,15 +3119,16 @@
           </a:prstGeom>
         </p:spPr>
         <p:txBody>
-          <a:bodyPr lIns="0" rIns="0" tIns="0" bIns="0"/>
-          <a:p>
-            <a:endParaRPr b="0" lang="en-US" sz="2000" spc="-1" strike="noStrike">
-              <a:solidFill>
-                <a:srgbClr val="455f51"/>
-              </a:solidFill>
-              <a:uFill>
-                <a:solidFill>
-                  <a:srgbClr val="ffffff"/>
+          <a:bodyPr lIns="0" tIns="0" rIns="0" bIns="0"/>
+          <a:lstStyle/>
+          <a:p>
+            <a:endParaRPr lang="en-US" sz="2000" b="0" strike="noStrike" spc="-1">
+              <a:solidFill>
+                <a:srgbClr val="455F51"/>
+              </a:solidFill>
+              <a:uFill>
+                <a:solidFill>
+                  <a:srgbClr val="FFFFFF"/>
                 </a:solidFill>
               </a:uFill>
               <a:latin typeface="Century Gothic"/>
@@ -2925,15 +3156,16 @@
           </a:prstGeom>
         </p:spPr>
         <p:txBody>
-          <a:bodyPr lIns="0" rIns="0" tIns="0" bIns="0"/>
-          <a:p>
-            <a:endParaRPr b="0" lang="en-US" sz="2000" spc="-1" strike="noStrike">
-              <a:solidFill>
-                <a:srgbClr val="455f51"/>
-              </a:solidFill>
-              <a:uFill>
-                <a:solidFill>
-                  <a:srgbClr val="ffffff"/>
+          <a:bodyPr lIns="0" tIns="0" rIns="0" bIns="0"/>
+          <a:lstStyle/>
+          <a:p>
+            <a:endParaRPr lang="en-US" sz="2000" b="0" strike="noStrike" spc="-1">
+              <a:solidFill>
+                <a:srgbClr val="455F51"/>
+              </a:solidFill>
+              <a:uFill>
+                <a:solidFill>
+                  <a:srgbClr val="FFFFFF"/>
                 </a:solidFill>
               </a:uFill>
               <a:latin typeface="Century Gothic"/>
@@ -2943,17 +3175,21 @@
       </p:sp>
     </p:spTree>
   </p:cSld>
+  <p:clrMapOvr>
+    <a:masterClrMapping/>
+  </p:clrMapOvr>
 </p:sldLayout>
 </file>
 
 <file path=ppt/slideMasters/slideMaster1.xml><?xml version="1.0" encoding="utf-8"?>
-<p:sldMaster xmlns:a="http://schemas.openxmlformats.org/drawingml/2006/main" xmlns:p="http://schemas.openxmlformats.org/presentationml/2006/main" xmlns:r="http://schemas.openxmlformats.org/officeDocument/2006/relationships" xmlns:p14="http://schemas.microsoft.com/office/powerpoint/2010/main" xmlns:p15="http://schemas.microsoft.com/office/powerpoint/2012/main" xmlns:mc="http://schemas.openxmlformats.org/markup-compatibility/2006">
+<p:sldMaster xmlns:a="http://schemas.openxmlformats.org/drawingml/2006/main" xmlns:r="http://schemas.openxmlformats.org/officeDocument/2006/relationships" xmlns:p="http://schemas.openxmlformats.org/presentationml/2006/main">
   <p:cSld>
     <p:bg>
       <p:bgPr>
         <a:solidFill>
-          <a:srgbClr val="ffffff"/>
+          <a:srgbClr val="FFFFFF"/>
         </a:solidFill>
+        <a:effectLst/>
       </p:bgPr>
     </p:bg>
     <p:spTree>
@@ -2972,7 +3208,7 @@
       </p:grpSpPr>
       <p:sp>
         <p:nvSpPr>
-          <p:cNvPr id="0" name="CustomShape 1" hidden="1"/>
+          <p:cNvPr id="8" name="CustomShape 1" hidden="1"/>
           <p:cNvSpPr/>
           <p:nvPr/>
         </p:nvSpPr>
@@ -3008,7 +3244,7 @@
       </p:sp>
       <p:sp>
         <p:nvSpPr>
-          <p:cNvPr id="1" name="PlaceHolder 2"/>
+          <p:cNvPr id="9" name="PlaceHolder 2"/>
           <p:cNvSpPr>
             <a:spLocks noGrp="1"/>
           </p:cNvSpPr>
@@ -3027,6 +3263,7 @@
         </p:spPr>
         <p:txBody>
           <a:bodyPr anchor="b"/>
+          <a:lstStyle/>
           <a:p>
             <a:pPr algn="ctr">
               <a:lnSpc>
@@ -3034,138 +3271,26 @@
               </a:lnSpc>
             </a:pPr>
             <a:r>
-              <a:rPr b="0" lang="en-US" sz="7200" spc="-1" strike="noStrike" cap="all">
-                <a:solidFill>
-                  <a:srgbClr val="455f51"/>
+              <a:rPr lang="en-US" sz="7200" b="0" strike="noStrike" cap="all" spc="-1">
+                <a:solidFill>
+                  <a:srgbClr val="455F51"/>
                 </a:solidFill>
                 <a:uFill>
                   <a:solidFill>
-                    <a:srgbClr val="ffffff"/>
+                    <a:srgbClr val="FFFFFF"/>
                   </a:solidFill>
                 </a:uFill>
                 <a:latin typeface="Century Gothic"/>
               </a:rPr>
-              <a:t>Clic</a:t>
-            </a:r>
-            <a:r>
-              <a:rPr b="0" lang="en-US" sz="7200" spc="-1" strike="noStrike" cap="all">
-                <a:solidFill>
-                  <a:srgbClr val="455f51"/>
-                </a:solidFill>
-                <a:uFill>
-                  <a:solidFill>
-                    <a:srgbClr val="ffffff"/>
-                  </a:solidFill>
-                </a:uFill>
-                <a:latin typeface="Century Gothic"/>
-              </a:rPr>
-              <a:t>k to </a:t>
-            </a:r>
-            <a:r>
-              <a:rPr b="0" lang="en-US" sz="7200" spc="-1" strike="noStrike" cap="all">
-                <a:solidFill>
-                  <a:srgbClr val="455f51"/>
-                </a:solidFill>
-                <a:uFill>
-                  <a:solidFill>
-                    <a:srgbClr val="ffffff"/>
-                  </a:solidFill>
-                </a:uFill>
-                <a:latin typeface="Century Gothic"/>
-              </a:rPr>
-              <a:t>edit </a:t>
-            </a:r>
-            <a:r>
-              <a:rPr b="0" lang="en-US" sz="7200" spc="-1" strike="noStrike" cap="all">
-                <a:solidFill>
-                  <a:srgbClr val="455f51"/>
-                </a:solidFill>
-                <a:uFill>
-                  <a:solidFill>
-                    <a:srgbClr val="ffffff"/>
-                  </a:solidFill>
-                </a:uFill>
-                <a:latin typeface="Century Gothic"/>
-              </a:rPr>
-              <a:t>Mas</a:t>
-            </a:r>
-            <a:r>
-              <a:rPr b="0" lang="en-US" sz="7200" spc="-1" strike="noStrike" cap="all">
-                <a:solidFill>
-                  <a:srgbClr val="455f51"/>
-                </a:solidFill>
-                <a:uFill>
-                  <a:solidFill>
-                    <a:srgbClr val="ffffff"/>
-                  </a:solidFill>
-                </a:uFill>
-                <a:latin typeface="Century Gothic"/>
-              </a:rPr>
-              <a:t>ter </a:t>
-            </a:r>
-            <a:r>
-              <a:rPr b="0" lang="en-US" sz="7200" spc="-1" strike="noStrike" cap="all">
-                <a:solidFill>
-                  <a:srgbClr val="455f51"/>
-                </a:solidFill>
-                <a:uFill>
-                  <a:solidFill>
-                    <a:srgbClr val="ffffff"/>
-                  </a:solidFill>
-                </a:uFill>
-                <a:latin typeface="Century Gothic"/>
-              </a:rPr>
-              <a:t>titl</a:t>
-            </a:r>
-            <a:r>
-              <a:rPr b="0" lang="en-US" sz="7200" spc="-1" strike="noStrike" cap="all">
-                <a:solidFill>
-                  <a:srgbClr val="455f51"/>
-                </a:solidFill>
-                <a:uFill>
-                  <a:solidFill>
-                    <a:srgbClr val="ffffff"/>
-                  </a:solidFill>
-                </a:uFill>
-                <a:latin typeface="Century Gothic"/>
-              </a:rPr>
-              <a:t>e </a:t>
-            </a:r>
-            <a:r>
-              <a:rPr b="0" lang="en-US" sz="7200" spc="-1" strike="noStrike" cap="all">
-                <a:solidFill>
-                  <a:srgbClr val="455f51"/>
-                </a:solidFill>
-                <a:uFill>
-                  <a:solidFill>
-                    <a:srgbClr val="ffffff"/>
-                  </a:solidFill>
-                </a:uFill>
-                <a:latin typeface="Century Gothic"/>
-              </a:rPr>
-              <a:t>styl</a:t>
-            </a:r>
-            <a:r>
-              <a:rPr b="0" lang="en-US" sz="7200" spc="-1" strike="noStrike" cap="all">
-                <a:solidFill>
-                  <a:srgbClr val="455f51"/>
-                </a:solidFill>
-                <a:uFill>
-                  <a:solidFill>
-                    <a:srgbClr val="ffffff"/>
-                  </a:solidFill>
-                </a:uFill>
-                <a:latin typeface="Century Gothic"/>
-              </a:rPr>
-              <a:t>e</a:t>
-            </a:r>
-            <a:endParaRPr b="0" lang="en-US" sz="1800" spc="-1" strike="noStrike">
+              <a:t>Click to edit Master title style</a:t>
+            </a:r>
+            <a:endParaRPr lang="en-US" sz="1800" b="0" strike="noStrike" spc="-1">
               <a:solidFill>
                 <a:srgbClr val="000000"/>
               </a:solidFill>
               <a:uFill>
                 <a:solidFill>
-                  <a:srgbClr val="ffffff"/>
+                  <a:srgbClr val="FFFFFF"/>
                 </a:solidFill>
               </a:uFill>
               <a:latin typeface="Century Gothic"/>
@@ -3194,6 +3319,7 @@
         </p:spPr>
         <p:txBody>
           <a:bodyPr anchor="ctr"/>
+          <a:lstStyle/>
           <a:p>
             <a:pPr>
               <a:lnSpc>
@@ -3201,26 +3327,26 @@
               </a:lnSpc>
             </a:pPr>
             <a:r>
-              <a:rPr b="0" lang="fr-FR" sz="1200" spc="-1" strike="noStrike">
-                <a:solidFill>
-                  <a:srgbClr val="455f51"/>
+              <a:rPr lang="fr-FR" sz="1200" b="0" strike="noStrike" spc="-1">
+                <a:solidFill>
+                  <a:srgbClr val="455F51"/>
                 </a:solidFill>
                 <a:uFill>
                   <a:solidFill>
-                    <a:srgbClr val="ffffff"/>
+                    <a:srgbClr val="FFFFFF"/>
                   </a:solidFill>
                 </a:uFill>
                 <a:latin typeface="Century Gothic"/>
               </a:rPr>
               <a:t>07/01/2018</a:t>
             </a:r>
-            <a:endParaRPr b="0" lang="fr-FR" sz="1400" spc="-1" strike="noStrike">
+            <a:endParaRPr lang="fr-FR" sz="1400" b="0" strike="noStrike" spc="-1">
               <a:solidFill>
                 <a:srgbClr val="000000"/>
               </a:solidFill>
               <a:uFill>
                 <a:solidFill>
-                  <a:srgbClr val="ffffff"/>
+                  <a:srgbClr val="FFFFFF"/>
                 </a:solidFill>
               </a:uFill>
               <a:latin typeface="Times New Roman"/>
@@ -3249,14 +3375,15 @@
         </p:spPr>
         <p:txBody>
           <a:bodyPr anchor="ctr"/>
-          <a:p>
-            <a:endParaRPr b="0" lang="fr-FR" sz="2400" spc="-1" strike="noStrike">
+          <a:lstStyle/>
+          <a:p>
+            <a:endParaRPr lang="fr-FR" sz="2400" b="0" strike="noStrike" spc="-1">
               <a:solidFill>
                 <a:srgbClr val="000000"/>
               </a:solidFill>
               <a:uFill>
                 <a:solidFill>
-                  <a:srgbClr val="ffffff"/>
+                  <a:srgbClr val="FFFFFF"/>
                 </a:solidFill>
               </a:uFill>
               <a:latin typeface="Times New Roman"/>
@@ -3285,6 +3412,7 @@
         </p:spPr>
         <p:txBody>
           <a:bodyPr anchor="ctr"/>
+          <a:lstStyle/>
           <a:p>
             <a:pPr algn="r">
               <a:lnSpc>
@@ -3292,26 +3420,26 @@
               </a:lnSpc>
             </a:pPr>
             <a:fld id="{56156CCE-6D56-48ED-B770-7FFA2377014A}" type="slidenum">
-              <a:rPr b="0" lang="fr-FR" sz="1200" spc="-1" strike="noStrike">
-                <a:solidFill>
-                  <a:srgbClr val="455f51"/>
+              <a:rPr lang="fr-FR" sz="1200" b="0" strike="noStrike" spc="-1">
+                <a:solidFill>
+                  <a:srgbClr val="455F51"/>
                 </a:solidFill>
                 <a:uFill>
                   <a:solidFill>
-                    <a:srgbClr val="ffffff"/>
+                    <a:srgbClr val="FFFFFF"/>
                   </a:solidFill>
                 </a:uFill>
                 <a:latin typeface="Century Gothic"/>
               </a:rPr>
-              <a:t>&lt;numéro&gt;</a:t>
+              <a:t>‹#›</a:t>
             </a:fld>
-            <a:endParaRPr b="0" lang="fr-FR" sz="1400" spc="-1" strike="noStrike">
+            <a:endParaRPr lang="fr-FR" sz="1400" b="0" strike="noStrike" spc="-1">
               <a:solidFill>
                 <a:srgbClr val="000000"/>
               </a:solidFill>
               <a:uFill>
                 <a:solidFill>
-                  <a:srgbClr val="ffffff"/>
+                  <a:srgbClr val="FFFFFF"/>
                 </a:solidFill>
               </a:uFill>
               <a:latin typeface="Times New Roman"/>
@@ -3334,6 +3462,7 @@
             <a:avLst/>
             <a:gdLst/>
             <a:ahLst/>
+            <a:cxnLst/>
             <a:rect l="l" t="t" r="r" b="b"/>
             <a:pathLst>
               <a:path w="10000" h="10000">
@@ -3370,9 +3499,15 @@
           </a:ln>
         </p:spPr>
         <p:style>
-          <a:lnRef idx="0"/>
-          <a:fillRef idx="0"/>
-          <a:effectRef idx="0"/>
+          <a:lnRef idx="0">
+            <a:scrgbClr r="0" g="0" b="0"/>
+          </a:lnRef>
+          <a:fillRef idx="0">
+            <a:scrgbClr r="0" g="0" b="0"/>
+          </a:fillRef>
+          <a:effectRef idx="0">
+            <a:scrgbClr r="0" g="0" b="0"/>
+          </a:effectRef>
           <a:fontRef idx="minor"/>
         </p:style>
       </p:sp>
@@ -3391,6 +3526,7 @@
             <a:avLst/>
             <a:gdLst/>
             <a:ahLst/>
+            <a:cxnLst/>
             <a:rect l="l" t="t" r="r" b="b"/>
             <a:pathLst>
               <a:path w="10002" h="10000">
@@ -3429,9 +3565,15 @@
           </a:ln>
         </p:spPr>
         <p:style>
-          <a:lnRef idx="0"/>
-          <a:fillRef idx="0"/>
-          <a:effectRef idx="0"/>
+          <a:lnRef idx="0">
+            <a:scrgbClr r="0" g="0" b="0"/>
+          </a:lnRef>
+          <a:fillRef idx="0">
+            <a:scrgbClr r="0" g="0" b="0"/>
+          </a:fillRef>
+          <a:effectRef idx="0">
+            <a:scrgbClr r="0" g="0" b="0"/>
+          </a:effectRef>
           <a:fontRef idx="minor"/>
         </p:style>
       </p:sp>
@@ -3455,7 +3597,8 @@
           </a:prstGeom>
         </p:spPr>
         <p:txBody>
-          <a:bodyPr lIns="0" rIns="0" tIns="0" bIns="0"/>
+          <a:bodyPr lIns="0" tIns="0" rIns="0" bIns="0"/>
+          <a:lstStyle/>
           <a:p>
             <a:pPr marL="432000" indent="-324000">
               <a:buClr>
@@ -3466,33 +3609,22 @@
               <a:buChar char=""/>
             </a:pPr>
             <a:r>
-              <a:rPr b="0" lang="en-US" sz="2000" spc="-1" strike="noStrike">
-                <a:solidFill>
-                  <a:srgbClr val="455f51"/>
+              <a:rPr lang="en-US" sz="2000" b="0" strike="noStrike" spc="-1">
+                <a:solidFill>
+                  <a:srgbClr val="455F51"/>
                 </a:solidFill>
                 <a:uFill>
                   <a:solidFill>
-                    <a:srgbClr val="ffffff"/>
+                    <a:srgbClr val="FFFFFF"/>
                   </a:solidFill>
                 </a:uFill>
                 <a:latin typeface="Century Gothic"/>
               </a:rPr>
               <a:t>Cliquez pour éditer le format du plan de texte</a:t>
             </a:r>
-            <a:endParaRPr b="0" lang="en-US" sz="2000" spc="-1" strike="noStrike">
-              <a:solidFill>
-                <a:srgbClr val="455f51"/>
-              </a:solidFill>
-              <a:uFill>
-                <a:solidFill>
-                  <a:srgbClr val="ffffff"/>
-                </a:solidFill>
-              </a:uFill>
-              <a:latin typeface="Century Gothic"/>
-            </a:endParaRPr>
-          </a:p>
-          <a:p>
-            <a:pPr lvl="1" marL="864000" indent="-324000">
+          </a:p>
+          <a:p>
+            <a:pPr marL="864000" lvl="1" indent="-324000">
               <a:buClr>
                 <a:srgbClr val="000000"/>
               </a:buClr>
@@ -3501,33 +3633,22 @@
               <a:buChar char=""/>
             </a:pPr>
             <a:r>
-              <a:rPr b="0" lang="en-US" sz="1800" spc="-1" strike="noStrike">
-                <a:solidFill>
-                  <a:srgbClr val="455f51"/>
+              <a:rPr lang="en-US" sz="1800" b="0" strike="noStrike" spc="-1">
+                <a:solidFill>
+                  <a:srgbClr val="455F51"/>
                 </a:solidFill>
                 <a:uFill>
                   <a:solidFill>
-                    <a:srgbClr val="ffffff"/>
+                    <a:srgbClr val="FFFFFF"/>
                   </a:solidFill>
                 </a:uFill>
                 <a:latin typeface="Century Gothic"/>
               </a:rPr>
               <a:t>Second niveau de plan</a:t>
             </a:r>
-            <a:endParaRPr b="0" lang="en-US" sz="1800" spc="-1" strike="noStrike">
-              <a:solidFill>
-                <a:srgbClr val="455f51"/>
-              </a:solidFill>
-              <a:uFill>
-                <a:solidFill>
-                  <a:srgbClr val="ffffff"/>
-                </a:solidFill>
-              </a:uFill>
-              <a:latin typeface="Century Gothic"/>
-            </a:endParaRPr>
-          </a:p>
-          <a:p>
-            <a:pPr lvl="2" marL="1296000" indent="-288000">
+          </a:p>
+          <a:p>
+            <a:pPr marL="1296000" lvl="2" indent="-288000">
               <a:buClr>
                 <a:srgbClr val="000000"/>
               </a:buClr>
@@ -3536,33 +3657,22 @@
               <a:buChar char=""/>
             </a:pPr>
             <a:r>
-              <a:rPr b="0" i="1" lang="en-US" sz="1800" spc="-1" strike="noStrike">
-                <a:solidFill>
-                  <a:srgbClr val="455f51"/>
+              <a:rPr lang="en-US" sz="1800" b="0" i="1" strike="noStrike" spc="-1">
+                <a:solidFill>
+                  <a:srgbClr val="455F51"/>
                 </a:solidFill>
                 <a:uFill>
                   <a:solidFill>
-                    <a:srgbClr val="ffffff"/>
+                    <a:srgbClr val="FFFFFF"/>
                   </a:solidFill>
                 </a:uFill>
                 <a:latin typeface="Century Gothic"/>
               </a:rPr>
               <a:t>Troisième niveau de plan</a:t>
             </a:r>
-            <a:endParaRPr b="0" i="1" lang="en-US" sz="1800" spc="-1" strike="noStrike">
-              <a:solidFill>
-                <a:srgbClr val="455f51"/>
-              </a:solidFill>
-              <a:uFill>
-                <a:solidFill>
-                  <a:srgbClr val="ffffff"/>
-                </a:solidFill>
-              </a:uFill>
-              <a:latin typeface="Century Gothic"/>
-            </a:endParaRPr>
-          </a:p>
-          <a:p>
-            <a:pPr lvl="3" marL="1728000" indent="-216000">
+          </a:p>
+          <a:p>
+            <a:pPr marL="1728000" lvl="3" indent="-216000">
               <a:buClr>
                 <a:srgbClr val="000000"/>
               </a:buClr>
@@ -3571,33 +3681,22 @@
               <a:buChar char=""/>
             </a:pPr>
             <a:r>
-              <a:rPr b="0" lang="en-US" sz="1600" spc="-1" strike="noStrike">
-                <a:solidFill>
-                  <a:srgbClr val="455f51"/>
+              <a:rPr lang="en-US" sz="1600" b="0" strike="noStrike" spc="-1">
+                <a:solidFill>
+                  <a:srgbClr val="455F51"/>
                 </a:solidFill>
                 <a:uFill>
                   <a:solidFill>
-                    <a:srgbClr val="ffffff"/>
+                    <a:srgbClr val="FFFFFF"/>
                   </a:solidFill>
                 </a:uFill>
                 <a:latin typeface="Century Gothic"/>
               </a:rPr>
               <a:t>Quatrième niveau de plan</a:t>
             </a:r>
-            <a:endParaRPr b="0" lang="en-US" sz="1600" spc="-1" strike="noStrike">
-              <a:solidFill>
-                <a:srgbClr val="455f51"/>
-              </a:solidFill>
-              <a:uFill>
-                <a:solidFill>
-                  <a:srgbClr val="ffffff"/>
-                </a:solidFill>
-              </a:uFill>
-              <a:latin typeface="Century Gothic"/>
-            </a:endParaRPr>
-          </a:p>
-          <a:p>
-            <a:pPr lvl="4" marL="2160000" indent="-216000">
+          </a:p>
+          <a:p>
+            <a:pPr marL="2160000" lvl="4" indent="-216000">
               <a:buClr>
                 <a:srgbClr val="000000"/>
               </a:buClr>
@@ -3606,33 +3705,22 @@
               <a:buChar char=""/>
             </a:pPr>
             <a:r>
-              <a:rPr b="0" lang="en-US" sz="2000" spc="-1" strike="noStrike">
-                <a:solidFill>
-                  <a:srgbClr val="455f51"/>
+              <a:rPr lang="en-US" sz="2000" b="0" strike="noStrike" spc="-1">
+                <a:solidFill>
+                  <a:srgbClr val="455F51"/>
                 </a:solidFill>
                 <a:uFill>
                   <a:solidFill>
-                    <a:srgbClr val="ffffff"/>
+                    <a:srgbClr val="FFFFFF"/>
                   </a:solidFill>
                 </a:uFill>
                 <a:latin typeface="Century Gothic"/>
               </a:rPr>
               <a:t>Cinquième niveau de plan</a:t>
             </a:r>
-            <a:endParaRPr b="0" lang="en-US" sz="2000" spc="-1" strike="noStrike">
-              <a:solidFill>
-                <a:srgbClr val="455f51"/>
-              </a:solidFill>
-              <a:uFill>
-                <a:solidFill>
-                  <a:srgbClr val="ffffff"/>
-                </a:solidFill>
-              </a:uFill>
-              <a:latin typeface="Century Gothic"/>
-            </a:endParaRPr>
-          </a:p>
-          <a:p>
-            <a:pPr lvl="5" marL="2592000" indent="-216000">
+          </a:p>
+          <a:p>
+            <a:pPr marL="2592000" lvl="5" indent="-216000">
               <a:buClr>
                 <a:srgbClr val="000000"/>
               </a:buClr>
@@ -3641,33 +3729,22 @@
               <a:buChar char=""/>
             </a:pPr>
             <a:r>
-              <a:rPr b="0" lang="en-US" sz="2000" spc="-1" strike="noStrike">
-                <a:solidFill>
-                  <a:srgbClr val="455f51"/>
+              <a:rPr lang="en-US" sz="2000" b="0" strike="noStrike" spc="-1">
+                <a:solidFill>
+                  <a:srgbClr val="455F51"/>
                 </a:solidFill>
                 <a:uFill>
                   <a:solidFill>
-                    <a:srgbClr val="ffffff"/>
+                    <a:srgbClr val="FFFFFF"/>
                   </a:solidFill>
                 </a:uFill>
                 <a:latin typeface="Century Gothic"/>
               </a:rPr>
               <a:t>Sixième niveau de plan</a:t>
             </a:r>
-            <a:endParaRPr b="0" lang="en-US" sz="2000" spc="-1" strike="noStrike">
-              <a:solidFill>
-                <a:srgbClr val="455f51"/>
-              </a:solidFill>
-              <a:uFill>
-                <a:solidFill>
-                  <a:srgbClr val="ffffff"/>
-                </a:solidFill>
-              </a:uFill>
-              <a:latin typeface="Century Gothic"/>
-            </a:endParaRPr>
-          </a:p>
-          <a:p>
-            <a:pPr lvl="6" marL="3024000" indent="-216000">
+          </a:p>
+          <a:p>
+            <a:pPr marL="3024000" lvl="6" indent="-216000">
               <a:buClr>
                 <a:srgbClr val="000000"/>
               </a:buClr>
@@ -3676,61 +3753,331 @@
               <a:buChar char=""/>
             </a:pPr>
             <a:r>
-              <a:rPr b="0" lang="en-US" sz="2000" spc="-1" strike="noStrike">
-                <a:solidFill>
-                  <a:srgbClr val="455f51"/>
+              <a:rPr lang="en-US" sz="2000" b="0" strike="noStrike" spc="-1">
+                <a:solidFill>
+                  <a:srgbClr val="455F51"/>
                 </a:solidFill>
                 <a:uFill>
                   <a:solidFill>
-                    <a:srgbClr val="ffffff"/>
+                    <a:srgbClr val="FFFFFF"/>
                   </a:solidFill>
                 </a:uFill>
                 <a:latin typeface="Century Gothic"/>
               </a:rPr>
               <a:t>Septième niveau de plan</a:t>
             </a:r>
-            <a:endParaRPr b="0" lang="en-US" sz="2000" spc="-1" strike="noStrike">
-              <a:solidFill>
-                <a:srgbClr val="455f51"/>
-              </a:solidFill>
-              <a:uFill>
-                <a:solidFill>
-                  <a:srgbClr val="ffffff"/>
-                </a:solidFill>
-              </a:uFill>
-              <a:latin typeface="Century Gothic"/>
-            </a:endParaRPr>
           </a:p>
         </p:txBody>
       </p:sp>
     </p:spTree>
   </p:cSld>
-  <p:clrMap bg1="lt1" bg2="lt2" tx1="dk1" tx2="dk2" accent1="accent1" accent2="accent2" accent3="accent3" accent4="accent4" accent5="accent5" accent6="accent6" hlink="hlink" folHlink="folHlink"/>
+  <p:clrMap bg1="lt1" tx1="dk1" bg2="lt2" tx2="dk2" accent1="accent1" accent2="accent2" accent3="accent3" accent4="accent4" accent5="accent5" accent6="accent6" hlink="hlink" folHlink="folHlink"/>
   <p:sldLayoutIdLst>
-    <p:sldLayoutId id="2147483649" r:id="rId2"/>
-    <p:sldLayoutId id="2147483650" r:id="rId3"/>
-    <p:sldLayoutId id="2147483651" r:id="rId4"/>
-    <p:sldLayoutId id="2147483652" r:id="rId5"/>
-    <p:sldLayoutId id="2147483653" r:id="rId6"/>
-    <p:sldLayoutId id="2147483654" r:id="rId7"/>
-    <p:sldLayoutId id="2147483655" r:id="rId8"/>
-    <p:sldLayoutId id="2147483656" r:id="rId9"/>
-    <p:sldLayoutId id="2147483657" r:id="rId10"/>
-    <p:sldLayoutId id="2147483658" r:id="rId11"/>
-    <p:sldLayoutId id="2147483659" r:id="rId12"/>
-    <p:sldLayoutId id="2147483660" r:id="rId13"/>
+    <p:sldLayoutId id="2147483649" r:id="rId1"/>
+    <p:sldLayoutId id="2147483650" r:id="rId2"/>
+    <p:sldLayoutId id="2147483651" r:id="rId3"/>
+    <p:sldLayoutId id="2147483652" r:id="rId4"/>
+    <p:sldLayoutId id="2147483653" r:id="rId5"/>
+    <p:sldLayoutId id="2147483654" r:id="rId6"/>
+    <p:sldLayoutId id="2147483655" r:id="rId7"/>
+    <p:sldLayoutId id="2147483656" r:id="rId8"/>
+    <p:sldLayoutId id="2147483657" r:id="rId9"/>
+    <p:sldLayoutId id="2147483658" r:id="rId10"/>
+    <p:sldLayoutId id="2147483659" r:id="rId11"/>
+    <p:sldLayoutId id="2147483660" r:id="rId12"/>
   </p:sldLayoutIdLst>
+  <p:txStyles>
+    <p:titleStyle>
+      <a:lvl1pPr algn="l" defTabSz="914400" rtl="0" eaLnBrk="1" latinLnBrk="0" hangingPunct="1">
+        <a:lnSpc>
+          <a:spcPct val="90000"/>
+        </a:lnSpc>
+        <a:spcBef>
+          <a:spcPct val="0"/>
+        </a:spcBef>
+        <a:buNone/>
+        <a:defRPr sz="4400" kern="1200">
+          <a:solidFill>
+            <a:schemeClr val="tx1"/>
+          </a:solidFill>
+          <a:latin typeface="+mj-lt"/>
+          <a:ea typeface="+mj-ea"/>
+          <a:cs typeface="+mj-cs"/>
+        </a:defRPr>
+      </a:lvl1pPr>
+    </p:titleStyle>
+    <p:bodyStyle>
+      <a:lvl1pPr marL="228600" indent="-228600" algn="l" defTabSz="914400" rtl="0" eaLnBrk="1" latinLnBrk="0" hangingPunct="1">
+        <a:lnSpc>
+          <a:spcPct val="90000"/>
+        </a:lnSpc>
+        <a:spcBef>
+          <a:spcPts val="1000"/>
+        </a:spcBef>
+        <a:buFont typeface="Arial"/>
+        <a:buChar char="•"/>
+        <a:defRPr sz="2800" kern="1200">
+          <a:solidFill>
+            <a:schemeClr val="tx1"/>
+          </a:solidFill>
+          <a:latin typeface="+mn-lt"/>
+          <a:ea typeface="+mn-ea"/>
+          <a:cs typeface="+mn-cs"/>
+        </a:defRPr>
+      </a:lvl1pPr>
+      <a:lvl2pPr marL="685800" indent="-228600" algn="l" defTabSz="914400" rtl="0" eaLnBrk="1" latinLnBrk="0" hangingPunct="1">
+        <a:lnSpc>
+          <a:spcPct val="90000"/>
+        </a:lnSpc>
+        <a:spcBef>
+          <a:spcPts val="500"/>
+        </a:spcBef>
+        <a:buFont typeface="Arial"/>
+        <a:buChar char="•"/>
+        <a:defRPr sz="2400" kern="1200">
+          <a:solidFill>
+            <a:schemeClr val="tx1"/>
+          </a:solidFill>
+          <a:latin typeface="+mn-lt"/>
+          <a:ea typeface="+mn-ea"/>
+          <a:cs typeface="+mn-cs"/>
+        </a:defRPr>
+      </a:lvl2pPr>
+      <a:lvl3pPr marL="1143000" indent="-228600" algn="l" defTabSz="914400" rtl="0" eaLnBrk="1" latinLnBrk="0" hangingPunct="1">
+        <a:lnSpc>
+          <a:spcPct val="90000"/>
+        </a:lnSpc>
+        <a:spcBef>
+          <a:spcPts val="500"/>
+        </a:spcBef>
+        <a:buFont typeface="Arial"/>
+        <a:buChar char="•"/>
+        <a:defRPr sz="2000" kern="1200">
+          <a:solidFill>
+            <a:schemeClr val="tx1"/>
+          </a:solidFill>
+          <a:latin typeface="+mn-lt"/>
+          <a:ea typeface="+mn-ea"/>
+          <a:cs typeface="+mn-cs"/>
+        </a:defRPr>
+      </a:lvl3pPr>
+      <a:lvl4pPr marL="1600200" indent="-228600" algn="l" defTabSz="914400" rtl="0" eaLnBrk="1" latinLnBrk="0" hangingPunct="1">
+        <a:lnSpc>
+          <a:spcPct val="90000"/>
+        </a:lnSpc>
+        <a:spcBef>
+          <a:spcPts val="500"/>
+        </a:spcBef>
+        <a:buFont typeface="Arial"/>
+        <a:buChar char="•"/>
+        <a:defRPr sz="1800" kern="1200">
+          <a:solidFill>
+            <a:schemeClr val="tx1"/>
+          </a:solidFill>
+          <a:latin typeface="+mn-lt"/>
+          <a:ea typeface="+mn-ea"/>
+          <a:cs typeface="+mn-cs"/>
+        </a:defRPr>
+      </a:lvl4pPr>
+      <a:lvl5pPr marL="2057400" indent="-228600" algn="l" defTabSz="914400" rtl="0" eaLnBrk="1" latinLnBrk="0" hangingPunct="1">
+        <a:lnSpc>
+          <a:spcPct val="90000"/>
+        </a:lnSpc>
+        <a:spcBef>
+          <a:spcPts val="500"/>
+        </a:spcBef>
+        <a:buFont typeface="Arial"/>
+        <a:buChar char="•"/>
+        <a:defRPr sz="1800" kern="1200">
+          <a:solidFill>
+            <a:schemeClr val="tx1"/>
+          </a:solidFill>
+          <a:latin typeface="+mn-lt"/>
+          <a:ea typeface="+mn-ea"/>
+          <a:cs typeface="+mn-cs"/>
+        </a:defRPr>
+      </a:lvl5pPr>
+      <a:lvl6pPr marL="2514600" indent="-228600" algn="l" defTabSz="914400" rtl="0" eaLnBrk="1" latinLnBrk="0" hangingPunct="1">
+        <a:lnSpc>
+          <a:spcPct val="90000"/>
+        </a:lnSpc>
+        <a:spcBef>
+          <a:spcPts val="500"/>
+        </a:spcBef>
+        <a:buFont typeface="Arial"/>
+        <a:buChar char="•"/>
+        <a:defRPr sz="1800" kern="1200">
+          <a:solidFill>
+            <a:schemeClr val="tx1"/>
+          </a:solidFill>
+          <a:latin typeface="+mn-lt"/>
+          <a:ea typeface="+mn-ea"/>
+          <a:cs typeface="+mn-cs"/>
+        </a:defRPr>
+      </a:lvl6pPr>
+      <a:lvl7pPr marL="2971800" indent="-228600" algn="l" defTabSz="914400" rtl="0" eaLnBrk="1" latinLnBrk="0" hangingPunct="1">
+        <a:lnSpc>
+          <a:spcPct val="90000"/>
+        </a:lnSpc>
+        <a:spcBef>
+          <a:spcPts val="500"/>
+        </a:spcBef>
+        <a:buFont typeface="Arial"/>
+        <a:buChar char="•"/>
+        <a:defRPr sz="1800" kern="1200">
+          <a:solidFill>
+            <a:schemeClr val="tx1"/>
+          </a:solidFill>
+          <a:latin typeface="+mn-lt"/>
+          <a:ea typeface="+mn-ea"/>
+          <a:cs typeface="+mn-cs"/>
+        </a:defRPr>
+      </a:lvl7pPr>
+      <a:lvl8pPr marL="3429000" indent="-228600" algn="l" defTabSz="914400" rtl="0" eaLnBrk="1" latinLnBrk="0" hangingPunct="1">
+        <a:lnSpc>
+          <a:spcPct val="90000"/>
+        </a:lnSpc>
+        <a:spcBef>
+          <a:spcPts val="500"/>
+        </a:spcBef>
+        <a:buFont typeface="Arial"/>
+        <a:buChar char="•"/>
+        <a:defRPr sz="1800" kern="1200">
+          <a:solidFill>
+            <a:schemeClr val="tx1"/>
+          </a:solidFill>
+          <a:latin typeface="+mn-lt"/>
+          <a:ea typeface="+mn-ea"/>
+          <a:cs typeface="+mn-cs"/>
+        </a:defRPr>
+      </a:lvl8pPr>
+      <a:lvl9pPr marL="3886200" indent="-228600" algn="l" defTabSz="914400" rtl="0" eaLnBrk="1" latinLnBrk="0" hangingPunct="1">
+        <a:lnSpc>
+          <a:spcPct val="90000"/>
+        </a:lnSpc>
+        <a:spcBef>
+          <a:spcPts val="500"/>
+        </a:spcBef>
+        <a:buFont typeface="Arial"/>
+        <a:buChar char="•"/>
+        <a:defRPr sz="1800" kern="1200">
+          <a:solidFill>
+            <a:schemeClr val="tx1"/>
+          </a:solidFill>
+          <a:latin typeface="+mn-lt"/>
+          <a:ea typeface="+mn-ea"/>
+          <a:cs typeface="+mn-cs"/>
+        </a:defRPr>
+      </a:lvl9pPr>
+    </p:bodyStyle>
+    <p:otherStyle>
+      <a:defPPr>
+        <a:defRPr lang="en-US"/>
+      </a:defPPr>
+      <a:lvl1pPr marL="0" algn="l" defTabSz="914400" rtl="0" eaLnBrk="1" latinLnBrk="0" hangingPunct="1">
+        <a:defRPr sz="1800" kern="1200">
+          <a:solidFill>
+            <a:schemeClr val="tx1"/>
+          </a:solidFill>
+          <a:latin typeface="+mn-lt"/>
+          <a:ea typeface="+mn-ea"/>
+          <a:cs typeface="+mn-cs"/>
+        </a:defRPr>
+      </a:lvl1pPr>
+      <a:lvl2pPr marL="457200" algn="l" defTabSz="914400" rtl="0" eaLnBrk="1" latinLnBrk="0" hangingPunct="1">
+        <a:defRPr sz="1800" kern="1200">
+          <a:solidFill>
+            <a:schemeClr val="tx1"/>
+          </a:solidFill>
+          <a:latin typeface="+mn-lt"/>
+          <a:ea typeface="+mn-ea"/>
+          <a:cs typeface="+mn-cs"/>
+        </a:defRPr>
+      </a:lvl2pPr>
+      <a:lvl3pPr marL="914400" algn="l" defTabSz="914400" rtl="0" eaLnBrk="1" latinLnBrk="0" hangingPunct="1">
+        <a:defRPr sz="1800" kern="1200">
+          <a:solidFill>
+            <a:schemeClr val="tx1"/>
+          </a:solidFill>
+          <a:latin typeface="+mn-lt"/>
+          <a:ea typeface="+mn-ea"/>
+          <a:cs typeface="+mn-cs"/>
+        </a:defRPr>
+      </a:lvl3pPr>
+      <a:lvl4pPr marL="1371600" algn="l" defTabSz="914400" rtl="0" eaLnBrk="1" latinLnBrk="0" hangingPunct="1">
+        <a:defRPr sz="1800" kern="1200">
+          <a:solidFill>
+            <a:schemeClr val="tx1"/>
+          </a:solidFill>
+          <a:latin typeface="+mn-lt"/>
+          <a:ea typeface="+mn-ea"/>
+          <a:cs typeface="+mn-cs"/>
+        </a:defRPr>
+      </a:lvl4pPr>
+      <a:lvl5pPr marL="1828800" algn="l" defTabSz="914400" rtl="0" eaLnBrk="1" latinLnBrk="0" hangingPunct="1">
+        <a:defRPr sz="1800" kern="1200">
+          <a:solidFill>
+            <a:schemeClr val="tx1"/>
+          </a:solidFill>
+          <a:latin typeface="+mn-lt"/>
+          <a:ea typeface="+mn-ea"/>
+          <a:cs typeface="+mn-cs"/>
+        </a:defRPr>
+      </a:lvl5pPr>
+      <a:lvl6pPr marL="2286000" algn="l" defTabSz="914400" rtl="0" eaLnBrk="1" latinLnBrk="0" hangingPunct="1">
+        <a:defRPr sz="1800" kern="1200">
+          <a:solidFill>
+            <a:schemeClr val="tx1"/>
+          </a:solidFill>
+          <a:latin typeface="+mn-lt"/>
+          <a:ea typeface="+mn-ea"/>
+          <a:cs typeface="+mn-cs"/>
+        </a:defRPr>
+      </a:lvl6pPr>
+      <a:lvl7pPr marL="2743200" algn="l" defTabSz="914400" rtl="0" eaLnBrk="1" latinLnBrk="0" hangingPunct="1">
+        <a:defRPr sz="1800" kern="1200">
+          <a:solidFill>
+            <a:schemeClr val="tx1"/>
+          </a:solidFill>
+          <a:latin typeface="+mn-lt"/>
+          <a:ea typeface="+mn-ea"/>
+          <a:cs typeface="+mn-cs"/>
+        </a:defRPr>
+      </a:lvl7pPr>
+      <a:lvl8pPr marL="3200400" algn="l" defTabSz="914400" rtl="0" eaLnBrk="1" latinLnBrk="0" hangingPunct="1">
+        <a:defRPr sz="1800" kern="1200">
+          <a:solidFill>
+            <a:schemeClr val="tx1"/>
+          </a:solidFill>
+          <a:latin typeface="+mn-lt"/>
+          <a:ea typeface="+mn-ea"/>
+          <a:cs typeface="+mn-cs"/>
+        </a:defRPr>
+      </a:lvl8pPr>
+      <a:lvl9pPr marL="3657600" algn="l" defTabSz="914400" rtl="0" eaLnBrk="1" latinLnBrk="0" hangingPunct="1">
+        <a:defRPr sz="1800" kern="1200">
+          <a:solidFill>
+            <a:schemeClr val="tx1"/>
+          </a:solidFill>
+          <a:latin typeface="+mn-lt"/>
+          <a:ea typeface="+mn-ea"/>
+          <a:cs typeface="+mn-cs"/>
+        </a:defRPr>
+      </a:lvl9pPr>
+    </p:otherStyle>
+  </p:txStyles>
 </p:sldMaster>
 </file>
 
 <file path=ppt/slideMasters/slideMaster2.xml><?xml version="1.0" encoding="utf-8"?>
-<p:sldMaster xmlns:a="http://schemas.openxmlformats.org/drawingml/2006/main" xmlns:p="http://schemas.openxmlformats.org/presentationml/2006/main" xmlns:r="http://schemas.openxmlformats.org/officeDocument/2006/relationships" xmlns:p14="http://schemas.microsoft.com/office/powerpoint/2010/main" xmlns:p15="http://schemas.microsoft.com/office/powerpoint/2012/main" xmlns:mc="http://schemas.openxmlformats.org/markup-compatibility/2006">
+<p:sldMaster xmlns:a="http://schemas.openxmlformats.org/drawingml/2006/main" xmlns:r="http://schemas.openxmlformats.org/officeDocument/2006/relationships" xmlns:p="http://schemas.openxmlformats.org/presentationml/2006/main">
   <p:cSld>
     <p:bg>
       <p:bgPr>
         <a:solidFill>
-          <a:srgbClr val="ffffff"/>
+          <a:srgbClr val="FFFFFF"/>
         </a:solidFill>
+        <a:effectLst/>
       </p:bgPr>
     </p:bg>
     <p:spTree>
@@ -3804,6 +4151,7 @@
         </p:spPr>
         <p:txBody>
           <a:bodyPr/>
+          <a:lstStyle/>
           <a:p>
             <a:pPr>
               <a:lnSpc>
@@ -3811,26 +4159,26 @@
               </a:lnSpc>
             </a:pPr>
             <a:r>
-              <a:rPr b="0" lang="en-US" sz="4400" spc="-1" strike="noStrike">
-                <a:solidFill>
-                  <a:srgbClr val="455f51"/>
+              <a:rPr lang="en-US" sz="4400" b="0" strike="noStrike" spc="-1">
+                <a:solidFill>
+                  <a:srgbClr val="455F51"/>
                 </a:solidFill>
                 <a:uFill>
                   <a:solidFill>
-                    <a:srgbClr val="ffffff"/>
+                    <a:srgbClr val="FFFFFF"/>
                   </a:solidFill>
                 </a:uFill>
                 <a:latin typeface="Century Gothic"/>
               </a:rPr>
               <a:t>Click to edit Master title style</a:t>
             </a:r>
-            <a:endParaRPr b="0" lang="en-US" sz="1800" spc="-1" strike="noStrike">
+            <a:endParaRPr lang="en-US" sz="1800" b="0" strike="noStrike" spc="-1">
               <a:solidFill>
                 <a:srgbClr val="000000"/>
               </a:solidFill>
               <a:uFill>
                 <a:solidFill>
-                  <a:srgbClr val="ffffff"/>
+                  <a:srgbClr val="FFFFFF"/>
                 </a:solidFill>
               </a:uFill>
               <a:latin typeface="Century Gothic"/>
@@ -3859,6 +4207,7 @@
         </p:spPr>
         <p:txBody>
           <a:bodyPr/>
+          <a:lstStyle/>
           <a:p>
             <a:pPr marL="432000" indent="-324000">
               <a:buClr>
@@ -3869,33 +4218,22 @@
               <a:buChar char=""/>
             </a:pPr>
             <a:r>
-              <a:rPr b="0" lang="en-US" sz="2000" spc="-1" strike="noStrike">
-                <a:solidFill>
-                  <a:srgbClr val="455f51"/>
+              <a:rPr lang="en-US" sz="2000" b="0" strike="noStrike" spc="-1">
+                <a:solidFill>
+                  <a:srgbClr val="455F51"/>
                 </a:solidFill>
                 <a:uFill>
                   <a:solidFill>
-                    <a:srgbClr val="ffffff"/>
+                    <a:srgbClr val="FFFFFF"/>
                   </a:solidFill>
                 </a:uFill>
                 <a:latin typeface="Century Gothic"/>
               </a:rPr>
               <a:t>Cliquez pour éditer le format du plan de texte</a:t>
             </a:r>
-            <a:endParaRPr b="0" lang="en-US" sz="2000" spc="-1" strike="noStrike">
-              <a:solidFill>
-                <a:srgbClr val="455f51"/>
-              </a:solidFill>
-              <a:uFill>
-                <a:solidFill>
-                  <a:srgbClr val="ffffff"/>
-                </a:solidFill>
-              </a:uFill>
-              <a:latin typeface="Century Gothic"/>
-            </a:endParaRPr>
-          </a:p>
-          <a:p>
-            <a:pPr lvl="1" marL="864000" indent="-324000">
+          </a:p>
+          <a:p>
+            <a:pPr marL="864000" lvl="1" indent="-324000">
               <a:buClr>
                 <a:srgbClr val="000000"/>
               </a:buClr>
@@ -3904,33 +4242,22 @@
               <a:buChar char=""/>
             </a:pPr>
             <a:r>
-              <a:rPr b="0" lang="en-US" sz="2000" spc="-1" strike="noStrike">
-                <a:solidFill>
-                  <a:srgbClr val="455f51"/>
+              <a:rPr lang="en-US" sz="2000" b="0" strike="noStrike" spc="-1">
+                <a:solidFill>
+                  <a:srgbClr val="455F51"/>
                 </a:solidFill>
                 <a:uFill>
                   <a:solidFill>
-                    <a:srgbClr val="ffffff"/>
+                    <a:srgbClr val="FFFFFF"/>
                   </a:solidFill>
                 </a:uFill>
                 <a:latin typeface="Century Gothic"/>
               </a:rPr>
               <a:t>Second niveau de plan</a:t>
             </a:r>
-            <a:endParaRPr b="0" lang="en-US" sz="2000" spc="-1" strike="noStrike">
-              <a:solidFill>
-                <a:srgbClr val="455f51"/>
-              </a:solidFill>
-              <a:uFill>
-                <a:solidFill>
-                  <a:srgbClr val="ffffff"/>
-                </a:solidFill>
-              </a:uFill>
-              <a:latin typeface="Century Gothic"/>
-            </a:endParaRPr>
-          </a:p>
-          <a:p>
-            <a:pPr lvl="2" marL="1296000" indent="-288000">
+          </a:p>
+          <a:p>
+            <a:pPr marL="1296000" lvl="2" indent="-288000">
               <a:buClr>
                 <a:srgbClr val="000000"/>
               </a:buClr>
@@ -3939,33 +4266,33 @@
               <a:buChar char=""/>
             </a:pPr>
             <a:r>
-              <a:rPr b="0" lang="en-US" sz="2000" spc="-1" strike="noStrike">
-                <a:solidFill>
-                  <a:srgbClr val="455f51"/>
+              <a:rPr lang="en-US" sz="2000" b="0" strike="noStrike" spc="-1">
+                <a:solidFill>
+                  <a:srgbClr val="455F51"/>
                 </a:solidFill>
                 <a:uFill>
                   <a:solidFill>
-                    <a:srgbClr val="ffffff"/>
+                    <a:srgbClr val="FFFFFF"/>
                   </a:solidFill>
                 </a:uFill>
                 <a:latin typeface="Century Gothic"/>
               </a:rPr>
               <a:t>Troisième niveau de plan</a:t>
             </a:r>
-            <a:endParaRPr b="0" i="1" lang="en-US" sz="2000" spc="-1" strike="noStrike">
-              <a:solidFill>
-                <a:srgbClr val="455f51"/>
-              </a:solidFill>
-              <a:uFill>
-                <a:solidFill>
-                  <a:srgbClr val="ffffff"/>
+            <a:endParaRPr lang="en-US" sz="2000" b="0" i="1" strike="noStrike" spc="-1">
+              <a:solidFill>
+                <a:srgbClr val="455F51"/>
+              </a:solidFill>
+              <a:uFill>
+                <a:solidFill>
+                  <a:srgbClr val="FFFFFF"/>
                 </a:solidFill>
               </a:uFill>
               <a:latin typeface="Century Gothic"/>
             </a:endParaRPr>
           </a:p>
           <a:p>
-            <a:pPr lvl="3" marL="1728000" indent="-216000">
+            <a:pPr marL="1728000" lvl="3" indent="-216000">
               <a:buClr>
                 <a:srgbClr val="000000"/>
               </a:buClr>
@@ -3974,33 +4301,22 @@
               <a:buChar char=""/>
             </a:pPr>
             <a:r>
-              <a:rPr b="0" lang="en-US" sz="2000" spc="-1" strike="noStrike">
-                <a:solidFill>
-                  <a:srgbClr val="455f51"/>
+              <a:rPr lang="en-US" sz="2000" b="0" strike="noStrike" spc="-1">
+                <a:solidFill>
+                  <a:srgbClr val="455F51"/>
                 </a:solidFill>
                 <a:uFill>
                   <a:solidFill>
-                    <a:srgbClr val="ffffff"/>
+                    <a:srgbClr val="FFFFFF"/>
                   </a:solidFill>
                 </a:uFill>
                 <a:latin typeface="Century Gothic"/>
               </a:rPr>
               <a:t>Quatrième niveau de plan</a:t>
             </a:r>
-            <a:endParaRPr b="0" lang="en-US" sz="2000" spc="-1" strike="noStrike">
-              <a:solidFill>
-                <a:srgbClr val="455f51"/>
-              </a:solidFill>
-              <a:uFill>
-                <a:solidFill>
-                  <a:srgbClr val="ffffff"/>
-                </a:solidFill>
-              </a:uFill>
-              <a:latin typeface="Century Gothic"/>
-            </a:endParaRPr>
-          </a:p>
-          <a:p>
-            <a:pPr lvl="4" marL="2160000" indent="-216000">
+          </a:p>
+          <a:p>
+            <a:pPr marL="2160000" lvl="4" indent="-216000">
               <a:buClr>
                 <a:srgbClr val="000000"/>
               </a:buClr>
@@ -4009,33 +4325,22 @@
               <a:buChar char=""/>
             </a:pPr>
             <a:r>
-              <a:rPr b="0" lang="en-US" sz="2000" spc="-1" strike="noStrike">
-                <a:solidFill>
-                  <a:srgbClr val="455f51"/>
+              <a:rPr lang="en-US" sz="2000" b="0" strike="noStrike" spc="-1">
+                <a:solidFill>
+                  <a:srgbClr val="455F51"/>
                 </a:solidFill>
                 <a:uFill>
                   <a:solidFill>
-                    <a:srgbClr val="ffffff"/>
+                    <a:srgbClr val="FFFFFF"/>
                   </a:solidFill>
                 </a:uFill>
                 <a:latin typeface="Century Gothic"/>
               </a:rPr>
               <a:t>Cinquième niveau de plan</a:t>
             </a:r>
-            <a:endParaRPr b="0" lang="en-US" sz="2000" spc="-1" strike="noStrike">
-              <a:solidFill>
-                <a:srgbClr val="455f51"/>
-              </a:solidFill>
-              <a:uFill>
-                <a:solidFill>
-                  <a:srgbClr val="ffffff"/>
-                </a:solidFill>
-              </a:uFill>
-              <a:latin typeface="Century Gothic"/>
-            </a:endParaRPr>
-          </a:p>
-          <a:p>
-            <a:pPr lvl="5" marL="2592000" indent="-216000">
+          </a:p>
+          <a:p>
+            <a:pPr marL="2592000" lvl="5" indent="-216000">
               <a:buClr>
                 <a:srgbClr val="000000"/>
               </a:buClr>
@@ -4044,30 +4349,19 @@
               <a:buChar char=""/>
             </a:pPr>
             <a:r>
-              <a:rPr b="0" lang="en-US" sz="2000" spc="-1" strike="noStrike">
-                <a:solidFill>
-                  <a:srgbClr val="455f51"/>
+              <a:rPr lang="en-US" sz="2000" b="0" strike="noStrike" spc="-1">
+                <a:solidFill>
+                  <a:srgbClr val="455F51"/>
                 </a:solidFill>
                 <a:uFill>
                   <a:solidFill>
-                    <a:srgbClr val="ffffff"/>
+                    <a:srgbClr val="FFFFFF"/>
                   </a:solidFill>
                 </a:uFill>
                 <a:latin typeface="Century Gothic"/>
               </a:rPr>
               <a:t>Sixième niveau de plan</a:t>
             </a:r>
-            <a:endParaRPr b="0" lang="en-US" sz="2000" spc="-1" strike="noStrike">
-              <a:solidFill>
-                <a:srgbClr val="455f51"/>
-              </a:solidFill>
-              <a:uFill>
-                <a:solidFill>
-                  <a:srgbClr val="ffffff"/>
-                </a:solidFill>
-              </a:uFill>
-              <a:latin typeface="Century Gothic"/>
-            </a:endParaRPr>
           </a:p>
           <a:p>
             <a:pPr marL="384120" indent="-383760">
@@ -4075,180 +4369,169 @@
                 <a:spcPct val="100000"/>
               </a:lnSpc>
               <a:buClr>
-                <a:srgbClr val="455f51"/>
+                <a:srgbClr val="455F51"/>
               </a:buClr>
               <a:buFont typeface="Franklin Gothic Book"/>
               <a:buChar char="■"/>
             </a:pPr>
             <a:r>
-              <a:rPr b="0" lang="en-US" sz="2000" spc="-1" strike="noStrike">
-                <a:solidFill>
-                  <a:srgbClr val="455f51"/>
+              <a:rPr lang="en-US" sz="2000" b="0" strike="noStrike" spc="-1">
+                <a:solidFill>
+                  <a:srgbClr val="455F51"/>
                 </a:solidFill>
                 <a:uFill>
                   <a:solidFill>
-                    <a:srgbClr val="ffffff"/>
+                    <a:srgbClr val="FFFFFF"/>
                   </a:solidFill>
                 </a:uFill>
                 <a:latin typeface="Century Gothic"/>
               </a:rPr>
               <a:t>Septième niveau de planClick to edit Master text styles</a:t>
             </a:r>
-            <a:endParaRPr b="0" lang="en-US" sz="2000" spc="-1" strike="noStrike">
-              <a:solidFill>
-                <a:srgbClr val="455f51"/>
-              </a:solidFill>
-              <a:uFill>
-                <a:solidFill>
-                  <a:srgbClr val="ffffff"/>
-                </a:solidFill>
-              </a:uFill>
-              <a:latin typeface="Century Gothic"/>
-            </a:endParaRPr>
-          </a:p>
-          <a:p>
-            <a:pPr lvl="1" marL="384120" indent="-383760">
+          </a:p>
+          <a:p>
+            <a:pPr marL="384120" lvl="1" indent="-383760">
               <a:lnSpc>
                 <a:spcPct val="100000"/>
               </a:lnSpc>
               <a:buClr>
-                <a:srgbClr val="455f51"/>
+                <a:srgbClr val="455F51"/>
               </a:buClr>
               <a:buFont typeface="Franklin Gothic Book"/>
               <a:buChar char="–"/>
             </a:pPr>
             <a:r>
-              <a:rPr b="0" i="1" lang="en-US" sz="2000" spc="-1" strike="noStrike">
-                <a:solidFill>
-                  <a:srgbClr val="455f51"/>
+              <a:rPr lang="en-US" sz="2000" b="0" i="1" strike="noStrike" spc="-1">
+                <a:solidFill>
+                  <a:srgbClr val="455F51"/>
                 </a:solidFill>
                 <a:uFill>
                   <a:solidFill>
-                    <a:srgbClr val="ffffff"/>
+                    <a:srgbClr val="FFFFFF"/>
                   </a:solidFill>
                 </a:uFill>
                 <a:latin typeface="Century Gothic"/>
               </a:rPr>
               <a:t>Second level</a:t>
             </a:r>
-            <a:endParaRPr b="0" lang="en-US" sz="2000" spc="-1" strike="noStrike">
-              <a:solidFill>
-                <a:srgbClr val="455f51"/>
-              </a:solidFill>
-              <a:uFill>
-                <a:solidFill>
-                  <a:srgbClr val="ffffff"/>
+            <a:endParaRPr lang="en-US" sz="2000" b="0" strike="noStrike" spc="-1">
+              <a:solidFill>
+                <a:srgbClr val="455F51"/>
+              </a:solidFill>
+              <a:uFill>
+                <a:solidFill>
+                  <a:srgbClr val="FFFFFF"/>
                 </a:solidFill>
               </a:uFill>
               <a:latin typeface="Century Gothic"/>
             </a:endParaRPr>
           </a:p>
           <a:p>
-            <a:pPr lvl="2" marL="384120" indent="-383760">
+            <a:pPr marL="384120" lvl="2" indent="-383760">
               <a:lnSpc>
                 <a:spcPct val="100000"/>
               </a:lnSpc>
               <a:buClr>
-                <a:srgbClr val="455f51"/>
+                <a:srgbClr val="455F51"/>
               </a:buClr>
               <a:buFont typeface="Franklin Gothic Book"/>
               <a:buChar char="■"/>
             </a:pPr>
             <a:r>
-              <a:rPr b="0" lang="en-US" sz="1800" spc="-1" strike="noStrike">
-                <a:solidFill>
-                  <a:srgbClr val="455f51"/>
+              <a:rPr lang="en-US" sz="1800" b="0" strike="noStrike" spc="-1">
+                <a:solidFill>
+                  <a:srgbClr val="455F51"/>
                 </a:solidFill>
                 <a:uFill>
                   <a:solidFill>
-                    <a:srgbClr val="ffffff"/>
+                    <a:srgbClr val="FFFFFF"/>
                   </a:solidFill>
                 </a:uFill>
                 <a:latin typeface="Century Gothic"/>
               </a:rPr>
               <a:t>Third level</a:t>
             </a:r>
-            <a:endParaRPr b="0" i="1" lang="en-US" sz="2000" spc="-1" strike="noStrike">
-              <a:solidFill>
-                <a:srgbClr val="455f51"/>
-              </a:solidFill>
-              <a:uFill>
-                <a:solidFill>
-                  <a:srgbClr val="ffffff"/>
+            <a:endParaRPr lang="en-US" sz="2000" b="0" i="1" strike="noStrike" spc="-1">
+              <a:solidFill>
+                <a:srgbClr val="455F51"/>
+              </a:solidFill>
+              <a:uFill>
+                <a:solidFill>
+                  <a:srgbClr val="FFFFFF"/>
                 </a:solidFill>
               </a:uFill>
               <a:latin typeface="Century Gothic"/>
             </a:endParaRPr>
           </a:p>
           <a:p>
-            <a:pPr lvl="3" marL="384120" indent="-383760">
+            <a:pPr marL="384120" lvl="3" indent="-383760">
               <a:lnSpc>
                 <a:spcPct val="100000"/>
               </a:lnSpc>
               <a:buClr>
-                <a:srgbClr val="455f51"/>
+                <a:srgbClr val="455F51"/>
               </a:buClr>
               <a:buFont typeface="Franklin Gothic Book"/>
               <a:buChar char="–"/>
             </a:pPr>
             <a:r>
-              <a:rPr b="0" i="1" lang="en-US" sz="1800" spc="-1" strike="noStrike">
-                <a:solidFill>
-                  <a:srgbClr val="455f51"/>
+              <a:rPr lang="en-US" sz="1800" b="0" i="1" strike="noStrike" spc="-1">
+                <a:solidFill>
+                  <a:srgbClr val="455F51"/>
                 </a:solidFill>
                 <a:uFill>
                   <a:solidFill>
-                    <a:srgbClr val="ffffff"/>
+                    <a:srgbClr val="FFFFFF"/>
                   </a:solidFill>
                 </a:uFill>
                 <a:latin typeface="Century Gothic"/>
               </a:rPr>
               <a:t>Fourth level</a:t>
             </a:r>
-            <a:endParaRPr b="0" lang="en-US" sz="2000" spc="-1" strike="noStrike">
-              <a:solidFill>
-                <a:srgbClr val="455f51"/>
-              </a:solidFill>
-              <a:uFill>
-                <a:solidFill>
-                  <a:srgbClr val="ffffff"/>
+            <a:endParaRPr lang="en-US" sz="2000" b="0" strike="noStrike" spc="-1">
+              <a:solidFill>
+                <a:srgbClr val="455F51"/>
+              </a:solidFill>
+              <a:uFill>
+                <a:solidFill>
+                  <a:srgbClr val="FFFFFF"/>
                 </a:solidFill>
               </a:uFill>
               <a:latin typeface="Century Gothic"/>
             </a:endParaRPr>
           </a:p>
           <a:p>
-            <a:pPr lvl="4" marL="384120" indent="-383760">
+            <a:pPr marL="384120" lvl="4" indent="-383760">
               <a:lnSpc>
                 <a:spcPct val="100000"/>
               </a:lnSpc>
               <a:buClr>
-                <a:srgbClr val="455f51"/>
+                <a:srgbClr val="455F51"/>
               </a:buClr>
               <a:buFont typeface="Franklin Gothic Book"/>
               <a:buChar char="■"/>
             </a:pPr>
             <a:r>
-              <a:rPr b="0" lang="en-US" sz="1600" spc="-1" strike="noStrike">
-                <a:solidFill>
-                  <a:srgbClr val="455f51"/>
+              <a:rPr lang="en-US" sz="1600" b="0" strike="noStrike" spc="-1">
+                <a:solidFill>
+                  <a:srgbClr val="455F51"/>
                 </a:solidFill>
                 <a:uFill>
                   <a:solidFill>
-                    <a:srgbClr val="ffffff"/>
+                    <a:srgbClr val="FFFFFF"/>
                   </a:solidFill>
                 </a:uFill>
                 <a:latin typeface="Century Gothic"/>
               </a:rPr>
               <a:t>Fifth level</a:t>
             </a:r>
-            <a:endParaRPr b="0" lang="en-US" sz="2000" spc="-1" strike="noStrike">
-              <a:solidFill>
-                <a:srgbClr val="455f51"/>
-              </a:solidFill>
-              <a:uFill>
-                <a:solidFill>
-                  <a:srgbClr val="ffffff"/>
+            <a:endParaRPr lang="en-US" sz="2000" b="0" strike="noStrike" spc="-1">
+              <a:solidFill>
+                <a:srgbClr val="455F51"/>
+              </a:solidFill>
+              <a:uFill>
+                <a:solidFill>
+                  <a:srgbClr val="FFFFFF"/>
                 </a:solidFill>
               </a:uFill>
               <a:latin typeface="Century Gothic"/>
@@ -4277,6 +4560,7 @@
         </p:spPr>
         <p:txBody>
           <a:bodyPr anchor="ctr"/>
+          <a:lstStyle/>
           <a:p>
             <a:pPr>
               <a:lnSpc>
@@ -4284,26 +4568,26 @@
               </a:lnSpc>
             </a:pPr>
             <a:r>
-              <a:rPr b="0" lang="fr-FR" sz="1200" spc="-1" strike="noStrike">
-                <a:solidFill>
-                  <a:srgbClr val="455f51"/>
+              <a:rPr lang="fr-FR" sz="1200" b="0" strike="noStrike" spc="-1">
+                <a:solidFill>
+                  <a:srgbClr val="455F51"/>
                 </a:solidFill>
                 <a:uFill>
                   <a:solidFill>
-                    <a:srgbClr val="ffffff"/>
+                    <a:srgbClr val="FFFFFF"/>
                   </a:solidFill>
                 </a:uFill>
                 <a:latin typeface="Century Gothic"/>
               </a:rPr>
               <a:t>07/01/2018</a:t>
             </a:r>
-            <a:endParaRPr b="0" lang="fr-FR" sz="1400" spc="-1" strike="noStrike">
+            <a:endParaRPr lang="fr-FR" sz="1400" b="0" strike="noStrike" spc="-1">
               <a:solidFill>
                 <a:srgbClr val="000000"/>
               </a:solidFill>
               <a:uFill>
                 <a:solidFill>
-                  <a:srgbClr val="ffffff"/>
+                  <a:srgbClr val="FFFFFF"/>
                 </a:solidFill>
               </a:uFill>
               <a:latin typeface="Times New Roman"/>
@@ -4332,14 +4616,15 @@
         </p:spPr>
         <p:txBody>
           <a:bodyPr anchor="ctr"/>
-          <a:p>
-            <a:endParaRPr b="0" lang="fr-FR" sz="2400" spc="-1" strike="noStrike">
+          <a:lstStyle/>
+          <a:p>
+            <a:endParaRPr lang="fr-FR" sz="2400" b="0" strike="noStrike" spc="-1">
               <a:solidFill>
                 <a:srgbClr val="000000"/>
               </a:solidFill>
               <a:uFill>
                 <a:solidFill>
-                  <a:srgbClr val="ffffff"/>
+                  <a:srgbClr val="FFFFFF"/>
                 </a:solidFill>
               </a:uFill>
               <a:latin typeface="Times New Roman"/>
@@ -4368,6 +4653,7 @@
         </p:spPr>
         <p:txBody>
           <a:bodyPr anchor="ctr"/>
+          <a:lstStyle/>
           <a:p>
             <a:pPr algn="r">
               <a:lnSpc>
@@ -4375,26 +4661,26 @@
               </a:lnSpc>
             </a:pPr>
             <a:fld id="{7609D81D-509A-4CBD-8250-D197C81547F8}" type="slidenum">
-              <a:rPr b="0" lang="fr-FR" sz="1200" spc="-1" strike="noStrike">
-                <a:solidFill>
-                  <a:srgbClr val="455f51"/>
+              <a:rPr lang="fr-FR" sz="1200" b="0" strike="noStrike" spc="-1">
+                <a:solidFill>
+                  <a:srgbClr val="455F51"/>
                 </a:solidFill>
                 <a:uFill>
                   <a:solidFill>
-                    <a:srgbClr val="ffffff"/>
+                    <a:srgbClr val="FFFFFF"/>
                   </a:solidFill>
                 </a:uFill>
                 <a:latin typeface="Century Gothic"/>
               </a:rPr>
-              <a:t>&lt;numéro&gt;</a:t>
+              <a:t>‹#›</a:t>
             </a:fld>
-            <a:endParaRPr b="0" lang="fr-FR" sz="1400" spc="-1" strike="noStrike">
+            <a:endParaRPr lang="fr-FR" sz="1400" b="0" strike="noStrike" spc="-1">
               <a:solidFill>
                 <a:srgbClr val="000000"/>
               </a:solidFill>
               <a:uFill>
                 <a:solidFill>
-                  <a:srgbClr val="ffffff"/>
+                  <a:srgbClr val="FFFFFF"/>
                 </a:solidFill>
               </a:uFill>
               <a:latin typeface="Times New Roman"/>
@@ -4404,26 +4690,306 @@
       </p:sp>
     </p:spTree>
   </p:cSld>
-  <p:clrMap bg1="lt1" bg2="lt2" tx1="dk1" tx2="dk2" accent1="accent1" accent2="accent2" accent3="accent3" accent4="accent4" accent5="accent5" accent6="accent6" hlink="hlink" folHlink="folHlink"/>
+  <p:clrMap bg1="lt1" tx1="dk1" bg2="lt2" tx2="dk2" accent1="accent1" accent2="accent2" accent3="accent3" accent4="accent4" accent5="accent5" accent6="accent6" hlink="hlink" folHlink="folHlink"/>
   <p:sldLayoutIdLst>
-    <p:sldLayoutId id="2147483662" r:id="rId2"/>
-    <p:sldLayoutId id="2147483663" r:id="rId3"/>
-    <p:sldLayoutId id="2147483664" r:id="rId4"/>
-    <p:sldLayoutId id="2147483665" r:id="rId5"/>
-    <p:sldLayoutId id="2147483666" r:id="rId6"/>
-    <p:sldLayoutId id="2147483667" r:id="rId7"/>
-    <p:sldLayoutId id="2147483668" r:id="rId8"/>
-    <p:sldLayoutId id="2147483669" r:id="rId9"/>
-    <p:sldLayoutId id="2147483670" r:id="rId10"/>
-    <p:sldLayoutId id="2147483671" r:id="rId11"/>
-    <p:sldLayoutId id="2147483672" r:id="rId12"/>
-    <p:sldLayoutId id="2147483673" r:id="rId13"/>
+    <p:sldLayoutId id="2147483662" r:id="rId1"/>
+    <p:sldLayoutId id="2147483663" r:id="rId2"/>
+    <p:sldLayoutId id="2147483664" r:id="rId3"/>
+    <p:sldLayoutId id="2147483665" r:id="rId4"/>
+    <p:sldLayoutId id="2147483666" r:id="rId5"/>
+    <p:sldLayoutId id="2147483667" r:id="rId6"/>
+    <p:sldLayoutId id="2147483668" r:id="rId7"/>
+    <p:sldLayoutId id="2147483669" r:id="rId8"/>
+    <p:sldLayoutId id="2147483670" r:id="rId9"/>
+    <p:sldLayoutId id="2147483671" r:id="rId10"/>
+    <p:sldLayoutId id="2147483672" r:id="rId11"/>
+    <p:sldLayoutId id="2147483673" r:id="rId12"/>
   </p:sldLayoutIdLst>
+  <p:txStyles>
+    <p:titleStyle>
+      <a:lvl1pPr algn="l" defTabSz="914400" rtl="0" eaLnBrk="1" latinLnBrk="0" hangingPunct="1">
+        <a:lnSpc>
+          <a:spcPct val="90000"/>
+        </a:lnSpc>
+        <a:spcBef>
+          <a:spcPct val="0"/>
+        </a:spcBef>
+        <a:buNone/>
+        <a:defRPr sz="4400" kern="1200">
+          <a:solidFill>
+            <a:schemeClr val="tx1"/>
+          </a:solidFill>
+          <a:latin typeface="+mj-lt"/>
+          <a:ea typeface="+mj-ea"/>
+          <a:cs typeface="+mj-cs"/>
+        </a:defRPr>
+      </a:lvl1pPr>
+    </p:titleStyle>
+    <p:bodyStyle>
+      <a:lvl1pPr marL="228600" indent="-228600" algn="l" defTabSz="914400" rtl="0" eaLnBrk="1" latinLnBrk="0" hangingPunct="1">
+        <a:lnSpc>
+          <a:spcPct val="90000"/>
+        </a:lnSpc>
+        <a:spcBef>
+          <a:spcPts val="1000"/>
+        </a:spcBef>
+        <a:buFont typeface="Arial"/>
+        <a:buChar char="•"/>
+        <a:defRPr sz="2800" kern="1200">
+          <a:solidFill>
+            <a:schemeClr val="tx1"/>
+          </a:solidFill>
+          <a:latin typeface="+mn-lt"/>
+          <a:ea typeface="+mn-ea"/>
+          <a:cs typeface="+mn-cs"/>
+        </a:defRPr>
+      </a:lvl1pPr>
+      <a:lvl2pPr marL="685800" indent="-228600" algn="l" defTabSz="914400" rtl="0" eaLnBrk="1" latinLnBrk="0" hangingPunct="1">
+        <a:lnSpc>
+          <a:spcPct val="90000"/>
+        </a:lnSpc>
+        <a:spcBef>
+          <a:spcPts val="500"/>
+        </a:spcBef>
+        <a:buFont typeface="Arial"/>
+        <a:buChar char="•"/>
+        <a:defRPr sz="2400" kern="1200">
+          <a:solidFill>
+            <a:schemeClr val="tx1"/>
+          </a:solidFill>
+          <a:latin typeface="+mn-lt"/>
+          <a:ea typeface="+mn-ea"/>
+          <a:cs typeface="+mn-cs"/>
+        </a:defRPr>
+      </a:lvl2pPr>
+      <a:lvl3pPr marL="1143000" indent="-228600" algn="l" defTabSz="914400" rtl="0" eaLnBrk="1" latinLnBrk="0" hangingPunct="1">
+        <a:lnSpc>
+          <a:spcPct val="90000"/>
+        </a:lnSpc>
+        <a:spcBef>
+          <a:spcPts val="500"/>
+        </a:spcBef>
+        <a:buFont typeface="Arial"/>
+        <a:buChar char="•"/>
+        <a:defRPr sz="2000" kern="1200">
+          <a:solidFill>
+            <a:schemeClr val="tx1"/>
+          </a:solidFill>
+          <a:latin typeface="+mn-lt"/>
+          <a:ea typeface="+mn-ea"/>
+          <a:cs typeface="+mn-cs"/>
+        </a:defRPr>
+      </a:lvl3pPr>
+      <a:lvl4pPr marL="1600200" indent="-228600" algn="l" defTabSz="914400" rtl="0" eaLnBrk="1" latinLnBrk="0" hangingPunct="1">
+        <a:lnSpc>
+          <a:spcPct val="90000"/>
+        </a:lnSpc>
+        <a:spcBef>
+          <a:spcPts val="500"/>
+        </a:spcBef>
+        <a:buFont typeface="Arial"/>
+        <a:buChar char="•"/>
+        <a:defRPr sz="1800" kern="1200">
+          <a:solidFill>
+            <a:schemeClr val="tx1"/>
+          </a:solidFill>
+          <a:latin typeface="+mn-lt"/>
+          <a:ea typeface="+mn-ea"/>
+          <a:cs typeface="+mn-cs"/>
+        </a:defRPr>
+      </a:lvl4pPr>
+      <a:lvl5pPr marL="2057400" indent="-228600" algn="l" defTabSz="914400" rtl="0" eaLnBrk="1" latinLnBrk="0" hangingPunct="1">
+        <a:lnSpc>
+          <a:spcPct val="90000"/>
+        </a:lnSpc>
+        <a:spcBef>
+          <a:spcPts val="500"/>
+        </a:spcBef>
+        <a:buFont typeface="Arial"/>
+        <a:buChar char="•"/>
+        <a:defRPr sz="1800" kern="1200">
+          <a:solidFill>
+            <a:schemeClr val="tx1"/>
+          </a:solidFill>
+          <a:latin typeface="+mn-lt"/>
+          <a:ea typeface="+mn-ea"/>
+          <a:cs typeface="+mn-cs"/>
+        </a:defRPr>
+      </a:lvl5pPr>
+      <a:lvl6pPr marL="2514600" indent="-228600" algn="l" defTabSz="914400" rtl="0" eaLnBrk="1" latinLnBrk="0" hangingPunct="1">
+        <a:lnSpc>
+          <a:spcPct val="90000"/>
+        </a:lnSpc>
+        <a:spcBef>
+          <a:spcPts val="500"/>
+        </a:spcBef>
+        <a:buFont typeface="Arial"/>
+        <a:buChar char="•"/>
+        <a:defRPr sz="1800" kern="1200">
+          <a:solidFill>
+            <a:schemeClr val="tx1"/>
+          </a:solidFill>
+          <a:latin typeface="+mn-lt"/>
+          <a:ea typeface="+mn-ea"/>
+          <a:cs typeface="+mn-cs"/>
+        </a:defRPr>
+      </a:lvl6pPr>
+      <a:lvl7pPr marL="2971800" indent="-228600" algn="l" defTabSz="914400" rtl="0" eaLnBrk="1" latinLnBrk="0" hangingPunct="1">
+        <a:lnSpc>
+          <a:spcPct val="90000"/>
+        </a:lnSpc>
+        <a:spcBef>
+          <a:spcPts val="500"/>
+        </a:spcBef>
+        <a:buFont typeface="Arial"/>
+        <a:buChar char="•"/>
+        <a:defRPr sz="1800" kern="1200">
+          <a:solidFill>
+            <a:schemeClr val="tx1"/>
+          </a:solidFill>
+          <a:latin typeface="+mn-lt"/>
+          <a:ea typeface="+mn-ea"/>
+          <a:cs typeface="+mn-cs"/>
+        </a:defRPr>
+      </a:lvl7pPr>
+      <a:lvl8pPr marL="3429000" indent="-228600" algn="l" defTabSz="914400" rtl="0" eaLnBrk="1" latinLnBrk="0" hangingPunct="1">
+        <a:lnSpc>
+          <a:spcPct val="90000"/>
+        </a:lnSpc>
+        <a:spcBef>
+          <a:spcPts val="500"/>
+        </a:spcBef>
+        <a:buFont typeface="Arial"/>
+        <a:buChar char="•"/>
+        <a:defRPr sz="1800" kern="1200">
+          <a:solidFill>
+            <a:schemeClr val="tx1"/>
+          </a:solidFill>
+          <a:latin typeface="+mn-lt"/>
+          <a:ea typeface="+mn-ea"/>
+          <a:cs typeface="+mn-cs"/>
+        </a:defRPr>
+      </a:lvl8pPr>
+      <a:lvl9pPr marL="3886200" indent="-228600" algn="l" defTabSz="914400" rtl="0" eaLnBrk="1" latinLnBrk="0" hangingPunct="1">
+        <a:lnSpc>
+          <a:spcPct val="90000"/>
+        </a:lnSpc>
+        <a:spcBef>
+          <a:spcPts val="500"/>
+        </a:spcBef>
+        <a:buFont typeface="Arial"/>
+        <a:buChar char="•"/>
+        <a:defRPr sz="1800" kern="1200">
+          <a:solidFill>
+            <a:schemeClr val="tx1"/>
+          </a:solidFill>
+          <a:latin typeface="+mn-lt"/>
+          <a:ea typeface="+mn-ea"/>
+          <a:cs typeface="+mn-cs"/>
+        </a:defRPr>
+      </a:lvl9pPr>
+    </p:bodyStyle>
+    <p:otherStyle>
+      <a:defPPr>
+        <a:defRPr lang="en-US"/>
+      </a:defPPr>
+      <a:lvl1pPr marL="0" algn="l" defTabSz="914400" rtl="0" eaLnBrk="1" latinLnBrk="0" hangingPunct="1">
+        <a:defRPr sz="1800" kern="1200">
+          <a:solidFill>
+            <a:schemeClr val="tx1"/>
+          </a:solidFill>
+          <a:latin typeface="+mn-lt"/>
+          <a:ea typeface="+mn-ea"/>
+          <a:cs typeface="+mn-cs"/>
+        </a:defRPr>
+      </a:lvl1pPr>
+      <a:lvl2pPr marL="457200" algn="l" defTabSz="914400" rtl="0" eaLnBrk="1" latinLnBrk="0" hangingPunct="1">
+        <a:defRPr sz="1800" kern="1200">
+          <a:solidFill>
+            <a:schemeClr val="tx1"/>
+          </a:solidFill>
+          <a:latin typeface="+mn-lt"/>
+          <a:ea typeface="+mn-ea"/>
+          <a:cs typeface="+mn-cs"/>
+        </a:defRPr>
+      </a:lvl2pPr>
+      <a:lvl3pPr marL="914400" algn="l" defTabSz="914400" rtl="0" eaLnBrk="1" latinLnBrk="0" hangingPunct="1">
+        <a:defRPr sz="1800" kern="1200">
+          <a:solidFill>
+            <a:schemeClr val="tx1"/>
+          </a:solidFill>
+          <a:latin typeface="+mn-lt"/>
+          <a:ea typeface="+mn-ea"/>
+          <a:cs typeface="+mn-cs"/>
+        </a:defRPr>
+      </a:lvl3pPr>
+      <a:lvl4pPr marL="1371600" algn="l" defTabSz="914400" rtl="0" eaLnBrk="1" latinLnBrk="0" hangingPunct="1">
+        <a:defRPr sz="1800" kern="1200">
+          <a:solidFill>
+            <a:schemeClr val="tx1"/>
+          </a:solidFill>
+          <a:latin typeface="+mn-lt"/>
+          <a:ea typeface="+mn-ea"/>
+          <a:cs typeface="+mn-cs"/>
+        </a:defRPr>
+      </a:lvl4pPr>
+      <a:lvl5pPr marL="1828800" algn="l" defTabSz="914400" rtl="0" eaLnBrk="1" latinLnBrk="0" hangingPunct="1">
+        <a:defRPr sz="1800" kern="1200">
+          <a:solidFill>
+            <a:schemeClr val="tx1"/>
+          </a:solidFill>
+          <a:latin typeface="+mn-lt"/>
+          <a:ea typeface="+mn-ea"/>
+          <a:cs typeface="+mn-cs"/>
+        </a:defRPr>
+      </a:lvl5pPr>
+      <a:lvl6pPr marL="2286000" algn="l" defTabSz="914400" rtl="0" eaLnBrk="1" latinLnBrk="0" hangingPunct="1">
+        <a:defRPr sz="1800" kern="1200">
+          <a:solidFill>
+            <a:schemeClr val="tx1"/>
+          </a:solidFill>
+          <a:latin typeface="+mn-lt"/>
+          <a:ea typeface="+mn-ea"/>
+          <a:cs typeface="+mn-cs"/>
+        </a:defRPr>
+      </a:lvl6pPr>
+      <a:lvl7pPr marL="2743200" algn="l" defTabSz="914400" rtl="0" eaLnBrk="1" latinLnBrk="0" hangingPunct="1">
+        <a:defRPr sz="1800" kern="1200">
+          <a:solidFill>
+            <a:schemeClr val="tx1"/>
+          </a:solidFill>
+          <a:latin typeface="+mn-lt"/>
+          <a:ea typeface="+mn-ea"/>
+          <a:cs typeface="+mn-cs"/>
+        </a:defRPr>
+      </a:lvl7pPr>
+      <a:lvl8pPr marL="3200400" algn="l" defTabSz="914400" rtl="0" eaLnBrk="1" latinLnBrk="0" hangingPunct="1">
+        <a:defRPr sz="1800" kern="1200">
+          <a:solidFill>
+            <a:schemeClr val="tx1"/>
+          </a:solidFill>
+          <a:latin typeface="+mn-lt"/>
+          <a:ea typeface="+mn-ea"/>
+          <a:cs typeface="+mn-cs"/>
+        </a:defRPr>
+      </a:lvl8pPr>
+      <a:lvl9pPr marL="3657600" algn="l" defTabSz="914400" rtl="0" eaLnBrk="1" latinLnBrk="0" hangingPunct="1">
+        <a:defRPr sz="1800" kern="1200">
+          <a:solidFill>
+            <a:schemeClr val="tx1"/>
+          </a:solidFill>
+          <a:latin typeface="+mn-lt"/>
+          <a:ea typeface="+mn-ea"/>
+          <a:cs typeface="+mn-cs"/>
+        </a:defRPr>
+      </a:lvl9pPr>
+    </p:otherStyle>
+  </p:txStyles>
 </p:sldMaster>
 </file>
 
 <file path=ppt/slides/slide1.xml><?xml version="1.0" encoding="utf-8"?>
-<p:sld xmlns:a="http://schemas.openxmlformats.org/drawingml/2006/main" xmlns:p="http://schemas.openxmlformats.org/presentationml/2006/main" xmlns:r="http://schemas.openxmlformats.org/officeDocument/2006/relationships" xmlns:p14="http://schemas.microsoft.com/office/powerpoint/2010/main" xmlns:p15="http://schemas.microsoft.com/office/powerpoint/2012/main" xmlns:mc="http://schemas.openxmlformats.org/markup-compatibility/2006">
+<p:sld xmlns:a="http://schemas.openxmlformats.org/drawingml/2006/main" xmlns:r="http://schemas.openxmlformats.org/officeDocument/2006/relationships" xmlns:p="http://schemas.openxmlformats.org/presentationml/2006/main">
   <p:cSld>
     <p:spTree>
       <p:nvGrpSpPr>
@@ -4460,6 +5026,7 @@
         </p:spPr>
         <p:txBody>
           <a:bodyPr anchor="b"/>
+          <a:lstStyle/>
           <a:p>
             <a:pPr algn="ctr">
               <a:lnSpc>
@@ -4467,26 +5034,26 @@
               </a:lnSpc>
             </a:pPr>
             <a:r>
-              <a:rPr b="0" lang="fr-FR" sz="7200" spc="-1" strike="noStrike" cap="all">
-                <a:solidFill>
-                  <a:srgbClr val="455f51"/>
+              <a:rPr lang="fr-FR" sz="7200" b="0" strike="noStrike" cap="all" spc="-1">
+                <a:solidFill>
+                  <a:srgbClr val="455F51"/>
                 </a:solidFill>
                 <a:uFill>
                   <a:solidFill>
-                    <a:srgbClr val="ffffff"/>
+                    <a:srgbClr val="FFFFFF"/>
                   </a:solidFill>
                 </a:uFill>
                 <a:latin typeface="Century Gothic"/>
               </a:rPr>
               <a:t>Genea tree</a:t>
             </a:r>
-            <a:endParaRPr b="0" lang="fr-FR" sz="1800" spc="-1" strike="noStrike">
+            <a:endParaRPr lang="fr-FR" sz="1800" b="0" strike="noStrike" spc="-1">
               <a:solidFill>
                 <a:srgbClr val="000000"/>
               </a:solidFill>
               <a:uFill>
                 <a:solidFill>
-                  <a:srgbClr val="ffffff"/>
+                  <a:srgbClr val="FFFFFF"/>
                 </a:solidFill>
               </a:uFill>
               <a:latin typeface="Century Gothic"/>
@@ -4496,6 +5063,9 @@
       </p:sp>
     </p:spTree>
   </p:cSld>
+  <p:clrMapOvr>
+    <a:masterClrMapping/>
+  </p:clrMapOvr>
   <p:timing>
     <p:tnLst>
       <p:par>
@@ -4504,14 +5074,14 @@
             <p:seq>
               <p:cTn id="2" nodeType="mainSeq"/>
               <p:prevCondLst>
-                <p:cond delay="0" evt="onPrev">
+                <p:cond evt="onPrev" delay="0">
                   <p:tgtEl>
                     <p:sldTgt/>
                   </p:tgtEl>
                 </p:cond>
               </p:prevCondLst>
               <p:nextCondLst>
-                <p:cond delay="0" evt="onNext">
+                <p:cond evt="onNext" delay="0">
                   <p:tgtEl>
                     <p:sldTgt/>
                   </p:tgtEl>
@@ -4526,8 +5096,8 @@
 </p:sld>
 </file>
 
-<file path=ppt/slides/slide2.xml><?xml version="1.0" encoding="utf-8"?>
-<p:sld xmlns:a="http://schemas.openxmlformats.org/drawingml/2006/main" xmlns:p="http://schemas.openxmlformats.org/presentationml/2006/main" xmlns:r="http://schemas.openxmlformats.org/officeDocument/2006/relationships" xmlns:p14="http://schemas.microsoft.com/office/powerpoint/2010/main" xmlns:p15="http://schemas.microsoft.com/office/powerpoint/2012/main" xmlns:mc="http://schemas.openxmlformats.org/markup-compatibility/2006">
+<file path=ppt/slides/slide10.xml><?xml version="1.0" encoding="utf-8"?>
+<p:sld xmlns:a="http://schemas.openxmlformats.org/drawingml/2006/main" xmlns:r="http://schemas.openxmlformats.org/officeDocument/2006/relationships" xmlns:p="http://schemas.openxmlformats.org/presentationml/2006/main">
   <p:cSld>
     <p:spTree>
       <p:nvGrpSpPr>
@@ -4545,6 +5115,251 @@
       </p:grpSpPr>
       <p:sp>
         <p:nvSpPr>
+          <p:cNvPr id="4" name="Title 1"/>
+          <p:cNvSpPr>
+            <a:spLocks noGrp="1"/>
+          </p:cNvSpPr>
+          <p:nvPr>
+            <p:ph type="title"/>
+          </p:nvPr>
+        </p:nvSpPr>
+        <p:spPr>
+          <a:xfrm>
+            <a:off x="1371600" y="685800"/>
+            <a:ext cx="5076701" cy="374863"/>
+          </a:xfrm>
+        </p:spPr>
+        <p:txBody>
+          <a:bodyPr/>
+          <a:lstStyle/>
+          <a:p>
+            <a:r>
+              <a:rPr lang="fr-FR" sz="3600" dirty="0" smtClean="0"/>
+              <a:t>L’Arbre de la famille</a:t>
+            </a:r>
+            <a:endParaRPr lang="fr-FR" sz="3600" dirty="0"/>
+          </a:p>
+        </p:txBody>
+      </p:sp>
+      <p:sp>
+        <p:nvSpPr>
+          <p:cNvPr id="5" name="TextBox 4"/>
+          <p:cNvSpPr txBox="1"/>
+          <p:nvPr/>
+        </p:nvSpPr>
+        <p:spPr>
+          <a:xfrm>
+            <a:off x="1448791" y="1555668"/>
+            <a:ext cx="5522025" cy="1477328"/>
+          </a:xfrm>
+          <a:prstGeom prst="rect">
+            <a:avLst/>
+          </a:prstGeom>
+          <a:noFill/>
+        </p:spPr>
+        <p:txBody>
+          <a:bodyPr wrap="square" rtlCol="0">
+            <a:spAutoFit/>
+          </a:bodyPr>
+          <a:lstStyle/>
+          <a:p>
+            <a:pPr marL="285750" indent="-285750">
+              <a:buFont typeface="Arial" charset="0"/>
+              <a:buChar char="•"/>
+            </a:pPr>
+            <a:r>
+              <a:rPr lang="fr-FR" dirty="0" smtClean="0"/>
+              <a:t>Générer l’arbre de la famille </a:t>
+            </a:r>
+          </a:p>
+          <a:p>
+            <a:r>
+              <a:rPr lang="fr-FR" dirty="0" smtClean="0"/>
+              <a:t>Une fois l’utilisateur connecter « </a:t>
+            </a:r>
+            <a:r>
+              <a:rPr lang="fr-FR" dirty="0" err="1" smtClean="0"/>
+              <a:t>Session_start</a:t>
+            </a:r>
+            <a:r>
+              <a:rPr lang="fr-FR" dirty="0" smtClean="0"/>
+              <a:t>(); » deux </a:t>
+            </a:r>
+            <a:r>
+              <a:rPr lang="fr-FR" dirty="0" err="1" smtClean="0"/>
+              <a:t>oglets</a:t>
+            </a:r>
+            <a:r>
+              <a:rPr lang="fr-FR" dirty="0" smtClean="0"/>
+              <a:t> vont apparaître dans le menu gauche </a:t>
+            </a:r>
+          </a:p>
+          <a:p>
+            <a:pPr marL="742950" lvl="1" indent="-285750">
+              <a:buFont typeface="Arial" charset="0"/>
+              <a:buChar char="•"/>
+            </a:pPr>
+            <a:r>
+              <a:rPr lang="fr-FR" dirty="0" err="1" smtClean="0"/>
+              <a:t>GeneaTree</a:t>
+            </a:r>
+            <a:r>
+              <a:rPr lang="fr-FR" dirty="0" smtClean="0"/>
+              <a:t> : l’arbre de la famille</a:t>
+            </a:r>
+          </a:p>
+          <a:p>
+            <a:pPr marL="742950" lvl="1" indent="-285750">
+              <a:buFont typeface="Arial" charset="0"/>
+              <a:buChar char="•"/>
+            </a:pPr>
+            <a:r>
+              <a:rPr lang="fr-FR" dirty="0" smtClean="0"/>
+              <a:t>Profil</a:t>
+            </a:r>
+            <a:r>
+              <a:rPr lang="en-GB" dirty="0" smtClean="0"/>
+              <a:t> : page </a:t>
+            </a:r>
+            <a:r>
+              <a:rPr lang="en-GB" dirty="0" err="1" smtClean="0"/>
+              <a:t>d’accueil</a:t>
+            </a:r>
+            <a:r>
+              <a:rPr lang="en-GB" dirty="0" smtClean="0"/>
+              <a:t> de </a:t>
+            </a:r>
+            <a:r>
+              <a:rPr lang="en-GB" dirty="0" err="1" smtClean="0"/>
+              <a:t>l’utilisateur</a:t>
+            </a:r>
+            <a:r>
+              <a:rPr lang="en-GB" dirty="0" smtClean="0"/>
+              <a:t> </a:t>
+            </a:r>
+            <a:endParaRPr lang="fr-FR" dirty="0"/>
+          </a:p>
+        </p:txBody>
+      </p:sp>
+      <p:pic>
+        <p:nvPicPr>
+          <p:cNvPr id="6" name="Picture 5"/>
+          <p:cNvPicPr>
+            <a:picLocks noChangeAspect="1"/>
+          </p:cNvPicPr>
+          <p:nvPr/>
+        </p:nvPicPr>
+        <p:blipFill rotWithShape="1">
+          <a:blip r:embed="rId2">
+            <a:extLst>
+              <a:ext uri="{28A0092B-C50C-407E-A947-70E740481C1C}">
+                <a14:useLocalDpi xmlns:a14="http://schemas.microsoft.com/office/drawing/2010/main" val="0"/>
+              </a:ext>
+            </a:extLst>
+          </a:blip>
+          <a:srcRect l="-118" t="312" r="69953" b="-312"/>
+          <a:stretch/>
+        </p:blipFill>
+        <p:spPr>
+          <a:xfrm>
+            <a:off x="7587796" y="1555668"/>
+            <a:ext cx="3668404" cy="4606307"/>
+          </a:xfrm>
+          <a:prstGeom prst="rect">
+            <a:avLst/>
+          </a:prstGeom>
+        </p:spPr>
+      </p:pic>
+      <p:pic>
+        <p:nvPicPr>
+          <p:cNvPr id="7" name="Picture 6"/>
+          <p:cNvPicPr>
+            <a:picLocks noChangeAspect="1"/>
+          </p:cNvPicPr>
+          <p:nvPr/>
+        </p:nvPicPr>
+        <p:blipFill rotWithShape="1">
+          <a:blip r:embed="rId3">
+            <a:extLst>
+              <a:ext uri="{28A0092B-C50C-407E-A947-70E740481C1C}">
+                <a14:useLocalDpi xmlns:a14="http://schemas.microsoft.com/office/drawing/2010/main" val="0"/>
+              </a:ext>
+            </a:extLst>
+          </a:blip>
+          <a:srcRect l="7526" t="9026" r="7790" b="7227"/>
+          <a:stretch/>
+        </p:blipFill>
+        <p:spPr>
+          <a:xfrm>
+            <a:off x="1253921" y="3218213"/>
+            <a:ext cx="6013778" cy="3028208"/>
+          </a:xfrm>
+          <a:prstGeom prst="rect">
+            <a:avLst/>
+          </a:prstGeom>
+        </p:spPr>
+      </p:pic>
+      <p:pic>
+        <p:nvPicPr>
+          <p:cNvPr id="8" name="Picture 7"/>
+          <p:cNvPicPr>
+            <a:picLocks noChangeAspect="1"/>
+          </p:cNvPicPr>
+          <p:nvPr/>
+        </p:nvPicPr>
+        <p:blipFill rotWithShape="1">
+          <a:blip r:embed="rId3">
+            <a:extLst>
+              <a:ext uri="{28A0092B-C50C-407E-A947-70E740481C1C}">
+                <a14:useLocalDpi xmlns:a14="http://schemas.microsoft.com/office/drawing/2010/main" val="0"/>
+              </a:ext>
+            </a:extLst>
+          </a:blip>
+          <a:srcRect l="7526" t="9026" r="7790" b="7227"/>
+          <a:stretch/>
+        </p:blipFill>
+        <p:spPr>
+          <a:xfrm>
+            <a:off x="957038" y="3133767"/>
+            <a:ext cx="6013778" cy="3028208"/>
+          </a:xfrm>
+          <a:prstGeom prst="rect">
+            <a:avLst/>
+          </a:prstGeom>
+        </p:spPr>
+      </p:pic>
+    </p:spTree>
+    <p:extLst>
+      <p:ext uri="{BB962C8B-B14F-4D97-AF65-F5344CB8AC3E}">
+        <p14:creationId xmlns:p14="http://schemas.microsoft.com/office/powerpoint/2010/main" val="1733455509"/>
+      </p:ext>
+    </p:extLst>
+  </p:cSld>
+  <p:clrMapOvr>
+    <a:masterClrMapping/>
+  </p:clrMapOvr>
+</p:sld>
+</file>
+
+<file path=ppt/slides/slide2.xml><?xml version="1.0" encoding="utf-8"?>
+<p:sld xmlns:a="http://schemas.openxmlformats.org/drawingml/2006/main" xmlns:r="http://schemas.openxmlformats.org/officeDocument/2006/relationships" xmlns:p="http://schemas.openxmlformats.org/presentationml/2006/main">
+  <p:cSld>
+    <p:spTree>
+      <p:nvGrpSpPr>
+        <p:cNvPr id="1" name=""/>
+        <p:cNvGrpSpPr/>
+        <p:nvPr/>
+      </p:nvGrpSpPr>
+      <p:grpSpPr>
+        <a:xfrm>
+          <a:off x="0" y="0"/>
+          <a:ext cx="0" cy="0"/>
+          <a:chOff x="0" y="0"/>
+          <a:chExt cx="0" cy="0"/>
+        </a:xfrm>
+      </p:grpSpPr>
+      <p:sp>
+        <p:nvSpPr>
           <p:cNvPr id="83" name="TextShape 1"/>
           <p:cNvSpPr txBox="1"/>
           <p:nvPr/>
@@ -4564,14 +5379,15 @@
         </p:spPr>
         <p:txBody>
           <a:bodyPr/>
-          <a:p>
-            <a:endParaRPr b="0" lang="en-US" sz="1800" spc="-1" strike="noStrike">
+          <a:lstStyle/>
+          <a:p>
+            <a:endParaRPr lang="en-US" sz="1800" b="0" strike="noStrike" spc="-1">
               <a:solidFill>
                 <a:srgbClr val="000000"/>
               </a:solidFill>
               <a:uFill>
                 <a:solidFill>
-                  <a:srgbClr val="ffffff"/>
+                  <a:srgbClr val="FFFFFF"/>
                 </a:solidFill>
               </a:uFill>
               <a:latin typeface="Century Gothic"/>
@@ -4600,6 +5416,7 @@
         </p:spPr>
         <p:txBody>
           <a:bodyPr/>
+          <a:lstStyle/>
           <a:p>
             <a:pPr marL="432000" indent="-324000">
               <a:buClr>
@@ -4610,30 +5427,19 @@
               <a:buChar char=""/>
             </a:pPr>
             <a:r>
-              <a:rPr b="0" lang="fr-FR" sz="4800" spc="-1" strike="noStrike">
-                <a:solidFill>
-                  <a:srgbClr val="455f51"/>
+              <a:rPr lang="fr-FR" sz="4800" b="0" strike="noStrike" spc="-1">
+                <a:solidFill>
+                  <a:srgbClr val="455F51"/>
                 </a:solidFill>
                 <a:uFill>
                   <a:solidFill>
-                    <a:srgbClr val="ffffff"/>
+                    <a:srgbClr val="FFFFFF"/>
                   </a:solidFill>
                 </a:uFill>
                 <a:latin typeface="Century Gothic"/>
               </a:rPr>
               <a:t>Fonctionnalité de cœur</a:t>
             </a:r>
-            <a:endParaRPr b="0" lang="fr-FR" sz="4800" spc="-1" strike="noStrike">
-              <a:solidFill>
-                <a:srgbClr val="455f51"/>
-              </a:solidFill>
-              <a:uFill>
-                <a:solidFill>
-                  <a:srgbClr val="ffffff"/>
-                </a:solidFill>
-              </a:uFill>
-              <a:latin typeface="Century Gothic"/>
-            </a:endParaRPr>
           </a:p>
           <a:p>
             <a:pPr marL="432000" indent="-324000">
@@ -4645,30 +5451,19 @@
               <a:buChar char=""/>
             </a:pPr>
             <a:r>
-              <a:rPr b="0" lang="fr-FR" sz="4800" spc="-1" strike="noStrike">
-                <a:solidFill>
-                  <a:srgbClr val="455f51"/>
+              <a:rPr lang="fr-FR" sz="4800" b="0" strike="noStrike" spc="-1">
+                <a:solidFill>
+                  <a:srgbClr val="455F51"/>
                 </a:solidFill>
                 <a:uFill>
                   <a:solidFill>
-                    <a:srgbClr val="ffffff"/>
+                    <a:srgbClr val="FFFFFF"/>
                   </a:solidFill>
                 </a:uFill>
                 <a:latin typeface="Century Gothic"/>
               </a:rPr>
               <a:t>La structure de l’arbre</a:t>
             </a:r>
-            <a:endParaRPr b="0" lang="fr-FR" sz="4800" spc="-1" strike="noStrike">
-              <a:solidFill>
-                <a:srgbClr val="455f51"/>
-              </a:solidFill>
-              <a:uFill>
-                <a:solidFill>
-                  <a:srgbClr val="ffffff"/>
-                </a:solidFill>
-              </a:uFill>
-              <a:latin typeface="Century Gothic"/>
-            </a:endParaRPr>
           </a:p>
           <a:p>
             <a:pPr marL="432000" indent="-324000">
@@ -4680,51 +5475,43 @@
               <a:buChar char=""/>
             </a:pPr>
             <a:r>
-              <a:rPr b="0" lang="fr-FR" sz="4800" spc="-1" strike="noStrike">
-                <a:solidFill>
-                  <a:srgbClr val="455f51"/>
+              <a:rPr lang="fr-FR" sz="4800" b="0" strike="noStrike" spc="-1">
+                <a:solidFill>
+                  <a:srgbClr val="455F51"/>
                 </a:solidFill>
                 <a:uFill>
                   <a:solidFill>
-                    <a:srgbClr val="ffffff"/>
+                    <a:srgbClr val="FFFFFF"/>
                   </a:solidFill>
                 </a:uFill>
                 <a:latin typeface="Century Gothic"/>
               </a:rPr>
               <a:t>La structure du site</a:t>
             </a:r>
-            <a:endParaRPr b="0" lang="fr-FR" sz="4800" spc="-1" strike="noStrike">
-              <a:solidFill>
-                <a:srgbClr val="455f51"/>
-              </a:solidFill>
-              <a:uFill>
-                <a:solidFill>
-                  <a:srgbClr val="ffffff"/>
-                </a:solidFill>
-              </a:uFill>
-              <a:latin typeface="Century Gothic"/>
-            </a:endParaRPr>
           </a:p>
         </p:txBody>
       </p:sp>
     </p:spTree>
   </p:cSld>
+  <p:clrMapOvr>
+    <a:masterClrMapping/>
+  </p:clrMapOvr>
   <p:timing>
     <p:tnLst>
       <p:par>
-        <p:cTn id="3" dur="indefinite" restart="never" nodeType="tmRoot">
+        <p:cTn id="1" dur="indefinite" restart="never" nodeType="tmRoot">
           <p:childTnLst>
             <p:seq>
-              <p:cTn id="4" nodeType="mainSeq"/>
+              <p:cTn id="2" nodeType="mainSeq"/>
               <p:prevCondLst>
-                <p:cond delay="0" evt="onPrev">
+                <p:cond evt="onPrev" delay="0">
                   <p:tgtEl>
                     <p:sldTgt/>
                   </p:tgtEl>
                 </p:cond>
               </p:prevCondLst>
               <p:nextCondLst>
-                <p:cond delay="0" evt="onNext">
+                <p:cond evt="onNext" delay="0">
                   <p:tgtEl>
                     <p:sldTgt/>
                   </p:tgtEl>
@@ -4740,7 +5527,7 @@
 </file>
 
 <file path=ppt/slides/slide3.xml><?xml version="1.0" encoding="utf-8"?>
-<p:sld xmlns:a="http://schemas.openxmlformats.org/drawingml/2006/main" xmlns:p="http://schemas.openxmlformats.org/presentationml/2006/main" xmlns:r="http://schemas.openxmlformats.org/officeDocument/2006/relationships" xmlns:p14="http://schemas.microsoft.com/office/powerpoint/2010/main" xmlns:p15="http://schemas.microsoft.com/office/powerpoint/2012/main" xmlns:mc="http://schemas.openxmlformats.org/markup-compatibility/2006">
+<p:sld xmlns:a="http://schemas.openxmlformats.org/drawingml/2006/main" xmlns:r="http://schemas.openxmlformats.org/officeDocument/2006/relationships" xmlns:p="http://schemas.openxmlformats.org/presentationml/2006/main">
   <p:cSld>
     <p:spTree>
       <p:nvGrpSpPr>
@@ -4777,14 +5564,15 @@
         </p:spPr>
         <p:txBody>
           <a:bodyPr/>
-          <a:p>
-            <a:endParaRPr b="0" lang="en-US" sz="1800" spc="-1" strike="noStrike">
+          <a:lstStyle/>
+          <a:p>
+            <a:endParaRPr lang="en-US" sz="1800" b="0" strike="noStrike" spc="-1">
               <a:solidFill>
                 <a:srgbClr val="000000"/>
               </a:solidFill>
               <a:uFill>
                 <a:solidFill>
-                  <a:srgbClr val="ffffff"/>
+                  <a:srgbClr val="FFFFFF"/>
                 </a:solidFill>
               </a:uFill>
               <a:latin typeface="Century Gothic"/>
@@ -4813,6 +5601,7 @@
         </p:spPr>
         <p:txBody>
           <a:bodyPr/>
+          <a:lstStyle/>
           <a:p>
             <a:pPr marL="432000" indent="-324000">
               <a:buClr>
@@ -4823,41 +5612,30 @@
               <a:buChar char=""/>
             </a:pPr>
             <a:r>
-              <a:rPr b="0" lang="fr-FR" sz="2600" spc="-1" strike="noStrike">
-                <a:solidFill>
-                  <a:srgbClr val="455f51"/>
+              <a:rPr lang="fr-FR" sz="2600" b="0" strike="noStrike" spc="-1">
+                <a:solidFill>
+                  <a:srgbClr val="455F51"/>
                 </a:solidFill>
                 <a:uFill>
                   <a:solidFill>
-                    <a:srgbClr val="ffffff"/>
+                    <a:srgbClr val="FFFFFF"/>
                   </a:solidFill>
                 </a:uFill>
                 <a:latin typeface="Century Gothic"/>
               </a:rPr>
               <a:t>Le concept : Un réseau social basé sur un arbre généalogique</a:t>
             </a:r>
-            <a:endParaRPr b="0" lang="fr-FR" sz="2600" spc="-1" strike="noStrike">
-              <a:solidFill>
-                <a:srgbClr val="455f51"/>
-              </a:solidFill>
-              <a:uFill>
-                <a:solidFill>
-                  <a:srgbClr val="ffffff"/>
-                </a:solidFill>
-              </a:uFill>
-              <a:latin typeface="Century Gothic"/>
-            </a:endParaRPr>
           </a:p>
         </p:txBody>
       </p:sp>
       <p:pic>
         <p:nvPicPr>
-          <p:cNvPr id="87" name="" descr=""/>
+          <p:cNvPr id="87" name="Picture 86"/>
           <p:cNvPicPr/>
           <p:nvPr/>
         </p:nvPicPr>
         <p:blipFill>
-          <a:blip r:embed="rId1"/>
+          <a:blip r:embed="rId2"/>
           <a:stretch/>
         </p:blipFill>
         <p:spPr>
@@ -4875,22 +5653,25 @@
       </p:pic>
     </p:spTree>
   </p:cSld>
+  <p:clrMapOvr>
+    <a:masterClrMapping/>
+  </p:clrMapOvr>
   <p:timing>
     <p:tnLst>
       <p:par>
-        <p:cTn id="5" dur="indefinite" restart="never" nodeType="tmRoot">
+        <p:cTn id="1" dur="indefinite" restart="never" nodeType="tmRoot">
           <p:childTnLst>
             <p:seq>
-              <p:cTn id="6" nodeType="mainSeq"/>
+              <p:cTn id="2" nodeType="mainSeq"/>
               <p:prevCondLst>
-                <p:cond delay="0" evt="onPrev">
+                <p:cond evt="onPrev" delay="0">
                   <p:tgtEl>
                     <p:sldTgt/>
                   </p:tgtEl>
                 </p:cond>
               </p:prevCondLst>
               <p:nextCondLst>
-                <p:cond delay="0" evt="onNext">
+                <p:cond evt="onNext" delay="0">
                   <p:tgtEl>
                     <p:sldTgt/>
                   </p:tgtEl>
@@ -4906,7 +5687,7 @@
 </file>
 
 <file path=ppt/slides/slide4.xml><?xml version="1.0" encoding="utf-8"?>
-<p:sld xmlns:a="http://schemas.openxmlformats.org/drawingml/2006/main" xmlns:p="http://schemas.openxmlformats.org/presentationml/2006/main" xmlns:r="http://schemas.openxmlformats.org/officeDocument/2006/relationships" xmlns:p14="http://schemas.microsoft.com/office/powerpoint/2010/main" xmlns:p15="http://schemas.microsoft.com/office/powerpoint/2012/main" xmlns:mc="http://schemas.openxmlformats.org/markup-compatibility/2006">
+<p:sld xmlns:a="http://schemas.openxmlformats.org/drawingml/2006/main" xmlns:r="http://schemas.openxmlformats.org/officeDocument/2006/relationships" xmlns:p="http://schemas.openxmlformats.org/presentationml/2006/main">
   <p:cSld>
     <p:spTree>
       <p:nvGrpSpPr>
@@ -4943,32 +5724,22 @@
         </p:spPr>
         <p:txBody>
           <a:bodyPr/>
-          <a:p>
-            <a:r>
-              <a:rPr b="0" lang="fr-FR" sz="4400" spc="-1" strike="noStrike">
+          <a:lstStyle/>
+          <a:p>
+            <a:r>
+              <a:rPr lang="fr-FR" sz="4400" b="0" strike="noStrike" spc="-1">
                 <a:solidFill>
                   <a:srgbClr val="000000"/>
                 </a:solidFill>
                 <a:uFill>
                   <a:solidFill>
-                    <a:srgbClr val="ffffff"/>
+                    <a:srgbClr val="FFFFFF"/>
                   </a:solidFill>
                 </a:uFill>
                 <a:latin typeface="Century Gothic"/>
               </a:rPr>
               <a:t>Le cœur du site</a:t>
             </a:r>
-            <a:endParaRPr b="0" lang="fr-FR" sz="4400" spc="-1" strike="noStrike">
-              <a:solidFill>
-                <a:srgbClr val="000000"/>
-              </a:solidFill>
-              <a:uFill>
-                <a:solidFill>
-                  <a:srgbClr val="ffffff"/>
-                </a:solidFill>
-              </a:uFill>
-              <a:latin typeface="Century Gothic"/>
-            </a:endParaRPr>
           </a:p>
         </p:txBody>
       </p:sp>
@@ -4993,6 +5764,7 @@
         </p:spPr>
         <p:txBody>
           <a:bodyPr/>
+          <a:lstStyle/>
           <a:p>
             <a:pPr marL="432000" indent="-324000">
               <a:buClr>
@@ -5003,30 +5775,19 @@
               <a:buChar char=""/>
             </a:pPr>
             <a:r>
-              <a:rPr b="0" lang="en-US" sz="2000" spc="-1" strike="noStrike">
-                <a:solidFill>
-                  <a:srgbClr val="455f51"/>
+              <a:rPr lang="en-US" sz="2000" b="0" strike="noStrike" spc="-1">
+                <a:solidFill>
+                  <a:srgbClr val="455F51"/>
                 </a:solidFill>
                 <a:uFill>
                   <a:solidFill>
-                    <a:srgbClr val="ffffff"/>
+                    <a:srgbClr val="FFFFFF"/>
                   </a:solidFill>
                 </a:uFill>
                 <a:latin typeface="Century Gothic"/>
               </a:rPr>
               <a:t>Un graph capable de representer la structure d’une famille</a:t>
             </a:r>
-            <a:endParaRPr b="0" lang="en-US" sz="2000" spc="-1" strike="noStrike">
-              <a:solidFill>
-                <a:srgbClr val="455f51"/>
-              </a:solidFill>
-              <a:uFill>
-                <a:solidFill>
-                  <a:srgbClr val="ffffff"/>
-                </a:solidFill>
-              </a:uFill>
-              <a:latin typeface="Century Gothic"/>
-            </a:endParaRPr>
           </a:p>
           <a:p>
             <a:pPr marL="432000" indent="-324000">
@@ -5038,30 +5799,19 @@
               <a:buChar char=""/>
             </a:pPr>
             <a:r>
-              <a:rPr b="0" lang="en-US" sz="2000" spc="-1" strike="noStrike">
-                <a:solidFill>
-                  <a:srgbClr val="455f51"/>
+              <a:rPr lang="en-US" sz="2000" b="0" strike="noStrike" spc="-1">
+                <a:solidFill>
+                  <a:srgbClr val="455F51"/>
                 </a:solidFill>
                 <a:uFill>
                   <a:solidFill>
-                    <a:srgbClr val="ffffff"/>
+                    <a:srgbClr val="FFFFFF"/>
                   </a:solidFill>
                 </a:uFill>
                 <a:latin typeface="Century Gothic"/>
               </a:rPr>
               <a:t>De ses ancêtres…</a:t>
             </a:r>
-            <a:endParaRPr b="0" lang="en-US" sz="2000" spc="-1" strike="noStrike">
-              <a:solidFill>
-                <a:srgbClr val="455f51"/>
-              </a:solidFill>
-              <a:uFill>
-                <a:solidFill>
-                  <a:srgbClr val="ffffff"/>
-                </a:solidFill>
-              </a:uFill>
-              <a:latin typeface="Century Gothic"/>
-            </a:endParaRPr>
           </a:p>
           <a:p>
             <a:pPr marL="432000" indent="-324000">
@@ -5073,30 +5823,19 @@
               <a:buChar char=""/>
             </a:pPr>
             <a:r>
-              <a:rPr b="0" lang="en-US" sz="2000" spc="-1" strike="noStrike">
-                <a:solidFill>
-                  <a:srgbClr val="455f51"/>
+              <a:rPr lang="en-US" sz="2000" b="0" strike="noStrike" spc="-1">
+                <a:solidFill>
+                  <a:srgbClr val="455F51"/>
                 </a:solidFill>
                 <a:uFill>
                   <a:solidFill>
-                    <a:srgbClr val="ffffff"/>
+                    <a:srgbClr val="FFFFFF"/>
                   </a:solidFill>
                 </a:uFill>
                 <a:latin typeface="Century Gothic"/>
               </a:rPr>
               <a:t>...A l’ensemble élargi de ses descendants</a:t>
             </a:r>
-            <a:endParaRPr b="0" lang="en-US" sz="2000" spc="-1" strike="noStrike">
-              <a:solidFill>
-                <a:srgbClr val="455f51"/>
-              </a:solidFill>
-              <a:uFill>
-                <a:solidFill>
-                  <a:srgbClr val="ffffff"/>
-                </a:solidFill>
-              </a:uFill>
-              <a:latin typeface="Century Gothic"/>
-            </a:endParaRPr>
           </a:p>
           <a:p>
             <a:pPr marL="432000" indent="-324000">
@@ -5108,30 +5847,19 @@
               <a:buChar char=""/>
             </a:pPr>
             <a:r>
-              <a:rPr b="0" lang="en-US" sz="2000" spc="-1" strike="noStrike">
-                <a:solidFill>
-                  <a:srgbClr val="455f51"/>
+              <a:rPr lang="en-US" sz="2000" b="0" strike="noStrike" spc="-1">
+                <a:solidFill>
+                  <a:srgbClr val="455F51"/>
                 </a:solidFill>
                 <a:uFill>
                   <a:solidFill>
-                    <a:srgbClr val="ffffff"/>
+                    <a:srgbClr val="FFFFFF"/>
                   </a:solidFill>
                 </a:uFill>
                 <a:latin typeface="Century Gothic"/>
               </a:rPr>
               <a:t>Avec la possibilité de le manipuler proprement</a:t>
             </a:r>
-            <a:endParaRPr b="0" lang="en-US" sz="2000" spc="-1" strike="noStrike">
-              <a:solidFill>
-                <a:srgbClr val="455f51"/>
-              </a:solidFill>
-              <a:uFill>
-                <a:solidFill>
-                  <a:srgbClr val="ffffff"/>
-                </a:solidFill>
-              </a:uFill>
-              <a:latin typeface="Century Gothic"/>
-            </a:endParaRPr>
           </a:p>
           <a:p>
             <a:pPr marL="432000" indent="-324000">
@@ -5143,51 +5871,43 @@
               <a:buChar char=""/>
             </a:pPr>
             <a:r>
-              <a:rPr b="0" lang="en-US" sz="2000" spc="-1" strike="noStrike">
-                <a:solidFill>
-                  <a:srgbClr val="455f51"/>
+              <a:rPr lang="en-US" sz="2000" b="0" strike="noStrike" spc="-1">
+                <a:solidFill>
+                  <a:srgbClr val="455F51"/>
                 </a:solidFill>
                 <a:uFill>
                   <a:solidFill>
-                    <a:srgbClr val="ffffff"/>
+                    <a:srgbClr val="FFFFFF"/>
                   </a:solidFill>
                 </a:uFill>
                 <a:latin typeface="Century Gothic"/>
               </a:rPr>
               <a:t>Et la possibilité de gérer ses relations familliales de la façon que l’on veux </a:t>
             </a:r>
-            <a:endParaRPr b="0" lang="en-US" sz="2000" spc="-1" strike="noStrike">
-              <a:solidFill>
-                <a:srgbClr val="455f51"/>
-              </a:solidFill>
-              <a:uFill>
-                <a:solidFill>
-                  <a:srgbClr val="ffffff"/>
-                </a:solidFill>
-              </a:uFill>
-              <a:latin typeface="Century Gothic"/>
-            </a:endParaRPr>
           </a:p>
         </p:txBody>
       </p:sp>
     </p:spTree>
   </p:cSld>
+  <p:clrMapOvr>
+    <a:masterClrMapping/>
+  </p:clrMapOvr>
   <p:timing>
     <p:tnLst>
       <p:par>
-        <p:cTn id="7" dur="indefinite" restart="never" nodeType="tmRoot">
+        <p:cTn id="1" dur="indefinite" restart="never" nodeType="tmRoot">
           <p:childTnLst>
             <p:seq>
-              <p:cTn id="8" nodeType="mainSeq"/>
+              <p:cTn id="2" nodeType="mainSeq"/>
               <p:prevCondLst>
-                <p:cond delay="0" evt="onPrev">
+                <p:cond evt="onPrev" delay="0">
                   <p:tgtEl>
                     <p:sldTgt/>
                   </p:tgtEl>
                 </p:cond>
               </p:prevCondLst>
               <p:nextCondLst>
-                <p:cond delay="0" evt="onNext">
+                <p:cond evt="onNext" delay="0">
                   <p:tgtEl>
                     <p:sldTgt/>
                   </p:tgtEl>
@@ -5203,7 +5923,7 @@
 </file>
 
 <file path=ppt/slides/slide5.xml><?xml version="1.0" encoding="utf-8"?>
-<p:sld xmlns:a="http://schemas.openxmlformats.org/drawingml/2006/main" xmlns:p="http://schemas.openxmlformats.org/presentationml/2006/main" xmlns:r="http://schemas.openxmlformats.org/officeDocument/2006/relationships" xmlns:p14="http://schemas.microsoft.com/office/powerpoint/2010/main" xmlns:p15="http://schemas.microsoft.com/office/powerpoint/2012/main" xmlns:mc="http://schemas.openxmlformats.org/markup-compatibility/2006">
+<p:sld xmlns:a="http://schemas.openxmlformats.org/drawingml/2006/main" xmlns:r="http://schemas.openxmlformats.org/officeDocument/2006/relationships" xmlns:p="http://schemas.openxmlformats.org/presentationml/2006/main">
   <p:cSld>
     <p:spTree>
       <p:nvGrpSpPr>
@@ -5240,43 +5960,33 @@
         </p:spPr>
         <p:txBody>
           <a:bodyPr/>
-          <a:p>
-            <a:r>
-              <a:rPr b="0" lang="fr-FR" sz="4400" spc="-1" strike="noStrike">
+          <a:lstStyle/>
+          <a:p>
+            <a:r>
+              <a:rPr lang="fr-FR" sz="4400" b="0" strike="noStrike" spc="-1">
                 <a:solidFill>
                   <a:srgbClr val="000000"/>
                 </a:solidFill>
                 <a:uFill>
                   <a:solidFill>
-                    <a:srgbClr val="ffffff"/>
+                    <a:srgbClr val="FFFFFF"/>
                   </a:solidFill>
                 </a:uFill>
                 <a:latin typeface="Century Gothic"/>
               </a:rPr>
               <a:t>Un double arbre, une fausse solution</a:t>
             </a:r>
-            <a:endParaRPr b="0" lang="fr-FR" sz="4400" spc="-1" strike="noStrike">
-              <a:solidFill>
-                <a:srgbClr val="000000"/>
-              </a:solidFill>
-              <a:uFill>
-                <a:solidFill>
-                  <a:srgbClr val="ffffff"/>
-                </a:solidFill>
-              </a:uFill>
-              <a:latin typeface="Century Gothic"/>
-            </a:endParaRPr>
           </a:p>
         </p:txBody>
       </p:sp>
       <p:pic>
         <p:nvPicPr>
-          <p:cNvPr id="91" name="" descr=""/>
+          <p:cNvPr id="91" name="Picture 90"/>
           <p:cNvPicPr/>
           <p:nvPr/>
         </p:nvPicPr>
         <p:blipFill>
-          <a:blip r:embed="rId1"/>
+          <a:blip r:embed="rId2"/>
           <a:stretch/>
         </p:blipFill>
         <p:spPr>
@@ -5309,13 +6019,14 @@
           <a:noFill/>
           <a:ln w="76320">
             <a:solidFill>
-              <a:srgbClr val="00cc33"/>
+              <a:srgbClr val="00CC33"/>
             </a:solidFill>
             <a:round/>
           </a:ln>
         </p:spPr>
         <p:txBody>
-          <a:bodyPr lIns="128160" rIns="128160" tIns="83160" bIns="83160"/>
+          <a:bodyPr lIns="128160" tIns="83160" rIns="128160" bIns="83160"/>
+          <a:lstStyle/>
           <a:p>
             <a:pPr marL="216000" indent="-216000">
               <a:buClr>
@@ -5326,30 +6037,19 @@
               <a:buChar char=""/>
             </a:pPr>
             <a:r>
-              <a:rPr b="0" lang="fr-FR" sz="1800" spc="-1" strike="noStrike">
+              <a:rPr lang="fr-FR" sz="1800" b="0" strike="noStrike" spc="-1">
                 <a:solidFill>
                   <a:srgbClr val="000000"/>
                 </a:solidFill>
                 <a:uFill>
                   <a:solidFill>
-                    <a:srgbClr val="ffffff"/>
+                    <a:srgbClr val="FFFFFF"/>
                   </a:solidFill>
                 </a:uFill>
                 <a:latin typeface="Arial"/>
               </a:rPr>
               <a:t>Visuellement correspondant</a:t>
             </a:r>
-            <a:endParaRPr b="0" lang="fr-FR" sz="1800" spc="-1" strike="noStrike">
-              <a:solidFill>
-                <a:srgbClr val="000000"/>
-              </a:solidFill>
-              <a:uFill>
-                <a:solidFill>
-                  <a:srgbClr val="ffffff"/>
-                </a:solidFill>
-              </a:uFill>
-              <a:latin typeface="Arial"/>
-            </a:endParaRPr>
           </a:p>
           <a:p>
             <a:pPr marL="216000" indent="-216000">
@@ -5361,30 +6061,19 @@
               <a:buChar char=""/>
             </a:pPr>
             <a:r>
-              <a:rPr b="0" lang="fr-FR" sz="1800" spc="-1" strike="noStrike">
+              <a:rPr lang="fr-FR" sz="1800" b="0" strike="noStrike" spc="-1">
                 <a:solidFill>
                   <a:srgbClr val="000000"/>
                 </a:solidFill>
                 <a:uFill>
                   <a:solidFill>
-                    <a:srgbClr val="ffffff"/>
+                    <a:srgbClr val="FFFFFF"/>
                   </a:solidFill>
                 </a:uFill>
                 <a:latin typeface="Arial"/>
               </a:rPr>
               <a:t>Simple à afficher</a:t>
             </a:r>
-            <a:endParaRPr b="0" lang="fr-FR" sz="1800" spc="-1" strike="noStrike">
-              <a:solidFill>
-                <a:srgbClr val="000000"/>
-              </a:solidFill>
-              <a:uFill>
-                <a:solidFill>
-                  <a:srgbClr val="ffffff"/>
-                </a:solidFill>
-              </a:uFill>
-              <a:latin typeface="Arial"/>
-            </a:endParaRPr>
           </a:p>
           <a:p>
             <a:pPr marL="216000" indent="-216000">
@@ -5396,30 +6085,19 @@
               <a:buChar char=""/>
             </a:pPr>
             <a:r>
-              <a:rPr b="0" lang="fr-FR" sz="1800" spc="-1" strike="noStrike">
+              <a:rPr lang="fr-FR" sz="1800" b="0" strike="noStrike" spc="-1">
                 <a:solidFill>
                   <a:srgbClr val="000000"/>
                 </a:solidFill>
                 <a:uFill>
                   <a:solidFill>
-                    <a:srgbClr val="ffffff"/>
+                    <a:srgbClr val="FFFFFF"/>
                   </a:solidFill>
                 </a:uFill>
                 <a:latin typeface="Arial"/>
               </a:rPr>
               <a:t>Nécessite peu de puissance de calcule</a:t>
             </a:r>
-            <a:endParaRPr b="0" lang="fr-FR" sz="1800" spc="-1" strike="noStrike">
-              <a:solidFill>
-                <a:srgbClr val="000000"/>
-              </a:solidFill>
-              <a:uFill>
-                <a:solidFill>
-                  <a:srgbClr val="ffffff"/>
-                </a:solidFill>
-              </a:uFill>
-              <a:latin typeface="Arial"/>
-            </a:endParaRPr>
           </a:p>
         </p:txBody>
       </p:sp>
@@ -5440,13 +6118,14 @@
           <a:noFill/>
           <a:ln w="76320">
             <a:solidFill>
-              <a:srgbClr val="ff0000"/>
+              <a:srgbClr val="FF0000"/>
             </a:solidFill>
             <a:round/>
           </a:ln>
         </p:spPr>
         <p:txBody>
-          <a:bodyPr lIns="128160" rIns="128160" tIns="83160" bIns="83160"/>
+          <a:bodyPr lIns="128160" tIns="83160" rIns="128160" bIns="83160"/>
+          <a:lstStyle/>
           <a:p>
             <a:pPr marL="216000" indent="-216000">
               <a:buClr>
@@ -5457,30 +6136,19 @@
               <a:buChar char=""/>
             </a:pPr>
             <a:r>
-              <a:rPr b="0" lang="fr-FR" sz="1800" spc="-1" strike="noStrike">
+              <a:rPr lang="fr-FR" sz="1800" b="0" strike="noStrike" spc="-1">
                 <a:solidFill>
                   <a:srgbClr val="000000"/>
                 </a:solidFill>
                 <a:uFill>
                   <a:solidFill>
-                    <a:srgbClr val="ffffff"/>
+                    <a:srgbClr val="FFFFFF"/>
                   </a:solidFill>
                 </a:uFill>
                 <a:latin typeface="Arial"/>
               </a:rPr>
               <a:t>Le modèle de structure ne correspondais en réalité pas du tout</a:t>
             </a:r>
-            <a:endParaRPr b="0" lang="fr-FR" sz="1800" spc="-1" strike="noStrike">
-              <a:solidFill>
-                <a:srgbClr val="000000"/>
-              </a:solidFill>
-              <a:uFill>
-                <a:solidFill>
-                  <a:srgbClr val="ffffff"/>
-                </a:solidFill>
-              </a:uFill>
-              <a:latin typeface="Arial"/>
-            </a:endParaRPr>
           </a:p>
           <a:p>
             <a:pPr marL="216000" indent="-216000">
@@ -5492,30 +6160,19 @@
               <a:buChar char=""/>
             </a:pPr>
             <a:r>
-              <a:rPr b="0" lang="fr-FR" sz="1800" spc="-1" strike="noStrike">
+              <a:rPr lang="fr-FR" sz="1800" b="0" strike="noStrike" spc="-1">
                 <a:solidFill>
                   <a:srgbClr val="000000"/>
                 </a:solidFill>
                 <a:uFill>
                   <a:solidFill>
-                    <a:srgbClr val="ffffff"/>
+                    <a:srgbClr val="FFFFFF"/>
                   </a:solidFill>
                 </a:uFill>
                 <a:latin typeface="Arial"/>
               </a:rPr>
               <a:t>La notion de hiérarchie ne permet pas de représenter pleinement les relations d’une famille</a:t>
             </a:r>
-            <a:endParaRPr b="0" lang="fr-FR" sz="1800" spc="-1" strike="noStrike">
-              <a:solidFill>
-                <a:srgbClr val="000000"/>
-              </a:solidFill>
-              <a:uFill>
-                <a:solidFill>
-                  <a:srgbClr val="ffffff"/>
-                </a:solidFill>
-              </a:uFill>
-              <a:latin typeface="Arial"/>
-            </a:endParaRPr>
           </a:p>
           <a:p>
             <a:pPr marL="216000" indent="-216000">
@@ -5527,51 +6184,43 @@
               <a:buChar char=""/>
             </a:pPr>
             <a:r>
-              <a:rPr b="0" lang="fr-FR" sz="1800" spc="-1" strike="noStrike">
+              <a:rPr lang="fr-FR" sz="1800" b="0" strike="noStrike" spc="-1">
                 <a:solidFill>
                   <a:srgbClr val="000000"/>
                 </a:solidFill>
                 <a:uFill>
                   <a:solidFill>
-                    <a:srgbClr val="ffffff"/>
+                    <a:srgbClr val="FFFFFF"/>
                   </a:solidFill>
                 </a:uFill>
                 <a:latin typeface="Arial"/>
               </a:rPr>
               <a:t>Les propriétés d’affichage ne sont pas malléables aisément</a:t>
             </a:r>
-            <a:endParaRPr b="0" lang="fr-FR" sz="1800" spc="-1" strike="noStrike">
-              <a:solidFill>
-                <a:srgbClr val="000000"/>
-              </a:solidFill>
-              <a:uFill>
-                <a:solidFill>
-                  <a:srgbClr val="ffffff"/>
-                </a:solidFill>
-              </a:uFill>
-              <a:latin typeface="Arial"/>
-            </a:endParaRPr>
           </a:p>
         </p:txBody>
       </p:sp>
     </p:spTree>
   </p:cSld>
+  <p:clrMapOvr>
+    <a:masterClrMapping/>
+  </p:clrMapOvr>
   <p:timing>
     <p:tnLst>
       <p:par>
-        <p:cTn id="9" dur="indefinite" restart="never" nodeType="tmRoot">
+        <p:cTn id="1" dur="indefinite" restart="never" nodeType="tmRoot">
           <p:childTnLst>
             <p:seq>
-              <p:cTn id="10" nodeType="mainSeq"/>
+              <p:cTn id="2" nodeType="mainSeq"/>
               <p:prevCondLst>
-                <p:cond delay="0" evt="onPrev">
+                <p:cond evt="onPrev" delay="0">
                   <p:tgtEl>
                     <p:sldTgt/>
                   </p:tgtEl>
                 </p:cond>
               </p:prevCondLst>
               <p:nextCondLst>
-                <p:cond delay="0" evt="onNext">
+                <p:cond evt="onNext" delay="0">
                   <p:tgtEl>
                     <p:sldTgt/>
                   </p:tgtEl>
@@ -5587,7 +6236,7 @@
 </file>
 
 <file path=ppt/slides/slide6.xml><?xml version="1.0" encoding="utf-8"?>
-<p:sld xmlns:a="http://schemas.openxmlformats.org/drawingml/2006/main" xmlns:p="http://schemas.openxmlformats.org/presentationml/2006/main" xmlns:r="http://schemas.openxmlformats.org/officeDocument/2006/relationships" xmlns:p14="http://schemas.microsoft.com/office/powerpoint/2010/main" xmlns:p15="http://schemas.microsoft.com/office/powerpoint/2012/main" xmlns:mc="http://schemas.openxmlformats.org/markup-compatibility/2006">
+<p:sld xmlns:a="http://schemas.openxmlformats.org/drawingml/2006/main" xmlns:r="http://schemas.openxmlformats.org/officeDocument/2006/relationships" xmlns:p="http://schemas.openxmlformats.org/presentationml/2006/main">
   <p:cSld>
     <p:spTree>
       <p:nvGrpSpPr>
@@ -5623,29 +6272,30 @@
           </a:ln>
         </p:spPr>
         <p:txBody>
-          <a:bodyPr lIns="90000" rIns="90000" tIns="45000" bIns="45000"/>
-          <a:p>
-            <a:r>
-              <a:rPr b="0" lang="fr-FR" sz="4000" spc="-1" strike="noStrike">
+          <a:bodyPr lIns="90000" tIns="45000" rIns="90000" bIns="45000"/>
+          <a:lstStyle/>
+          <a:p>
+            <a:r>
+              <a:rPr lang="fr-FR" sz="4000" b="0" strike="noStrike" spc="-1">
                 <a:solidFill>
                   <a:srgbClr val="000000"/>
                 </a:solidFill>
                 <a:uFill>
                   <a:solidFill>
-                    <a:srgbClr val="ffffff"/>
+                    <a:srgbClr val="FFFFFF"/>
                   </a:solidFill>
                 </a:uFill>
                 <a:latin typeface="Arial"/>
               </a:rPr>
               <a:t>Un graphique de nœud basé sur les forces</a:t>
             </a:r>
-            <a:endParaRPr b="0" lang="fr-FR" sz="1800" spc="-1" strike="noStrike">
+            <a:endParaRPr lang="fr-FR" sz="1800" b="0" strike="noStrike" spc="-1">
               <a:solidFill>
                 <a:srgbClr val="000000"/>
               </a:solidFill>
               <a:uFill>
                 <a:solidFill>
-                  <a:srgbClr val="ffffff"/>
+                  <a:srgbClr val="FFFFFF"/>
                 </a:solidFill>
               </a:uFill>
               <a:latin typeface="Arial"/>
@@ -5655,12 +6305,12 @@
       </p:sp>
       <p:pic>
         <p:nvPicPr>
-          <p:cNvPr id="95" name="" descr=""/>
+          <p:cNvPr id="95" name="Picture 94"/>
           <p:cNvPicPr/>
           <p:nvPr/>
         </p:nvPicPr>
         <p:blipFill>
-          <a:blip r:embed="rId1"/>
+          <a:blip r:embed="rId2"/>
           <a:stretch/>
         </p:blipFill>
         <p:spPr>
@@ -5693,13 +6343,14 @@
           <a:noFill/>
           <a:ln w="76320">
             <a:solidFill>
-              <a:srgbClr val="00cc00"/>
+              <a:srgbClr val="00CC00"/>
             </a:solidFill>
             <a:round/>
           </a:ln>
         </p:spPr>
         <p:txBody>
-          <a:bodyPr lIns="128160" rIns="128160" tIns="83160" bIns="83160"/>
+          <a:bodyPr lIns="128160" tIns="83160" rIns="128160" bIns="83160"/>
+          <a:lstStyle/>
           <a:p>
             <a:pPr marL="216000" indent="-216000">
               <a:buClr>
@@ -5710,30 +6361,19 @@
               <a:buChar char=""/>
             </a:pPr>
             <a:r>
-              <a:rPr b="0" lang="fr-FR" sz="1800" spc="-1" strike="noStrike">
+              <a:rPr lang="fr-FR" sz="1800" b="0" strike="noStrike" spc="-1">
                 <a:solidFill>
                   <a:srgbClr val="000000"/>
                 </a:solidFill>
                 <a:uFill>
                   <a:solidFill>
-                    <a:srgbClr val="ffffff"/>
+                    <a:srgbClr val="FFFFFF"/>
                   </a:solidFill>
                 </a:uFill>
                 <a:latin typeface="Arial"/>
               </a:rPr>
               <a:t>Pas de hiérarchie</a:t>
             </a:r>
-            <a:endParaRPr b="0" lang="fr-FR" sz="1800" spc="-1" strike="noStrike">
-              <a:solidFill>
-                <a:srgbClr val="000000"/>
-              </a:solidFill>
-              <a:uFill>
-                <a:solidFill>
-                  <a:srgbClr val="ffffff"/>
-                </a:solidFill>
-              </a:uFill>
-              <a:latin typeface="Arial"/>
-            </a:endParaRPr>
           </a:p>
           <a:p>
             <a:pPr marL="216000" indent="-216000">
@@ -5745,30 +6385,19 @@
               <a:buChar char=""/>
             </a:pPr>
             <a:r>
-              <a:rPr b="0" lang="fr-FR" sz="1800" spc="-1" strike="noStrike">
+              <a:rPr lang="fr-FR" sz="1800" b="0" strike="noStrike" spc="-1">
                 <a:solidFill>
                   <a:srgbClr val="000000"/>
                 </a:solidFill>
                 <a:uFill>
                   <a:solidFill>
-                    <a:srgbClr val="ffffff"/>
+                    <a:srgbClr val="FFFFFF"/>
                   </a:solidFill>
                 </a:uFill>
                 <a:latin typeface="Arial"/>
               </a:rPr>
               <a:t>Possibilité de manipuler</a:t>
             </a:r>
-            <a:endParaRPr b="0" lang="fr-FR" sz="1800" spc="-1" strike="noStrike">
-              <a:solidFill>
-                <a:srgbClr val="000000"/>
-              </a:solidFill>
-              <a:uFill>
-                <a:solidFill>
-                  <a:srgbClr val="ffffff"/>
-                </a:solidFill>
-              </a:uFill>
-              <a:latin typeface="Arial"/>
-            </a:endParaRPr>
           </a:p>
           <a:p>
             <a:pPr marL="216000" indent="-216000">
@@ -5780,30 +6409,19 @@
               <a:buChar char=""/>
             </a:pPr>
             <a:r>
-              <a:rPr b="0" lang="fr-FR" sz="1800" spc="-1" strike="noStrike">
+              <a:rPr lang="fr-FR" sz="1800" b="0" strike="noStrike" spc="-1">
                 <a:solidFill>
                   <a:srgbClr val="000000"/>
                 </a:solidFill>
                 <a:uFill>
                   <a:solidFill>
-                    <a:srgbClr val="ffffff"/>
+                    <a:srgbClr val="FFFFFF"/>
                   </a:solidFill>
                 </a:uFill>
                 <a:latin typeface="Arial"/>
               </a:rPr>
               <a:t>très librement la </a:t>
             </a:r>
-            <a:endParaRPr b="0" lang="fr-FR" sz="1800" spc="-1" strike="noStrike">
-              <a:solidFill>
-                <a:srgbClr val="000000"/>
-              </a:solidFill>
-              <a:uFill>
-                <a:solidFill>
-                  <a:srgbClr val="ffffff"/>
-                </a:solidFill>
-              </a:uFill>
-              <a:latin typeface="Arial"/>
-            </a:endParaRPr>
           </a:p>
           <a:p>
             <a:pPr marL="216000" indent="-216000">
@@ -5815,30 +6433,19 @@
               <a:buChar char=""/>
             </a:pPr>
             <a:r>
-              <a:rPr b="0" lang="fr-FR" sz="1800" spc="-1" strike="noStrike">
+              <a:rPr lang="fr-FR" sz="1800" b="0" strike="noStrike" spc="-1">
                 <a:solidFill>
                   <a:srgbClr val="000000"/>
                 </a:solidFill>
                 <a:uFill>
                   <a:solidFill>
-                    <a:srgbClr val="ffffff"/>
+                    <a:srgbClr val="FFFFFF"/>
                   </a:solidFill>
                 </a:uFill>
                 <a:latin typeface="Arial"/>
               </a:rPr>
               <a:t>représentation</a:t>
             </a:r>
-            <a:endParaRPr b="0" lang="fr-FR" sz="1800" spc="-1" strike="noStrike">
-              <a:solidFill>
-                <a:srgbClr val="000000"/>
-              </a:solidFill>
-              <a:uFill>
-                <a:solidFill>
-                  <a:srgbClr val="ffffff"/>
-                </a:solidFill>
-              </a:uFill>
-              <a:latin typeface="Arial"/>
-            </a:endParaRPr>
           </a:p>
           <a:p>
             <a:pPr marL="216000" indent="-216000">
@@ -5850,30 +6457,19 @@
               <a:buChar char=""/>
             </a:pPr>
             <a:r>
-              <a:rPr b="0" lang="fr-FR" sz="1800" spc="-1" strike="noStrike">
+              <a:rPr lang="fr-FR" sz="1800" b="0" strike="noStrike" spc="-1">
                 <a:solidFill>
                   <a:srgbClr val="000000"/>
                 </a:solidFill>
                 <a:uFill>
                   <a:solidFill>
-                    <a:srgbClr val="ffffff"/>
+                    <a:srgbClr val="FFFFFF"/>
                   </a:solidFill>
                 </a:uFill>
                 <a:latin typeface="Arial"/>
               </a:rPr>
               <a:t>Simplifie le modèle </a:t>
             </a:r>
-            <a:endParaRPr b="0" lang="fr-FR" sz="1800" spc="-1" strike="noStrike">
-              <a:solidFill>
-                <a:srgbClr val="000000"/>
-              </a:solidFill>
-              <a:uFill>
-                <a:solidFill>
-                  <a:srgbClr val="ffffff"/>
-                </a:solidFill>
-              </a:uFill>
-              <a:latin typeface="Arial"/>
-            </a:endParaRPr>
           </a:p>
           <a:p>
             <a:pPr marL="216000" indent="-216000">
@@ -5885,30 +6481,19 @@
               <a:buChar char=""/>
             </a:pPr>
             <a:r>
-              <a:rPr b="0" lang="fr-FR" sz="1800" spc="-1" strike="noStrike">
+              <a:rPr lang="fr-FR" sz="1800" b="0" strike="noStrike" spc="-1">
                 <a:solidFill>
                   <a:srgbClr val="000000"/>
                 </a:solidFill>
                 <a:uFill>
                   <a:solidFill>
-                    <a:srgbClr val="ffffff"/>
+                    <a:srgbClr val="FFFFFF"/>
                   </a:solidFill>
                 </a:uFill>
                 <a:latin typeface="Arial"/>
               </a:rPr>
               <a:t>relationnel</a:t>
             </a:r>
-            <a:endParaRPr b="0" lang="fr-FR" sz="1800" spc="-1" strike="noStrike">
-              <a:solidFill>
-                <a:srgbClr val="000000"/>
-              </a:solidFill>
-              <a:uFill>
-                <a:solidFill>
-                  <a:srgbClr val="ffffff"/>
-                </a:solidFill>
-              </a:uFill>
-              <a:latin typeface="Arial"/>
-            </a:endParaRPr>
           </a:p>
           <a:p>
             <a:pPr marL="216000" indent="-216000">
@@ -5920,30 +6505,19 @@
               <a:buChar char=""/>
             </a:pPr>
             <a:r>
-              <a:rPr b="0" lang="fr-FR" sz="1800" spc="-1" strike="noStrike">
+              <a:rPr lang="fr-FR" sz="1800" b="0" strike="noStrike" spc="-1">
                 <a:solidFill>
                   <a:srgbClr val="000000"/>
                 </a:solidFill>
                 <a:uFill>
                   <a:solidFill>
-                    <a:srgbClr val="ffffff"/>
+                    <a:srgbClr val="FFFFFF"/>
                   </a:solidFill>
                 </a:uFill>
                 <a:latin typeface="Arial"/>
               </a:rPr>
               <a:t>Permet de définir les</a:t>
             </a:r>
-            <a:endParaRPr b="0" lang="fr-FR" sz="1800" spc="-1" strike="noStrike">
-              <a:solidFill>
-                <a:srgbClr val="000000"/>
-              </a:solidFill>
-              <a:uFill>
-                <a:solidFill>
-                  <a:srgbClr val="ffffff"/>
-                </a:solidFill>
-              </a:uFill>
-              <a:latin typeface="Arial"/>
-            </a:endParaRPr>
           </a:p>
           <a:p>
             <a:pPr marL="216000" indent="-216000">
@@ -5955,30 +6529,19 @@
               <a:buChar char=""/>
             </a:pPr>
             <a:r>
-              <a:rPr b="0" lang="fr-FR" sz="1800" spc="-1" strike="noStrike">
+              <a:rPr lang="fr-FR" sz="1800" b="0" strike="noStrike" spc="-1">
                 <a:solidFill>
                   <a:srgbClr val="000000"/>
                 </a:solidFill>
                 <a:uFill>
                   <a:solidFill>
-                    <a:srgbClr val="ffffff"/>
+                    <a:srgbClr val="FFFFFF"/>
                   </a:solidFill>
                 </a:uFill>
                 <a:latin typeface="Arial"/>
               </a:rPr>
               <a:t>relations entre </a:t>
             </a:r>
-            <a:endParaRPr b="0" lang="fr-FR" sz="1800" spc="-1" strike="noStrike">
-              <a:solidFill>
-                <a:srgbClr val="000000"/>
-              </a:solidFill>
-              <a:uFill>
-                <a:solidFill>
-                  <a:srgbClr val="ffffff"/>
-                </a:solidFill>
-              </a:uFill>
-              <a:latin typeface="Arial"/>
-            </a:endParaRPr>
           </a:p>
           <a:p>
             <a:pPr marL="216000" indent="-216000">
@@ -5990,30 +6553,19 @@
               <a:buChar char=""/>
             </a:pPr>
             <a:r>
-              <a:rPr b="0" lang="fr-FR" sz="1800" spc="-1" strike="noStrike">
+              <a:rPr lang="fr-FR" sz="1800" b="0" strike="noStrike" spc="-1">
                 <a:solidFill>
                   <a:srgbClr val="000000"/>
                 </a:solidFill>
                 <a:uFill>
                   <a:solidFill>
-                    <a:srgbClr val="ffffff"/>
+                    <a:srgbClr val="FFFFFF"/>
                   </a:solidFill>
                 </a:uFill>
                 <a:latin typeface="Arial"/>
               </a:rPr>
               <a:t>personne de manière</a:t>
             </a:r>
-            <a:endParaRPr b="0" lang="fr-FR" sz="1800" spc="-1" strike="noStrike">
-              <a:solidFill>
-                <a:srgbClr val="000000"/>
-              </a:solidFill>
-              <a:uFill>
-                <a:solidFill>
-                  <a:srgbClr val="ffffff"/>
-                </a:solidFill>
-              </a:uFill>
-              <a:latin typeface="Arial"/>
-            </a:endParaRPr>
           </a:p>
           <a:p>
             <a:pPr marL="216000" indent="-216000">
@@ -6025,30 +6577,19 @@
               <a:buChar char=""/>
             </a:pPr>
             <a:r>
-              <a:rPr b="0" lang="fr-FR" sz="1800" spc="-1" strike="noStrike">
+              <a:rPr lang="fr-FR" sz="1800" b="0" strike="noStrike" spc="-1">
                 <a:solidFill>
                   <a:srgbClr val="000000"/>
                 </a:solidFill>
                 <a:uFill>
                   <a:solidFill>
-                    <a:srgbClr val="ffffff"/>
+                    <a:srgbClr val="FFFFFF"/>
                   </a:solidFill>
                 </a:uFill>
                 <a:latin typeface="Arial"/>
               </a:rPr>
               <a:t>atomique</a:t>
             </a:r>
-            <a:endParaRPr b="0" lang="fr-FR" sz="1800" spc="-1" strike="noStrike">
-              <a:solidFill>
-                <a:srgbClr val="000000"/>
-              </a:solidFill>
-              <a:uFill>
-                <a:solidFill>
-                  <a:srgbClr val="ffffff"/>
-                </a:solidFill>
-              </a:uFill>
-              <a:latin typeface="Arial"/>
-            </a:endParaRPr>
           </a:p>
         </p:txBody>
       </p:sp>
@@ -6069,13 +6610,14 @@
           <a:noFill/>
           <a:ln w="76320">
             <a:solidFill>
-              <a:srgbClr val="ff0000"/>
+              <a:srgbClr val="FF0000"/>
             </a:solidFill>
             <a:round/>
           </a:ln>
         </p:spPr>
         <p:txBody>
-          <a:bodyPr lIns="128160" rIns="128160" tIns="83160" bIns="83160"/>
+          <a:bodyPr lIns="128160" tIns="83160" rIns="128160" bIns="83160"/>
+          <a:lstStyle/>
           <a:p>
             <a:pPr marL="216000" indent="-216000">
               <a:buClr>
@@ -6086,30 +6628,19 @@
               <a:buChar char=""/>
             </a:pPr>
             <a:r>
-              <a:rPr b="0" lang="fr-FR" sz="1800" spc="-1" strike="noStrike">
+              <a:rPr lang="fr-FR" sz="1800" b="0" strike="noStrike" spc="-1">
                 <a:solidFill>
                   <a:srgbClr val="000000"/>
                 </a:solidFill>
                 <a:uFill>
                   <a:solidFill>
-                    <a:srgbClr val="ffffff"/>
+                    <a:srgbClr val="FFFFFF"/>
                   </a:solidFill>
                 </a:uFill>
                 <a:latin typeface="Arial"/>
               </a:rPr>
               <a:t>Ressemble peu à un arbre</a:t>
             </a:r>
-            <a:endParaRPr b="0" lang="fr-FR" sz="1800" spc="-1" strike="noStrike">
-              <a:solidFill>
-                <a:srgbClr val="000000"/>
-              </a:solidFill>
-              <a:uFill>
-                <a:solidFill>
-                  <a:srgbClr val="ffffff"/>
-                </a:solidFill>
-              </a:uFill>
-              <a:latin typeface="Arial"/>
-            </a:endParaRPr>
           </a:p>
           <a:p>
             <a:pPr marL="216000" indent="-216000">
@@ -6121,51 +6652,43 @@
               <a:buChar char=""/>
             </a:pPr>
             <a:r>
-              <a:rPr b="0" lang="fr-FR" sz="1800" spc="-1" strike="noStrike">
+              <a:rPr lang="fr-FR" sz="1800" b="0" strike="noStrike" spc="-1">
                 <a:solidFill>
                   <a:srgbClr val="000000"/>
                 </a:solidFill>
                 <a:uFill>
                   <a:solidFill>
-                    <a:srgbClr val="ffffff"/>
+                    <a:srgbClr val="FFFFFF"/>
                   </a:solidFill>
                 </a:uFill>
                 <a:latin typeface="Arial"/>
               </a:rPr>
               <a:t>Coûteux en puissance de calcule</a:t>
             </a:r>
-            <a:endParaRPr b="0" lang="fr-FR" sz="1800" spc="-1" strike="noStrike">
-              <a:solidFill>
-                <a:srgbClr val="000000"/>
-              </a:solidFill>
-              <a:uFill>
-                <a:solidFill>
-                  <a:srgbClr val="ffffff"/>
-                </a:solidFill>
-              </a:uFill>
-              <a:latin typeface="Arial"/>
-            </a:endParaRPr>
           </a:p>
         </p:txBody>
       </p:sp>
     </p:spTree>
   </p:cSld>
+  <p:clrMapOvr>
+    <a:masterClrMapping/>
+  </p:clrMapOvr>
   <p:timing>
     <p:tnLst>
       <p:par>
-        <p:cTn id="11" dur="indefinite" restart="never" nodeType="tmRoot">
+        <p:cTn id="1" dur="indefinite" restart="never" nodeType="tmRoot">
           <p:childTnLst>
             <p:seq>
-              <p:cTn id="12" nodeType="mainSeq"/>
+              <p:cTn id="2" nodeType="mainSeq"/>
               <p:prevCondLst>
-                <p:cond delay="0" evt="onPrev">
+                <p:cond evt="onPrev" delay="0">
                   <p:tgtEl>
                     <p:sldTgt/>
                   </p:tgtEl>
                 </p:cond>
               </p:prevCondLst>
               <p:nextCondLst>
-                <p:cond delay="0" evt="onNext">
+                <p:cond evt="onNext" delay="0">
                   <p:tgtEl>
                     <p:sldTgt/>
                   </p:tgtEl>
@@ -6177,6 +6700,509 @@
       </p:par>
     </p:tnLst>
   </p:timing>
+</p:sld>
+</file>
+
+<file path=ppt/slides/slide7.xml><?xml version="1.0" encoding="utf-8"?>
+<p:sld xmlns:a="http://schemas.openxmlformats.org/drawingml/2006/main" xmlns:r="http://schemas.openxmlformats.org/officeDocument/2006/relationships" xmlns:p="http://schemas.openxmlformats.org/presentationml/2006/main">
+  <p:cSld>
+    <p:spTree>
+      <p:nvGrpSpPr>
+        <p:cNvPr id="1" name=""/>
+        <p:cNvGrpSpPr/>
+        <p:nvPr/>
+      </p:nvGrpSpPr>
+      <p:grpSpPr>
+        <a:xfrm>
+          <a:off x="0" y="0"/>
+          <a:ext cx="0" cy="0"/>
+          <a:chOff x="0" y="0"/>
+          <a:chExt cx="0" cy="0"/>
+        </a:xfrm>
+      </p:grpSpPr>
+      <p:sp>
+        <p:nvSpPr>
+          <p:cNvPr id="4" name="Title 1"/>
+          <p:cNvSpPr>
+            <a:spLocks noGrp="1"/>
+          </p:cNvSpPr>
+          <p:nvPr>
+            <p:ph type="title"/>
+          </p:nvPr>
+        </p:nvSpPr>
+        <p:spPr>
+          <a:xfrm>
+            <a:off x="1371600" y="685800"/>
+            <a:ext cx="5076701" cy="374863"/>
+          </a:xfrm>
+        </p:spPr>
+        <p:txBody>
+          <a:bodyPr/>
+          <a:lstStyle/>
+          <a:p>
+            <a:r>
+              <a:rPr lang="fr-FR" sz="3600" dirty="0" smtClean="0"/>
+              <a:t>A Propos de </a:t>
+            </a:r>
+            <a:r>
+              <a:rPr lang="fr-FR" sz="3600" dirty="0" err="1" smtClean="0"/>
+              <a:t>GeneaTree</a:t>
+            </a:r>
+            <a:r>
+              <a:rPr lang="fr-FR" sz="3600" dirty="0" smtClean="0"/>
+              <a:t> </a:t>
+            </a:r>
+            <a:endParaRPr lang="fr-FR" sz="3600" dirty="0"/>
+          </a:p>
+        </p:txBody>
+      </p:sp>
+      <p:pic>
+        <p:nvPicPr>
+          <p:cNvPr id="5" name="Picture 4"/>
+          <p:cNvPicPr>
+            <a:picLocks noChangeAspect="1"/>
+          </p:cNvPicPr>
+          <p:nvPr/>
+        </p:nvPicPr>
+        <p:blipFill>
+          <a:blip r:embed="rId2">
+            <a:extLst>
+              <a:ext uri="{28A0092B-C50C-407E-A947-70E740481C1C}">
+                <a14:useLocalDpi xmlns:a14="http://schemas.microsoft.com/office/drawing/2010/main" val="0"/>
+              </a:ext>
+            </a:extLst>
+          </a:blip>
+          <a:stretch>
+            <a:fillRect/>
+          </a:stretch>
+        </p:blipFill>
+        <p:spPr>
+          <a:xfrm>
+            <a:off x="1208314" y="1218192"/>
+            <a:ext cx="10479974" cy="5451194"/>
+          </a:xfrm>
+          <a:prstGeom prst="rect">
+            <a:avLst/>
+          </a:prstGeom>
+        </p:spPr>
+      </p:pic>
+    </p:spTree>
+    <p:extLst>
+      <p:ext uri="{BB962C8B-B14F-4D97-AF65-F5344CB8AC3E}">
+        <p14:creationId xmlns:p14="http://schemas.microsoft.com/office/powerpoint/2010/main" val="1077676554"/>
+      </p:ext>
+    </p:extLst>
+  </p:cSld>
+  <p:clrMapOvr>
+    <a:masterClrMapping/>
+  </p:clrMapOvr>
+</p:sld>
+</file>
+
+<file path=ppt/slides/slide8.xml><?xml version="1.0" encoding="utf-8"?>
+<p:sld xmlns:a="http://schemas.openxmlformats.org/drawingml/2006/main" xmlns:r="http://schemas.openxmlformats.org/officeDocument/2006/relationships" xmlns:p="http://schemas.openxmlformats.org/presentationml/2006/main">
+  <p:cSld>
+    <p:spTree>
+      <p:nvGrpSpPr>
+        <p:cNvPr id="1" name=""/>
+        <p:cNvGrpSpPr/>
+        <p:nvPr/>
+      </p:nvGrpSpPr>
+      <p:grpSpPr>
+        <a:xfrm>
+          <a:off x="0" y="0"/>
+          <a:ext cx="0" cy="0"/>
+          <a:chOff x="0" y="0"/>
+          <a:chExt cx="0" cy="0"/>
+        </a:xfrm>
+      </p:grpSpPr>
+      <p:sp>
+        <p:nvSpPr>
+          <p:cNvPr id="2" name="Title 1"/>
+          <p:cNvSpPr>
+            <a:spLocks noGrp="1"/>
+          </p:cNvSpPr>
+          <p:nvPr>
+            <p:ph type="title"/>
+          </p:nvPr>
+        </p:nvSpPr>
+        <p:spPr>
+          <a:xfrm>
+            <a:off x="1371600" y="685800"/>
+            <a:ext cx="5076701" cy="374863"/>
+          </a:xfrm>
+        </p:spPr>
+        <p:txBody>
+          <a:bodyPr/>
+          <a:lstStyle/>
+          <a:p>
+            <a:r>
+              <a:rPr lang="fr-FR" sz="3600" dirty="0" smtClean="0"/>
+              <a:t>Devenir membre </a:t>
+            </a:r>
+            <a:endParaRPr lang="fr-FR" sz="3600" dirty="0"/>
+          </a:p>
+        </p:txBody>
+      </p:sp>
+      <p:sp>
+        <p:nvSpPr>
+          <p:cNvPr id="5" name="TextBox 4"/>
+          <p:cNvSpPr txBox="1"/>
+          <p:nvPr/>
+        </p:nvSpPr>
+        <p:spPr>
+          <a:xfrm>
+            <a:off x="1205345" y="1686773"/>
+            <a:ext cx="5551714" cy="646331"/>
+          </a:xfrm>
+          <a:prstGeom prst="rect">
+            <a:avLst/>
+          </a:prstGeom>
+          <a:noFill/>
+        </p:spPr>
+        <p:txBody>
+          <a:bodyPr wrap="square" rtlCol="0">
+            <a:spAutoFit/>
+          </a:bodyPr>
+          <a:lstStyle/>
+          <a:p>
+            <a:r>
+              <a:rPr lang="fr-FR" dirty="0" smtClean="0"/>
+              <a:t>L’idée est de créer un réseau sociale de famille,</a:t>
+            </a:r>
+          </a:p>
+          <a:p>
+            <a:r>
+              <a:rPr lang="fr-FR" dirty="0" smtClean="0"/>
+              <a:t> le site a encore besoin de certains améliorations </a:t>
+            </a:r>
+            <a:r>
+              <a:rPr lang="mr-IN" dirty="0" smtClean="0"/>
+              <a:t>…</a:t>
+            </a:r>
+            <a:endParaRPr lang="fr-FR" dirty="0"/>
+          </a:p>
+        </p:txBody>
+      </p:sp>
+      <p:sp>
+        <p:nvSpPr>
+          <p:cNvPr id="6" name="TextBox 5"/>
+          <p:cNvSpPr txBox="1"/>
+          <p:nvPr/>
+        </p:nvSpPr>
+        <p:spPr>
+          <a:xfrm>
+            <a:off x="1098468" y="3100764"/>
+            <a:ext cx="6964878" cy="2339102"/>
+          </a:xfrm>
+          <a:prstGeom prst="rect">
+            <a:avLst/>
+          </a:prstGeom>
+          <a:noFill/>
+        </p:spPr>
+        <p:txBody>
+          <a:bodyPr wrap="square" rtlCol="0">
+            <a:spAutoFit/>
+          </a:bodyPr>
+          <a:lstStyle/>
+          <a:p>
+            <a:r>
+              <a:rPr lang="fr-FR" sz="2800" dirty="0" smtClean="0"/>
+              <a:t>Sur le site de </a:t>
+            </a:r>
+            <a:r>
+              <a:rPr lang="fr-FR" sz="2800" dirty="0" err="1" smtClean="0"/>
+              <a:t>GeneaTree</a:t>
+            </a:r>
+            <a:r>
+              <a:rPr lang="fr-FR" sz="2800" dirty="0" smtClean="0"/>
+              <a:t> on peut : </a:t>
+            </a:r>
+          </a:p>
+          <a:p>
+            <a:pPr marL="285750" indent="-285750">
+              <a:buFont typeface="Arial" charset="0"/>
+              <a:buChar char="•"/>
+            </a:pPr>
+            <a:r>
+              <a:rPr lang="fr-FR" sz="2800" dirty="0" smtClean="0"/>
+              <a:t>Créer un compte utilisateurs</a:t>
+            </a:r>
+          </a:p>
+          <a:p>
+            <a:r>
+              <a:rPr lang="fr-FR" dirty="0" smtClean="0"/>
+              <a:t>Les utilisateurs sont enregistré</a:t>
+            </a:r>
+            <a:r>
+              <a:rPr lang="en-GB" dirty="0" smtClean="0"/>
+              <a:t>s</a:t>
+            </a:r>
+            <a:r>
+              <a:rPr lang="fr-FR" dirty="0" smtClean="0"/>
+              <a:t> dans notre base de donné</a:t>
+            </a:r>
+            <a:r>
+              <a:rPr lang="en-GB" dirty="0" smtClean="0"/>
+              <a:t>e</a:t>
+            </a:r>
+            <a:r>
+              <a:rPr lang="fr-FR" dirty="0" smtClean="0"/>
+              <a:t>s « </a:t>
+            </a:r>
+            <a:r>
+              <a:rPr lang="fr-FR" dirty="0" err="1" smtClean="0"/>
+              <a:t>genea</a:t>
+            </a:r>
+            <a:r>
+              <a:rPr lang="fr-FR" dirty="0" smtClean="0"/>
+              <a:t> »</a:t>
+            </a:r>
+            <a:endParaRPr lang="fr-FR" sz="1600" dirty="0" smtClean="0"/>
+          </a:p>
+          <a:p>
+            <a:endParaRPr lang="fr-FR" dirty="0"/>
+          </a:p>
+          <a:p>
+            <a:endParaRPr lang="fr-FR" dirty="0" smtClean="0"/>
+          </a:p>
+          <a:p>
+            <a:r>
+              <a:rPr lang="fr-FR" dirty="0" smtClean="0"/>
+              <a:t>Langages utilisé</a:t>
+            </a:r>
+            <a:r>
+              <a:rPr lang="en-GB" dirty="0" smtClean="0"/>
+              <a:t> : html, </a:t>
+            </a:r>
+            <a:r>
+              <a:rPr lang="en-GB" dirty="0" err="1" smtClean="0"/>
+              <a:t>css</a:t>
+            </a:r>
+            <a:r>
+              <a:rPr lang="en-GB" dirty="0" smtClean="0"/>
+              <a:t>, </a:t>
+            </a:r>
+            <a:r>
+              <a:rPr lang="en-GB" dirty="0" err="1" smtClean="0"/>
+              <a:t>php</a:t>
+            </a:r>
+            <a:endParaRPr lang="fr-FR" dirty="0"/>
+          </a:p>
+        </p:txBody>
+      </p:sp>
+      <p:pic>
+        <p:nvPicPr>
+          <p:cNvPr id="8" name="Picture 7"/>
+          <p:cNvPicPr>
+            <a:picLocks noChangeAspect="1"/>
+          </p:cNvPicPr>
+          <p:nvPr/>
+        </p:nvPicPr>
+        <p:blipFill>
+          <a:blip r:embed="rId2">
+            <a:extLst>
+              <a:ext uri="{28A0092B-C50C-407E-A947-70E740481C1C}">
+                <a14:useLocalDpi xmlns:a14="http://schemas.microsoft.com/office/drawing/2010/main" val="0"/>
+              </a:ext>
+            </a:extLst>
+          </a:blip>
+          <a:stretch>
+            <a:fillRect/>
+          </a:stretch>
+        </p:blipFill>
+        <p:spPr>
+          <a:xfrm>
+            <a:off x="7744987" y="276979"/>
+            <a:ext cx="4047209" cy="6592896"/>
+          </a:xfrm>
+          <a:prstGeom prst="rect">
+            <a:avLst/>
+          </a:prstGeom>
+        </p:spPr>
+      </p:pic>
+    </p:spTree>
+    <p:extLst>
+      <p:ext uri="{BB962C8B-B14F-4D97-AF65-F5344CB8AC3E}">
+        <p14:creationId xmlns:p14="http://schemas.microsoft.com/office/powerpoint/2010/main" val="632764280"/>
+      </p:ext>
+    </p:extLst>
+  </p:cSld>
+  <p:clrMapOvr>
+    <a:masterClrMapping/>
+  </p:clrMapOvr>
+</p:sld>
+</file>
+
+<file path=ppt/slides/slide9.xml><?xml version="1.0" encoding="utf-8"?>
+<p:sld xmlns:a="http://schemas.openxmlformats.org/drawingml/2006/main" xmlns:r="http://schemas.openxmlformats.org/officeDocument/2006/relationships" xmlns:p="http://schemas.openxmlformats.org/presentationml/2006/main">
+  <p:cSld>
+    <p:spTree>
+      <p:nvGrpSpPr>
+        <p:cNvPr id="1" name=""/>
+        <p:cNvGrpSpPr/>
+        <p:nvPr/>
+      </p:nvGrpSpPr>
+      <p:grpSpPr>
+        <a:xfrm>
+          <a:off x="0" y="0"/>
+          <a:ext cx="0" cy="0"/>
+          <a:chOff x="0" y="0"/>
+          <a:chExt cx="0" cy="0"/>
+        </a:xfrm>
+      </p:grpSpPr>
+      <p:sp>
+        <p:nvSpPr>
+          <p:cNvPr id="5" name="Title 1"/>
+          <p:cNvSpPr>
+            <a:spLocks noGrp="1"/>
+          </p:cNvSpPr>
+          <p:nvPr>
+            <p:ph type="title"/>
+          </p:nvPr>
+        </p:nvSpPr>
+        <p:spPr>
+          <a:xfrm>
+            <a:off x="1371600" y="685800"/>
+            <a:ext cx="5076701" cy="374863"/>
+          </a:xfrm>
+        </p:spPr>
+        <p:txBody>
+          <a:bodyPr/>
+          <a:lstStyle/>
+          <a:p>
+            <a:r>
+              <a:rPr lang="fr-FR" sz="3600" dirty="0" smtClean="0"/>
+              <a:t>Se connecter </a:t>
+            </a:r>
+            <a:endParaRPr lang="fr-FR" sz="3600" dirty="0"/>
+          </a:p>
+        </p:txBody>
+      </p:sp>
+      <p:pic>
+        <p:nvPicPr>
+          <p:cNvPr id="6" name="Picture 5"/>
+          <p:cNvPicPr>
+            <a:picLocks noChangeAspect="1"/>
+          </p:cNvPicPr>
+          <p:nvPr/>
+        </p:nvPicPr>
+        <p:blipFill>
+          <a:blip r:embed="rId2">
+            <a:extLst>
+              <a:ext uri="{28A0092B-C50C-407E-A947-70E740481C1C}">
+                <a14:useLocalDpi xmlns:a14="http://schemas.microsoft.com/office/drawing/2010/main" val="0"/>
+              </a:ext>
+            </a:extLst>
+          </a:blip>
+          <a:stretch>
+            <a:fillRect/>
+          </a:stretch>
+        </p:blipFill>
+        <p:spPr>
+          <a:xfrm>
+            <a:off x="1116281" y="3326395"/>
+            <a:ext cx="10058400" cy="2561125"/>
+          </a:xfrm>
+          <a:prstGeom prst="rect">
+            <a:avLst/>
+          </a:prstGeom>
+        </p:spPr>
+      </p:pic>
+      <p:sp>
+        <p:nvSpPr>
+          <p:cNvPr id="7" name="TextBox 6"/>
+          <p:cNvSpPr txBox="1"/>
+          <p:nvPr/>
+        </p:nvSpPr>
+        <p:spPr>
+          <a:xfrm>
+            <a:off x="1116281" y="1793174"/>
+            <a:ext cx="9108374" cy="1384995"/>
+          </a:xfrm>
+          <a:prstGeom prst="rect">
+            <a:avLst/>
+          </a:prstGeom>
+          <a:noFill/>
+        </p:spPr>
+        <p:txBody>
+          <a:bodyPr wrap="square" rtlCol="0">
+            <a:spAutoFit/>
+          </a:bodyPr>
+          <a:lstStyle/>
+          <a:p>
+            <a:r>
+              <a:rPr lang="fr-FR" dirty="0" smtClean="0"/>
+              <a:t>Sur le site de </a:t>
+            </a:r>
+            <a:r>
+              <a:rPr lang="fr-FR" dirty="0" err="1" smtClean="0"/>
+              <a:t>GeneaTree</a:t>
+            </a:r>
+            <a:r>
+              <a:rPr lang="fr-FR" dirty="0" smtClean="0"/>
+              <a:t> on peut : </a:t>
+            </a:r>
+          </a:p>
+          <a:p>
+            <a:pPr marL="285750" indent="-285750">
+              <a:buFont typeface="Arial" charset="0"/>
+              <a:buChar char="•"/>
+            </a:pPr>
+            <a:r>
+              <a:rPr lang="fr-FR" dirty="0" smtClean="0"/>
+              <a:t>Se connecter a son compte utilisateur</a:t>
+            </a:r>
+          </a:p>
+          <a:p>
+            <a:endParaRPr lang="fr-FR" sz="1600" dirty="0" smtClean="0"/>
+          </a:p>
+          <a:p>
+            <a:endParaRPr lang="fr-FR" sz="1600" dirty="0"/>
+          </a:p>
+          <a:p>
+            <a:r>
+              <a:rPr lang="fr-FR" sz="1600" dirty="0" smtClean="0"/>
+              <a:t>Langages utilisé</a:t>
+            </a:r>
+            <a:r>
+              <a:rPr lang="en-GB" sz="1600" dirty="0" smtClean="0"/>
+              <a:t>: </a:t>
+            </a:r>
+            <a:r>
+              <a:rPr lang="en-GB" sz="1600" dirty="0" err="1" smtClean="0"/>
+              <a:t>formulaire</a:t>
+            </a:r>
+            <a:r>
+              <a:rPr lang="en-GB" sz="1600" dirty="0" smtClean="0"/>
+              <a:t> html, </a:t>
+            </a:r>
+            <a:r>
+              <a:rPr lang="en-GB" sz="1600" dirty="0" err="1" smtClean="0"/>
+              <a:t>Css</a:t>
+            </a:r>
+            <a:r>
+              <a:rPr lang="en-GB" sz="1600" dirty="0" smtClean="0"/>
+              <a:t>, jQuery, </a:t>
+            </a:r>
+            <a:r>
+              <a:rPr lang="en-GB" sz="1600" dirty="0" err="1" smtClean="0"/>
+              <a:t>php</a:t>
+            </a:r>
+            <a:endParaRPr lang="fr-FR" sz="1600" dirty="0"/>
+          </a:p>
+        </p:txBody>
+      </p:sp>
+    </p:spTree>
+    <p:extLst>
+      <p:ext uri="{BB962C8B-B14F-4D97-AF65-F5344CB8AC3E}">
+        <p14:creationId xmlns:p14="http://schemas.microsoft.com/office/powerpoint/2010/main" val="530234016"/>
+      </p:ext>
+    </p:extLst>
+  </p:cSld>
+  <p:clrMapOvr>
+    <a:masterClrMapping/>
+  </p:clrMapOvr>
 </p:sld>
 </file>
 
@@ -6400,6 +7426,8 @@
       </a:bgFillStyleLst>
     </a:fmtScheme>
   </a:themeElements>
+  <a:objectDefaults/>
+  <a:extraClrSchemeLst/>
 </a:theme>
 </file>
 
@@ -6623,5 +7651,7 @@
       </a:bgFillStyleLst>
     </a:fmtScheme>
   </a:themeElements>
+  <a:objectDefaults/>
+  <a:extraClrSchemeLst/>
 </a:theme>
 </file>